--- a/文档/展示PPT_第四周.pptx
+++ b/文档/展示PPT_第四周.pptx
@@ -5,10 +5,10 @@
     <p:sldMasterId id="2147483648" r:id="rId1"/>
   </p:sldMasterIdLst>
   <p:notesMasterIdLst>
-    <p:notesMasterId r:id="rId39"/>
+    <p:notesMasterId r:id="rId40"/>
   </p:notesMasterIdLst>
   <p:handoutMasterIdLst>
-    <p:handoutMasterId r:id="rId40"/>
+    <p:handoutMasterId r:id="rId41"/>
   </p:handoutMasterIdLst>
   <p:sldIdLst>
     <p:sldId id="519" r:id="rId2"/>
@@ -23,36 +23,37 @@
     <p:sldId id="564" r:id="rId11"/>
     <p:sldId id="565" r:id="rId12"/>
     <p:sldId id="566" r:id="rId13"/>
-    <p:sldId id="567" r:id="rId14"/>
-    <p:sldId id="573" r:id="rId15"/>
-    <p:sldId id="574" r:id="rId16"/>
-    <p:sldId id="575" r:id="rId17"/>
-    <p:sldId id="576" r:id="rId18"/>
-    <p:sldId id="568" r:id="rId19"/>
-    <p:sldId id="577" r:id="rId20"/>
-    <p:sldId id="578" r:id="rId21"/>
-    <p:sldId id="569" r:id="rId22"/>
-    <p:sldId id="579" r:id="rId23"/>
-    <p:sldId id="580" r:id="rId24"/>
-    <p:sldId id="581" r:id="rId25"/>
-    <p:sldId id="590" r:id="rId26"/>
-    <p:sldId id="582" r:id="rId27"/>
-    <p:sldId id="591" r:id="rId28"/>
-    <p:sldId id="592" r:id="rId29"/>
-    <p:sldId id="593" r:id="rId30"/>
-    <p:sldId id="594" r:id="rId31"/>
-    <p:sldId id="599" r:id="rId32"/>
-    <p:sldId id="600" r:id="rId33"/>
-    <p:sldId id="601" r:id="rId34"/>
-    <p:sldId id="602" r:id="rId35"/>
-    <p:sldId id="595" r:id="rId36"/>
-    <p:sldId id="603" r:id="rId37"/>
-    <p:sldId id="535" r:id="rId38"/>
+    <p:sldId id="604" r:id="rId14"/>
+    <p:sldId id="567" r:id="rId15"/>
+    <p:sldId id="573" r:id="rId16"/>
+    <p:sldId id="574" r:id="rId17"/>
+    <p:sldId id="575" r:id="rId18"/>
+    <p:sldId id="576" r:id="rId19"/>
+    <p:sldId id="568" r:id="rId20"/>
+    <p:sldId id="577" r:id="rId21"/>
+    <p:sldId id="578" r:id="rId22"/>
+    <p:sldId id="569" r:id="rId23"/>
+    <p:sldId id="579" r:id="rId24"/>
+    <p:sldId id="580" r:id="rId25"/>
+    <p:sldId id="581" r:id="rId26"/>
+    <p:sldId id="590" r:id="rId27"/>
+    <p:sldId id="582" r:id="rId28"/>
+    <p:sldId id="591" r:id="rId29"/>
+    <p:sldId id="592" r:id="rId30"/>
+    <p:sldId id="593" r:id="rId31"/>
+    <p:sldId id="594" r:id="rId32"/>
+    <p:sldId id="599" r:id="rId33"/>
+    <p:sldId id="600" r:id="rId34"/>
+    <p:sldId id="601" r:id="rId35"/>
+    <p:sldId id="602" r:id="rId36"/>
+    <p:sldId id="595" r:id="rId37"/>
+    <p:sldId id="603" r:id="rId38"/>
+    <p:sldId id="535" r:id="rId39"/>
   </p:sldIdLst>
   <p:sldSz cx="9144000" cy="5143500" type="screen16x9"/>
   <p:notesSz cx="6858000" cy="9144000"/>
   <p:custDataLst>
-    <p:tags r:id="rId41"/>
+    <p:tags r:id="rId42"/>
   </p:custDataLst>
   <p:defaultTextStyle>
     <a:defPPr>
@@ -1105,7 +1106,7 @@
     </p:spTree>
     <p:extLst>
       <p:ext uri="{BB962C8B-B14F-4D97-AF65-F5344CB8AC3E}">
-        <p14:creationId xmlns:p14="http://schemas.microsoft.com/office/powerpoint/2010/main" val="1092863246"/>
+        <p14:creationId xmlns:p14="http://schemas.microsoft.com/office/powerpoint/2010/main" val="842834198"/>
       </p:ext>
     </p:extLst>
   </p:cSld>
@@ -1189,7 +1190,7 @@
     </p:spTree>
     <p:extLst>
       <p:ext uri="{BB962C8B-B14F-4D97-AF65-F5344CB8AC3E}">
-        <p14:creationId xmlns:p14="http://schemas.microsoft.com/office/powerpoint/2010/main" val="1679330955"/>
+        <p14:creationId xmlns:p14="http://schemas.microsoft.com/office/powerpoint/2010/main" val="1092863246"/>
       </p:ext>
     </p:extLst>
   </p:cSld>
@@ -1273,7 +1274,7 @@
     </p:spTree>
     <p:extLst>
       <p:ext uri="{BB962C8B-B14F-4D97-AF65-F5344CB8AC3E}">
-        <p14:creationId xmlns:p14="http://schemas.microsoft.com/office/powerpoint/2010/main" val="495612483"/>
+        <p14:creationId xmlns:p14="http://schemas.microsoft.com/office/powerpoint/2010/main" val="1679330955"/>
       </p:ext>
     </p:extLst>
   </p:cSld>
@@ -1357,7 +1358,7 @@
     </p:spTree>
     <p:extLst>
       <p:ext uri="{BB962C8B-B14F-4D97-AF65-F5344CB8AC3E}">
-        <p14:creationId xmlns:p14="http://schemas.microsoft.com/office/powerpoint/2010/main" val="236717593"/>
+        <p14:creationId xmlns:p14="http://schemas.microsoft.com/office/powerpoint/2010/main" val="495612483"/>
       </p:ext>
     </p:extLst>
   </p:cSld>
@@ -1441,7 +1442,7 @@
     </p:spTree>
     <p:extLst>
       <p:ext uri="{BB962C8B-B14F-4D97-AF65-F5344CB8AC3E}">
-        <p14:creationId xmlns:p14="http://schemas.microsoft.com/office/powerpoint/2010/main" val="3107967813"/>
+        <p14:creationId xmlns:p14="http://schemas.microsoft.com/office/powerpoint/2010/main" val="236717593"/>
       </p:ext>
     </p:extLst>
   </p:cSld>
@@ -1525,7 +1526,7 @@
     </p:spTree>
     <p:extLst>
       <p:ext uri="{BB962C8B-B14F-4D97-AF65-F5344CB8AC3E}">
-        <p14:creationId xmlns:p14="http://schemas.microsoft.com/office/powerpoint/2010/main" val="360146250"/>
+        <p14:creationId xmlns:p14="http://schemas.microsoft.com/office/powerpoint/2010/main" val="3107967813"/>
       </p:ext>
     </p:extLst>
   </p:cSld>
@@ -1609,7 +1610,7 @@
     </p:spTree>
     <p:extLst>
       <p:ext uri="{BB962C8B-B14F-4D97-AF65-F5344CB8AC3E}">
-        <p14:creationId xmlns:p14="http://schemas.microsoft.com/office/powerpoint/2010/main" val="2618189728"/>
+        <p14:creationId xmlns:p14="http://schemas.microsoft.com/office/powerpoint/2010/main" val="360146250"/>
       </p:ext>
     </p:extLst>
   </p:cSld>
@@ -1772,7 +1773,7 @@
     </p:spTree>
     <p:extLst>
       <p:ext uri="{BB962C8B-B14F-4D97-AF65-F5344CB8AC3E}">
-        <p14:creationId xmlns:p14="http://schemas.microsoft.com/office/powerpoint/2010/main" val="3625510947"/>
+        <p14:creationId xmlns:p14="http://schemas.microsoft.com/office/powerpoint/2010/main" val="2618189728"/>
       </p:ext>
     </p:extLst>
   </p:cSld>
@@ -1856,7 +1857,7 @@
     </p:spTree>
     <p:extLst>
       <p:ext uri="{BB962C8B-B14F-4D97-AF65-F5344CB8AC3E}">
-        <p14:creationId xmlns:p14="http://schemas.microsoft.com/office/powerpoint/2010/main" val="747789247"/>
+        <p14:creationId xmlns:p14="http://schemas.microsoft.com/office/powerpoint/2010/main" val="3625510947"/>
       </p:ext>
     </p:extLst>
   </p:cSld>
@@ -1940,7 +1941,7 @@
     </p:spTree>
     <p:extLst>
       <p:ext uri="{BB962C8B-B14F-4D97-AF65-F5344CB8AC3E}">
-        <p14:creationId xmlns:p14="http://schemas.microsoft.com/office/powerpoint/2010/main" val="2263918570"/>
+        <p14:creationId xmlns:p14="http://schemas.microsoft.com/office/powerpoint/2010/main" val="747789247"/>
       </p:ext>
     </p:extLst>
   </p:cSld>
@@ -2024,7 +2025,7 @@
     </p:spTree>
     <p:extLst>
       <p:ext uri="{BB962C8B-B14F-4D97-AF65-F5344CB8AC3E}">
-        <p14:creationId xmlns:p14="http://schemas.microsoft.com/office/powerpoint/2010/main" val="3683597468"/>
+        <p14:creationId xmlns:p14="http://schemas.microsoft.com/office/powerpoint/2010/main" val="2263918570"/>
       </p:ext>
     </p:extLst>
   </p:cSld>
@@ -2108,7 +2109,7 @@
     </p:spTree>
     <p:extLst>
       <p:ext uri="{BB962C8B-B14F-4D97-AF65-F5344CB8AC3E}">
-        <p14:creationId xmlns:p14="http://schemas.microsoft.com/office/powerpoint/2010/main" val="2194528086"/>
+        <p14:creationId xmlns:p14="http://schemas.microsoft.com/office/powerpoint/2010/main" val="3683597468"/>
       </p:ext>
     </p:extLst>
   </p:cSld>
@@ -2181,7 +2182,7 @@
           <a:bodyPr/>
           <a:lstStyle/>
           <a:p>
-            <a:fld id="{DA25CCEA-3F45-46FD-873C-10FB1242F407}" type="slidenum">
+            <a:fld id="{0D64EC1F-4C1A-4575-A29E-535B091AA911}" type="slidenum">
               <a:rPr lang="zh-CN" altLang="en-US" smtClean="0"/>
               <a:t>25</a:t>
             </a:fld>
@@ -2192,7 +2193,7 @@
     </p:spTree>
     <p:extLst>
       <p:ext uri="{BB962C8B-B14F-4D97-AF65-F5344CB8AC3E}">
-        <p14:creationId xmlns:p14="http://schemas.microsoft.com/office/powerpoint/2010/main" val="2328496854"/>
+        <p14:creationId xmlns:p14="http://schemas.microsoft.com/office/powerpoint/2010/main" val="2194528086"/>
       </p:ext>
     </p:extLst>
   </p:cSld>
@@ -2265,7 +2266,7 @@
           <a:bodyPr/>
           <a:lstStyle/>
           <a:p>
-            <a:fld id="{0D64EC1F-4C1A-4575-A29E-535B091AA911}" type="slidenum">
+            <a:fld id="{DA25CCEA-3F45-46FD-873C-10FB1242F407}" type="slidenum">
               <a:rPr lang="zh-CN" altLang="en-US" smtClean="0"/>
               <a:t>26</a:t>
             </a:fld>
@@ -2276,7 +2277,7 @@
     </p:spTree>
     <p:extLst>
       <p:ext uri="{BB962C8B-B14F-4D97-AF65-F5344CB8AC3E}">
-        <p14:creationId xmlns:p14="http://schemas.microsoft.com/office/powerpoint/2010/main" val="1922472711"/>
+        <p14:creationId xmlns:p14="http://schemas.microsoft.com/office/powerpoint/2010/main" val="2328496854"/>
       </p:ext>
     </p:extLst>
   </p:cSld>
@@ -2360,7 +2361,7 @@
     </p:spTree>
     <p:extLst>
       <p:ext uri="{BB962C8B-B14F-4D97-AF65-F5344CB8AC3E}">
-        <p14:creationId xmlns:p14="http://schemas.microsoft.com/office/powerpoint/2010/main" val="451328289"/>
+        <p14:creationId xmlns:p14="http://schemas.microsoft.com/office/powerpoint/2010/main" val="1922472711"/>
       </p:ext>
     </p:extLst>
   </p:cSld>
@@ -2444,7 +2445,7 @@
     </p:spTree>
     <p:extLst>
       <p:ext uri="{BB962C8B-B14F-4D97-AF65-F5344CB8AC3E}">
-        <p14:creationId xmlns:p14="http://schemas.microsoft.com/office/powerpoint/2010/main" val="1815540787"/>
+        <p14:creationId xmlns:p14="http://schemas.microsoft.com/office/powerpoint/2010/main" val="451328289"/>
       </p:ext>
     </p:extLst>
   </p:cSld>
@@ -2528,7 +2529,7 @@
     </p:spTree>
     <p:extLst>
       <p:ext uri="{BB962C8B-B14F-4D97-AF65-F5344CB8AC3E}">
-        <p14:creationId xmlns:p14="http://schemas.microsoft.com/office/powerpoint/2010/main" val="4169863414"/>
+        <p14:creationId xmlns:p14="http://schemas.microsoft.com/office/powerpoint/2010/main" val="1815540787"/>
       </p:ext>
     </p:extLst>
   </p:cSld>
@@ -2691,7 +2692,7 @@
     </p:spTree>
     <p:extLst>
       <p:ext uri="{BB962C8B-B14F-4D97-AF65-F5344CB8AC3E}">
-        <p14:creationId xmlns:p14="http://schemas.microsoft.com/office/powerpoint/2010/main" val="56910859"/>
+        <p14:creationId xmlns:p14="http://schemas.microsoft.com/office/powerpoint/2010/main" val="4169863414"/>
       </p:ext>
     </p:extLst>
   </p:cSld>
@@ -2775,7 +2776,7 @@
     </p:spTree>
     <p:extLst>
       <p:ext uri="{BB962C8B-B14F-4D97-AF65-F5344CB8AC3E}">
-        <p14:creationId xmlns:p14="http://schemas.microsoft.com/office/powerpoint/2010/main" val="1721514276"/>
+        <p14:creationId xmlns:p14="http://schemas.microsoft.com/office/powerpoint/2010/main" val="56910859"/>
       </p:ext>
     </p:extLst>
   </p:cSld>
@@ -2859,7 +2860,7 @@
     </p:spTree>
     <p:extLst>
       <p:ext uri="{BB962C8B-B14F-4D97-AF65-F5344CB8AC3E}">
-        <p14:creationId xmlns:p14="http://schemas.microsoft.com/office/powerpoint/2010/main" val="1525513353"/>
+        <p14:creationId xmlns:p14="http://schemas.microsoft.com/office/powerpoint/2010/main" val="1721514276"/>
       </p:ext>
     </p:extLst>
   </p:cSld>
@@ -2943,7 +2944,7 @@
     </p:spTree>
     <p:extLst>
       <p:ext uri="{BB962C8B-B14F-4D97-AF65-F5344CB8AC3E}">
-        <p14:creationId xmlns:p14="http://schemas.microsoft.com/office/powerpoint/2010/main" val="2114235998"/>
+        <p14:creationId xmlns:p14="http://schemas.microsoft.com/office/powerpoint/2010/main" val="1525513353"/>
       </p:ext>
     </p:extLst>
   </p:cSld>
@@ -3027,7 +3028,7 @@
     </p:spTree>
     <p:extLst>
       <p:ext uri="{BB962C8B-B14F-4D97-AF65-F5344CB8AC3E}">
-        <p14:creationId xmlns:p14="http://schemas.microsoft.com/office/powerpoint/2010/main" val="1350388909"/>
+        <p14:creationId xmlns:p14="http://schemas.microsoft.com/office/powerpoint/2010/main" val="2114235998"/>
       </p:ext>
     </p:extLst>
   </p:cSld>
@@ -3111,7 +3112,7 @@
     </p:spTree>
     <p:extLst>
       <p:ext uri="{BB962C8B-B14F-4D97-AF65-F5344CB8AC3E}">
-        <p14:creationId xmlns:p14="http://schemas.microsoft.com/office/powerpoint/2010/main" val="4032721817"/>
+        <p14:creationId xmlns:p14="http://schemas.microsoft.com/office/powerpoint/2010/main" val="1350388909"/>
       </p:ext>
     </p:extLst>
   </p:cSld>
@@ -3195,7 +3196,7 @@
     </p:spTree>
     <p:extLst>
       <p:ext uri="{BB962C8B-B14F-4D97-AF65-F5344CB8AC3E}">
-        <p14:creationId xmlns:p14="http://schemas.microsoft.com/office/powerpoint/2010/main" val="1473926857"/>
+        <p14:creationId xmlns:p14="http://schemas.microsoft.com/office/powerpoint/2010/main" val="4032721817"/>
       </p:ext>
     </p:extLst>
   </p:cSld>
@@ -3268,9 +3269,93 @@
           <a:bodyPr/>
           <a:lstStyle/>
           <a:p>
+            <a:fld id="{0D64EC1F-4C1A-4575-A29E-535B091AA911}" type="slidenum">
+              <a:rPr lang="zh-CN" altLang="en-US" smtClean="0"/>
+              <a:t>37</a:t>
+            </a:fld>
+            <a:endParaRPr lang="zh-CN" altLang="en-US"/>
+          </a:p>
+        </p:txBody>
+      </p:sp>
+    </p:spTree>
+    <p:extLst>
+      <p:ext uri="{BB962C8B-B14F-4D97-AF65-F5344CB8AC3E}">
+        <p14:creationId xmlns:p14="http://schemas.microsoft.com/office/powerpoint/2010/main" val="1473926857"/>
+      </p:ext>
+    </p:extLst>
+  </p:cSld>
+  <p:clrMapOvr>
+    <a:masterClrMapping/>
+  </p:clrMapOvr>
+</p:notes>
+</file>
+
+<file path=ppt/notesSlides/notesSlide38.xml><?xml version="1.0" encoding="utf-8"?>
+<p:notes xmlns:a="http://schemas.openxmlformats.org/drawingml/2006/main" xmlns:r="http://schemas.openxmlformats.org/officeDocument/2006/relationships" xmlns:p="http://schemas.openxmlformats.org/presentationml/2006/main">
+  <p:cSld>
+    <p:spTree>
+      <p:nvGrpSpPr>
+        <p:cNvPr id="1" name=""/>
+        <p:cNvGrpSpPr/>
+        <p:nvPr/>
+      </p:nvGrpSpPr>
+      <p:grpSpPr>
+        <a:xfrm>
+          <a:off x="0" y="0"/>
+          <a:ext cx="0" cy="0"/>
+          <a:chOff x="0" y="0"/>
+          <a:chExt cx="0" cy="0"/>
+        </a:xfrm>
+      </p:grpSpPr>
+      <p:sp>
+        <p:nvSpPr>
+          <p:cNvPr id="2" name="幻灯片图像占位符 1"/>
+          <p:cNvSpPr>
+            <a:spLocks noGrp="1" noRot="1" noChangeAspect="1"/>
+          </p:cNvSpPr>
+          <p:nvPr>
+            <p:ph type="sldImg"/>
+          </p:nvPr>
+        </p:nvSpPr>
+        <p:spPr/>
+      </p:sp>
+      <p:sp>
+        <p:nvSpPr>
+          <p:cNvPr id="3" name="备注占位符 2"/>
+          <p:cNvSpPr>
+            <a:spLocks noGrp="1"/>
+          </p:cNvSpPr>
+          <p:nvPr>
+            <p:ph type="body" idx="1"/>
+          </p:nvPr>
+        </p:nvSpPr>
+        <p:spPr/>
+        <p:txBody>
+          <a:bodyPr/>
+          <a:lstStyle/>
+          <a:p>
+            <a:endParaRPr lang="zh-CN" altLang="en-US"/>
+          </a:p>
+        </p:txBody>
+      </p:sp>
+      <p:sp>
+        <p:nvSpPr>
+          <p:cNvPr id="4" name="灯片编号占位符 3"/>
+          <p:cNvSpPr>
+            <a:spLocks noGrp="1"/>
+          </p:cNvSpPr>
+          <p:nvPr>
+            <p:ph type="sldNum" sz="quarter" idx="10"/>
+          </p:nvPr>
+        </p:nvSpPr>
+        <p:spPr/>
+        <p:txBody>
+          <a:bodyPr/>
+          <a:lstStyle/>
+          <a:p>
             <a:fld id="{DA25CCEA-3F45-46FD-873C-10FB1242F407}" type="slidenum">
               <a:rPr lang="zh-CN" altLang="en-US" smtClean="0"/>
-              <a:t>37</a:t>
+              <a:t>38</a:t>
             </a:fld>
             <a:endParaRPr lang="zh-CN" altLang="en-US"/>
           </a:p>
@@ -9933,8 +10018,8 @@
         </p:nvSpPr>
         <p:spPr>
           <a:xfrm>
-            <a:off x="2065101" y="259832"/>
-            <a:ext cx="5851321" cy="5147563"/>
+            <a:off x="1548347" y="2271668"/>
+            <a:ext cx="5851321" cy="300082"/>
           </a:xfrm>
           <a:prstGeom prst="rect">
             <a:avLst/>
@@ -9948,125 +10033,30 @@
           <a:lstStyle/>
           <a:p>
             <a:r>
-              <a:rPr lang="zh-CN" altLang="en-US" sz="1800" b="1" dirty="0"/>
-              <a:t>##### 借阅模块</a:t>
+              <a:rPr lang="zh-CN" altLang="en-US" dirty="0"/>
+              <a:t>在项目介绍文档中</a:t>
             </a:r>
-          </a:p>
-          <a:p>
-            <a:endParaRPr lang="zh-CN" altLang="en-US" dirty="0"/>
-          </a:p>
-          <a:p>
-            <a:r>
-              <a:rPr lang="zh-CN" altLang="en-US" dirty="0"/>
-              <a:t>1.</a:t>
-            </a:r>
-          </a:p>
-          <a:p>
-            <a:endParaRPr lang="zh-CN" altLang="en-US" dirty="0"/>
-          </a:p>
-          <a:p>
-            <a:r>
-              <a:rPr lang="zh-CN" altLang="en-US" dirty="0"/>
-              <a:t>逻辑层函数名称：登录 login()</a:t>
-            </a:r>
-          </a:p>
-          <a:p>
-            <a:endParaRPr lang="zh-CN" altLang="en-US" dirty="0"/>
-          </a:p>
-          <a:p>
-            <a:r>
-              <a:rPr lang="zh-CN" altLang="en-US" dirty="0"/>
-              <a:t>底层函数输入参数：userid</a:t>
-            </a:r>
-          </a:p>
-          <a:p>
-            <a:endParaRPr lang="zh-CN" altLang="en-US" dirty="0"/>
-          </a:p>
-          <a:p>
-            <a:r>
-              <a:rPr lang="zh-CN" altLang="en-US" dirty="0"/>
-              <a:t>调用底层函数：usersearchid(string userid)</a:t>
-            </a:r>
-          </a:p>
-          <a:p>
-            <a:endParaRPr lang="zh-CN" altLang="en-US" dirty="0"/>
-          </a:p>
-          <a:p>
-            <a:r>
-              <a:rPr lang="zh-CN" altLang="en-US" dirty="0"/>
-              <a:t>底层函数返回值：返回用户对象信息字符串  //逻辑层可以自行提取用户密码与输入密码进行对比</a:t>
-            </a:r>
-          </a:p>
-          <a:p>
-            <a:endParaRPr lang="zh-CN" altLang="en-US" dirty="0"/>
-          </a:p>
-          <a:p>
-            <a:r>
-              <a:rPr lang="zh-CN" altLang="en-US" dirty="0"/>
-              <a:t>2.</a:t>
-            </a:r>
-          </a:p>
-          <a:p>
-            <a:endParaRPr lang="zh-CN" altLang="en-US" dirty="0"/>
-          </a:p>
-          <a:p>
-            <a:r>
-              <a:rPr lang="zh-CN" altLang="en-US" dirty="0"/>
-              <a:t>逻辑层函数名称：分类展示 typeshowbook()</a:t>
-            </a:r>
-          </a:p>
-          <a:p>
-            <a:endParaRPr lang="zh-CN" altLang="en-US" dirty="0"/>
-          </a:p>
-          <a:p>
-            <a:r>
-              <a:rPr lang="zh-CN" altLang="en-US" dirty="0"/>
-              <a:t>底层函数输入参数：booktype</a:t>
-            </a:r>
-          </a:p>
-          <a:p>
-            <a:endParaRPr lang="zh-CN" altLang="en-US" dirty="0"/>
-          </a:p>
-          <a:p>
-            <a:r>
-              <a:rPr lang="zh-CN" altLang="en-US" dirty="0"/>
-              <a:t>调用底层函数：booksearchtype(string type)</a:t>
-            </a:r>
-          </a:p>
-          <a:p>
-            <a:endParaRPr lang="zh-CN" altLang="en-US" dirty="0"/>
-          </a:p>
-          <a:p>
-            <a:r>
-              <a:rPr lang="zh-CN" altLang="en-US" dirty="0"/>
-              <a:t>底层函数返回值：返回书籍对象信息字符串</a:t>
-            </a:r>
-          </a:p>
-          <a:p>
-            <a:endParaRPr lang="zh-CN" altLang="en-US" dirty="0"/>
-          </a:p>
-          <a:p>
-            <a:endParaRPr lang="zh-CN" altLang="en-US" dirty="0"/>
+            <a:endParaRPr lang="en-US" altLang="zh-CN" dirty="0"/>
           </a:p>
         </p:txBody>
       </p:sp>
     </p:spTree>
     <p:extLst>
       <p:ext uri="{BB962C8B-B14F-4D97-AF65-F5344CB8AC3E}">
-        <p14:creationId xmlns:p14="http://schemas.microsoft.com/office/powerpoint/2010/main" val="101139769"/>
+        <p14:creationId xmlns:p14="http://schemas.microsoft.com/office/powerpoint/2010/main" val="4075463817"/>
       </p:ext>
     </p:extLst>
   </p:cSld>
   <p:clrMapOvr>
     <a:masterClrMapping/>
   </p:clrMapOvr>
-  <mc:AlternateContent xmlns:mc="http://schemas.openxmlformats.org/markup-compatibility/2006" xmlns:p14="http://schemas.microsoft.com/office/powerpoint/2010/main">
-    <mc:Choice Requires="p14">
+  <mc:AlternateContent xmlns:mc="http://schemas.openxmlformats.org/markup-compatibility/2006">
+    <mc:Choice xmlns:p14="http://schemas.microsoft.com/office/powerpoint/2010/main" Requires="p14">
       <p:transition spd="slow" p14:dur="1600">
         <p14:gallery dir="l"/>
       </p:transition>
     </mc:Choice>
-    <mc:Fallback xmlns="">
+    <mc:Fallback>
       <p:transition spd="slow">
         <p:fade/>
       </p:transition>
@@ -10165,7 +10155,7 @@
 </file>
 
 <file path=ppt/slides/slide14.xml><?xml version="1.0" encoding="utf-8"?>
-<p:sld xmlns:a="http://schemas.openxmlformats.org/drawingml/2006/main" xmlns:r="http://schemas.openxmlformats.org/officeDocument/2006/relationships" xmlns:p="http://schemas.openxmlformats.org/presentationml/2006/main">
+<p:sld xmlns:a="http://schemas.openxmlformats.org/drawingml/2006/main" xmlns:r="http://schemas.openxmlformats.org/officeDocument/2006/relationships" xmlns:p="http://schemas.openxmlformats.org/presentationml/2006/main" show="0">
   <p:cSld>
     <p:spTree>
       <p:nvGrpSpPr>
@@ -10528,10 +10518,10 @@
       </p:sp>
       <p:sp>
         <p:nvSpPr>
-          <p:cNvPr id="8" name="文本框 7">
+          <p:cNvPr id="9" name="文本框 8">
             <a:extLst>
               <a:ext uri="{FF2B5EF4-FFF2-40B4-BE49-F238E27FC236}">
-                <a16:creationId xmlns:a16="http://schemas.microsoft.com/office/drawing/2014/main" id="{AEE5707F-F4A0-4FEC-A7B2-5157771AC2D9}"/>
+                <a16:creationId xmlns:a16="http://schemas.microsoft.com/office/drawing/2014/main" id="{0E083149-19AD-4427-91F1-CC77CA529D22}"/>
               </a:ext>
             </a:extLst>
           </p:cNvPr>
@@ -10540,8 +10530,8 @@
         </p:nvSpPr>
         <p:spPr>
           <a:xfrm>
-            <a:off x="2512577" y="360500"/>
-            <a:ext cx="5524075" cy="4870564"/>
+            <a:off x="2065101" y="259832"/>
+            <a:ext cx="5851321" cy="5147563"/>
           </a:xfrm>
           <a:prstGeom prst="rect">
             <a:avLst/>
@@ -10555,7 +10545,7 @@
           <a:lstStyle/>
           <a:p>
             <a:r>
-              <a:rPr lang="zh-CN" altLang="en-US" dirty="0"/>
+              <a:rPr lang="zh-CN" altLang="en-US" sz="1800" b="1" dirty="0"/>
               <a:t>##### 借阅模块</a:t>
             </a:r>
           </a:p>
@@ -10565,7 +10555,7 @@
           <a:p>
             <a:r>
               <a:rPr lang="zh-CN" altLang="en-US" dirty="0"/>
-              <a:t>3.</a:t>
+              <a:t>1.</a:t>
             </a:r>
           </a:p>
           <a:p>
@@ -10574,7 +10564,7 @@
           <a:p>
             <a:r>
               <a:rPr lang="zh-CN" altLang="en-US" dirty="0"/>
-              <a:t>逻辑层函数名称：书名查找 namesearchbook()</a:t>
+              <a:t>逻辑层函数名称：登录 login()</a:t>
             </a:r>
           </a:p>
           <a:p>
@@ -10583,7 +10573,7 @@
           <a:p>
             <a:r>
               <a:rPr lang="zh-CN" altLang="en-US" dirty="0"/>
-              <a:t>底层函数输入参数：bookname</a:t>
+              <a:t>底层函数输入参数：userid</a:t>
             </a:r>
           </a:p>
           <a:p>
@@ -10592,7 +10582,52 @@
           <a:p>
             <a:r>
               <a:rPr lang="zh-CN" altLang="en-US" dirty="0"/>
-              <a:t>调用底层函数：booksearchname(string name)</a:t>
+              <a:t>调用底层函数：usersearchid(string userid)</a:t>
+            </a:r>
+          </a:p>
+          <a:p>
+            <a:endParaRPr lang="zh-CN" altLang="en-US" dirty="0"/>
+          </a:p>
+          <a:p>
+            <a:r>
+              <a:rPr lang="zh-CN" altLang="en-US" dirty="0"/>
+              <a:t>底层函数返回值：返回用户对象信息字符串  //逻辑层可以自行提取用户密码与输入密码进行对比</a:t>
+            </a:r>
+          </a:p>
+          <a:p>
+            <a:endParaRPr lang="zh-CN" altLang="en-US" dirty="0"/>
+          </a:p>
+          <a:p>
+            <a:r>
+              <a:rPr lang="zh-CN" altLang="en-US" dirty="0"/>
+              <a:t>2.</a:t>
+            </a:r>
+          </a:p>
+          <a:p>
+            <a:endParaRPr lang="zh-CN" altLang="en-US" dirty="0"/>
+          </a:p>
+          <a:p>
+            <a:r>
+              <a:rPr lang="zh-CN" altLang="en-US" dirty="0"/>
+              <a:t>逻辑层函数名称：分类展示 typeshowbook()</a:t>
+            </a:r>
+          </a:p>
+          <a:p>
+            <a:endParaRPr lang="zh-CN" altLang="en-US" dirty="0"/>
+          </a:p>
+          <a:p>
+            <a:r>
+              <a:rPr lang="zh-CN" altLang="en-US" dirty="0"/>
+              <a:t>底层函数输入参数：booktype</a:t>
+            </a:r>
+          </a:p>
+          <a:p>
+            <a:endParaRPr lang="zh-CN" altLang="en-US" dirty="0"/>
+          </a:p>
+          <a:p>
+            <a:r>
+              <a:rPr lang="zh-CN" altLang="en-US" dirty="0"/>
+              <a:t>调用底层函数：booksearchtype(string type)</a:t>
             </a:r>
           </a:p>
           <a:p>
@@ -10606,48 +10641,6 @@
           </a:p>
           <a:p>
             <a:endParaRPr lang="zh-CN" altLang="en-US" dirty="0"/>
-          </a:p>
-          <a:p>
-            <a:r>
-              <a:rPr lang="zh-CN" altLang="en-US" dirty="0"/>
-              <a:t>4.</a:t>
-            </a:r>
-          </a:p>
-          <a:p>
-            <a:endParaRPr lang="zh-CN" altLang="en-US" dirty="0"/>
-          </a:p>
-          <a:p>
-            <a:r>
-              <a:rPr lang="zh-CN" altLang="en-US" dirty="0"/>
-              <a:t>逻辑层函数名称：ISBN查找  ISBNsearchbook()</a:t>
-            </a:r>
-          </a:p>
-          <a:p>
-            <a:endParaRPr lang="zh-CN" altLang="en-US" dirty="0"/>
-          </a:p>
-          <a:p>
-            <a:r>
-              <a:rPr lang="zh-CN" altLang="en-US" dirty="0"/>
-              <a:t>底层函数输入参数：bookISBN</a:t>
-            </a:r>
-          </a:p>
-          <a:p>
-            <a:endParaRPr lang="zh-CN" altLang="en-US" dirty="0"/>
-          </a:p>
-          <a:p>
-            <a:r>
-              <a:rPr lang="zh-CN" altLang="en-US" dirty="0"/>
-              <a:t>调用底层函数：booksearchISBN(string ISBN)</a:t>
-            </a:r>
-          </a:p>
-          <a:p>
-            <a:endParaRPr lang="zh-CN" altLang="en-US" dirty="0"/>
-          </a:p>
-          <a:p>
-            <a:r>
-              <a:rPr lang="zh-CN" altLang="en-US" dirty="0"/>
-              <a:t>返回值：返回同类书籍第一本书对应的对象的首地址   //需要遍历此链表，得到链表长度后，循环得到每一个对象</a:t>
-            </a:r>
           </a:p>
           <a:p>
             <a:endParaRPr lang="zh-CN" altLang="en-US" dirty="0"/>
@@ -10657,20 +10650,20 @@
     </p:spTree>
     <p:extLst>
       <p:ext uri="{BB962C8B-B14F-4D97-AF65-F5344CB8AC3E}">
-        <p14:creationId xmlns:p14="http://schemas.microsoft.com/office/powerpoint/2010/main" val="1112202462"/>
+        <p14:creationId xmlns:p14="http://schemas.microsoft.com/office/powerpoint/2010/main" val="101139769"/>
       </p:ext>
     </p:extLst>
   </p:cSld>
   <p:clrMapOvr>
     <a:masterClrMapping/>
   </p:clrMapOvr>
-  <mc:AlternateContent xmlns:mc="http://schemas.openxmlformats.org/markup-compatibility/2006" xmlns:p14="http://schemas.microsoft.com/office/powerpoint/2010/main">
-    <mc:Choice Requires="p14">
+  <mc:AlternateContent xmlns:mc="http://schemas.openxmlformats.org/markup-compatibility/2006">
+    <mc:Choice xmlns:p14="http://schemas.microsoft.com/office/powerpoint/2010/main" Requires="p14">
       <p:transition spd="slow" p14:dur="1600">
         <p14:gallery dir="l"/>
       </p:transition>
     </mc:Choice>
-    <mc:Fallback xmlns="">
+    <mc:Fallback>
       <p:transition spd="slow">
         <p:fade/>
       </p:transition>
@@ -10769,7 +10762,7 @@
 </file>
 
 <file path=ppt/slides/slide15.xml><?xml version="1.0" encoding="utf-8"?>
-<p:sld xmlns:a="http://schemas.openxmlformats.org/drawingml/2006/main" xmlns:r="http://schemas.openxmlformats.org/officeDocument/2006/relationships" xmlns:p="http://schemas.openxmlformats.org/presentationml/2006/main">
+<p:sld xmlns:a="http://schemas.openxmlformats.org/drawingml/2006/main" xmlns:r="http://schemas.openxmlformats.org/officeDocument/2006/relationships" xmlns:p="http://schemas.openxmlformats.org/presentationml/2006/main" show="0">
   <p:cSld>
     <p:spTree>
       <p:nvGrpSpPr>
@@ -11132,10 +11125,10 @@
       </p:sp>
       <p:sp>
         <p:nvSpPr>
-          <p:cNvPr id="9" name="文本框 8">
+          <p:cNvPr id="8" name="文本框 7">
             <a:extLst>
               <a:ext uri="{FF2B5EF4-FFF2-40B4-BE49-F238E27FC236}">
-                <a16:creationId xmlns:a16="http://schemas.microsoft.com/office/drawing/2014/main" id="{86054D9B-EDC5-4817-BFFF-01126ED21F7A}"/>
+                <a16:creationId xmlns:a16="http://schemas.microsoft.com/office/drawing/2014/main" id="{AEE5707F-F4A0-4FEC-A7B2-5157771AC2D9}"/>
               </a:ext>
             </a:extLst>
           </p:cNvPr>
@@ -11144,8 +11137,8 @@
         </p:nvSpPr>
         <p:spPr>
           <a:xfrm>
-            <a:off x="2411835" y="1092031"/>
-            <a:ext cx="5331204" cy="2446824"/>
+            <a:off x="2512577" y="360500"/>
+            <a:ext cx="5524075" cy="4870564"/>
           </a:xfrm>
           <a:prstGeom prst="rect">
             <a:avLst/>
@@ -11159,22 +11152,17 @@
           <a:lstStyle/>
           <a:p>
             <a:r>
-              <a:rPr lang="en-US" altLang="zh-CN" sz="1800" b="1" dirty="0"/>
-              <a:t>#####</a:t>
+              <a:rPr lang="zh-CN" altLang="en-US" dirty="0"/>
+              <a:t>##### 借阅模块</a:t>
             </a:r>
-            <a:r>
-              <a:rPr lang="zh-CN" altLang="en-US" sz="1800" b="1" dirty="0"/>
-              <a:t>还书模块</a:t>
-            </a:r>
-            <a:endParaRPr lang="en-US" altLang="zh-CN" sz="1800" b="1" dirty="0"/>
-          </a:p>
-          <a:p>
-            <a:endParaRPr lang="en-US" altLang="zh-CN" dirty="0"/>
+          </a:p>
+          <a:p>
+            <a:endParaRPr lang="zh-CN" altLang="en-US" dirty="0"/>
           </a:p>
           <a:p>
             <a:r>
               <a:rPr lang="zh-CN" altLang="en-US" dirty="0"/>
-              <a:t>1.</a:t>
+              <a:t>3.</a:t>
             </a:r>
           </a:p>
           <a:p>
@@ -11183,7 +11171,7 @@
           <a:p>
             <a:r>
               <a:rPr lang="zh-CN" altLang="en-US" dirty="0"/>
-              <a:t>逻辑层函数名称：还书 returnbook()</a:t>
+              <a:t>逻辑层函数名称：书名查找 namesearchbook()</a:t>
             </a:r>
           </a:p>
           <a:p>
@@ -11192,7 +11180,7 @@
           <a:p>
             <a:r>
               <a:rPr lang="zh-CN" altLang="en-US" dirty="0"/>
-              <a:t>底层函数输入参数：bookid</a:t>
+              <a:t>底层函数输入参数：bookname</a:t>
             </a:r>
           </a:p>
           <a:p>
@@ -11201,7 +11189,7 @@
           <a:p>
             <a:r>
               <a:rPr lang="zh-CN" altLang="en-US" dirty="0"/>
-              <a:t>调用底层函数：modifybook(string id)              //用于修改Book onsheelf</a:t>
+              <a:t>调用底层函数：booksearchname(string name)</a:t>
             </a:r>
           </a:p>
           <a:p>
@@ -11210,28 +11198,76 @@
           <a:p>
             <a:r>
               <a:rPr lang="zh-CN" altLang="en-US" dirty="0"/>
-              <a:t>底层函数返回值：bool</a:t>
+              <a:t>底层函数返回值：返回书籍对象信息字符串</a:t>
             </a:r>
+          </a:p>
+          <a:p>
+            <a:endParaRPr lang="zh-CN" altLang="en-US" dirty="0"/>
+          </a:p>
+          <a:p>
+            <a:r>
+              <a:rPr lang="zh-CN" altLang="en-US" dirty="0"/>
+              <a:t>4.</a:t>
+            </a:r>
+          </a:p>
+          <a:p>
+            <a:endParaRPr lang="zh-CN" altLang="en-US" dirty="0"/>
+          </a:p>
+          <a:p>
+            <a:r>
+              <a:rPr lang="zh-CN" altLang="en-US" dirty="0"/>
+              <a:t>逻辑层函数名称：ISBN查找  ISBNsearchbook()</a:t>
+            </a:r>
+          </a:p>
+          <a:p>
+            <a:endParaRPr lang="zh-CN" altLang="en-US" dirty="0"/>
+          </a:p>
+          <a:p>
+            <a:r>
+              <a:rPr lang="zh-CN" altLang="en-US" dirty="0"/>
+              <a:t>底层函数输入参数：bookISBN</a:t>
+            </a:r>
+          </a:p>
+          <a:p>
+            <a:endParaRPr lang="zh-CN" altLang="en-US" dirty="0"/>
+          </a:p>
+          <a:p>
+            <a:r>
+              <a:rPr lang="zh-CN" altLang="en-US" dirty="0"/>
+              <a:t>调用底层函数：booksearchISBN(string ISBN)</a:t>
+            </a:r>
+          </a:p>
+          <a:p>
+            <a:endParaRPr lang="zh-CN" altLang="en-US" dirty="0"/>
+          </a:p>
+          <a:p>
+            <a:r>
+              <a:rPr lang="zh-CN" altLang="en-US" dirty="0"/>
+              <a:t>返回值：返回同类书籍第一本书对应的对象的首地址   //需要遍历此链表，得到链表长度后，循环得到每一个对象</a:t>
+            </a:r>
+          </a:p>
+          <a:p>
+            <a:endParaRPr lang="zh-CN" altLang="en-US" dirty="0"/>
           </a:p>
         </p:txBody>
       </p:sp>
     </p:spTree>
     <p:extLst>
       <p:ext uri="{BB962C8B-B14F-4D97-AF65-F5344CB8AC3E}">
-        <p14:creationId xmlns:p14="http://schemas.microsoft.com/office/powerpoint/2010/main" val="1622386759"/>
+        <p14:creationId xmlns:p14="http://schemas.microsoft.com/office/powerpoint/2010/main" val="1112202462"/>
       </p:ext>
     </p:extLst>
   </p:cSld>
   <p:clrMapOvr>
     <a:masterClrMapping/>
   </p:clrMapOvr>
-  <mc:AlternateContent xmlns:mc="http://schemas.openxmlformats.org/markup-compatibility/2006" xmlns:p14="http://schemas.microsoft.com/office/powerpoint/2010/main">
-    <mc:Choice Requires="p14">
+  <mc:AlternateContent xmlns:mc="http://schemas.openxmlformats.org/markup-compatibility/2006">
+    <mc:Choice xmlns:p14="http://schemas.microsoft.com/office/powerpoint/2010/main" Requires="p14">
       <p:transition spd="slow" p14:dur="1600">
         <p14:gallery dir="l"/>
       </p:transition>
     </mc:Choice>
-    <mc:Fallback xmlns="">
+    <mc:Fallback>
       <p:transition spd="slow">
         <p:fade/>
       </p:transition>
@@ -11330,7 +11366,7 @@
 </file>
 
 <file path=ppt/slides/slide16.xml><?xml version="1.0" encoding="utf-8"?>
-<p:sld xmlns:a="http://schemas.openxmlformats.org/drawingml/2006/main" xmlns:r="http://schemas.openxmlformats.org/officeDocument/2006/relationships" xmlns:p="http://schemas.openxmlformats.org/presentationml/2006/main">
+<p:sld xmlns:a="http://schemas.openxmlformats.org/drawingml/2006/main" xmlns:r="http://schemas.openxmlformats.org/officeDocument/2006/relationships" xmlns:p="http://schemas.openxmlformats.org/presentationml/2006/main" show="0">
   <p:cSld>
     <p:spTree>
       <p:nvGrpSpPr>
@@ -11693,388 +11729,106 @@
       </p:sp>
       <p:sp>
         <p:nvSpPr>
-          <p:cNvPr id="3" name="Rectangle 1">
+          <p:cNvPr id="9" name="文本框 8">
             <a:extLst>
               <a:ext uri="{FF2B5EF4-FFF2-40B4-BE49-F238E27FC236}">
-                <a16:creationId xmlns:a16="http://schemas.microsoft.com/office/drawing/2014/main" id="{894660D2-47AF-45E5-A98C-19C585F8D06A}"/>
+                <a16:creationId xmlns:a16="http://schemas.microsoft.com/office/drawing/2014/main" id="{86054D9B-EDC5-4817-BFFF-01126ED21F7A}"/>
               </a:ext>
             </a:extLst>
           </p:cNvPr>
-          <p:cNvSpPr>
-            <a:spLocks noChangeArrowheads="1"/>
-          </p:cNvSpPr>
+          <p:cNvSpPr txBox="1"/>
           <p:nvPr/>
         </p:nvSpPr>
-        <p:spPr bwMode="auto">
+        <p:spPr>
           <a:xfrm>
-            <a:off x="2512578" y="355758"/>
-            <a:ext cx="5469622" cy="4431983"/>
+            <a:off x="2411835" y="1092031"/>
+            <a:ext cx="5331204" cy="2446824"/>
           </a:xfrm>
           <a:prstGeom prst="rect">
             <a:avLst/>
           </a:prstGeom>
           <a:noFill/>
-          <a:ln>
-            <a:noFill/>
-          </a:ln>
-          <a:effectLst/>
-          <a:extLst>
-            <a:ext uri="{909E8E84-426E-40DD-AFC4-6F175D3DCCD1}">
-              <a14:hiddenFill xmlns:a14="http://schemas.microsoft.com/office/drawing/2010/main">
-                <a:solidFill>
-                  <a:schemeClr val="accent1"/>
-                </a:solidFill>
-              </a14:hiddenFill>
-            </a:ext>
-            <a:ext uri="{91240B29-F687-4F45-9708-019B960494DF}">
-              <a14:hiddenLine xmlns:a14="http://schemas.microsoft.com/office/drawing/2010/main" w="9525">
-                <a:solidFill>
-                  <a:schemeClr val="tx1"/>
-                </a:solidFill>
-                <a:miter lim="800000"/>
-                <a:headEnd/>
-                <a:tailEnd/>
-              </a14:hiddenLine>
-            </a:ext>
-            <a:ext uri="{AF507438-7753-43E0-B8FC-AC1667EBCBE1}">
-              <a14:hiddenEffects xmlns:a14="http://schemas.microsoft.com/office/drawing/2010/main">
-                <a:effectLst>
-                  <a:outerShdw dist="35921" dir="2700000" algn="ctr" rotWithShape="0">
-                    <a:schemeClr val="bg2"/>
-                  </a:outerShdw>
-                </a:effectLst>
-              </a14:hiddenEffects>
-            </a:ext>
-          </a:extLst>
         </p:spPr>
         <p:txBody>
-          <a:bodyPr vert="horz" wrap="square" lIns="91440" tIns="45720" rIns="91440" bIns="45720" numCol="1" anchor="ctr" anchorCtr="0" compatLnSpc="1">
-            <a:prstTxWarp prst="textNoShape">
-              <a:avLst/>
-            </a:prstTxWarp>
+          <a:bodyPr wrap="square">
             <a:spAutoFit/>
           </a:bodyPr>
-          <a:lstStyle>
-            <a:lvl1pPr eaLnBrk="0" fontAlgn="base" hangingPunct="0">
-              <a:spcBef>
-                <a:spcPct val="0"/>
-              </a:spcBef>
-              <a:spcAft>
-                <a:spcPct val="0"/>
-              </a:spcAft>
-              <a:defRPr>
-                <a:solidFill>
-                  <a:schemeClr val="tx1"/>
-                </a:solidFill>
-                <a:latin typeface="Arial" panose="020B0604020202020204" pitchFamily="34" charset="0"/>
-              </a:defRPr>
-            </a:lvl1pPr>
-            <a:lvl2pPr marL="457200" eaLnBrk="0" fontAlgn="base" hangingPunct="0">
-              <a:spcBef>
-                <a:spcPct val="0"/>
-              </a:spcBef>
-              <a:spcAft>
-                <a:spcPct val="0"/>
-              </a:spcAft>
-              <a:defRPr>
-                <a:solidFill>
-                  <a:schemeClr val="tx1"/>
-                </a:solidFill>
-                <a:latin typeface="Arial" panose="020B0604020202020204" pitchFamily="34" charset="0"/>
-              </a:defRPr>
-            </a:lvl2pPr>
-            <a:lvl3pPr marL="914400" eaLnBrk="0" fontAlgn="base" hangingPunct="0">
-              <a:spcBef>
-                <a:spcPct val="0"/>
-              </a:spcBef>
-              <a:spcAft>
-                <a:spcPct val="0"/>
-              </a:spcAft>
-              <a:defRPr>
-                <a:solidFill>
-                  <a:schemeClr val="tx1"/>
-                </a:solidFill>
-                <a:latin typeface="Arial" panose="020B0604020202020204" pitchFamily="34" charset="0"/>
-              </a:defRPr>
-            </a:lvl3pPr>
-            <a:lvl4pPr marL="1371600" eaLnBrk="0" fontAlgn="base" hangingPunct="0">
-              <a:spcBef>
-                <a:spcPct val="0"/>
-              </a:spcBef>
-              <a:spcAft>
-                <a:spcPct val="0"/>
-              </a:spcAft>
-              <a:defRPr>
-                <a:solidFill>
-                  <a:schemeClr val="tx1"/>
-                </a:solidFill>
-                <a:latin typeface="Arial" panose="020B0604020202020204" pitchFamily="34" charset="0"/>
-              </a:defRPr>
-            </a:lvl4pPr>
-            <a:lvl5pPr marL="1828800" eaLnBrk="0" fontAlgn="base" hangingPunct="0">
-              <a:spcBef>
-                <a:spcPct val="0"/>
-              </a:spcBef>
-              <a:spcAft>
-                <a:spcPct val="0"/>
-              </a:spcAft>
-              <a:defRPr>
-                <a:solidFill>
-                  <a:schemeClr val="tx1"/>
-                </a:solidFill>
-                <a:latin typeface="Arial" panose="020B0604020202020204" pitchFamily="34" charset="0"/>
-              </a:defRPr>
-            </a:lvl5pPr>
-            <a:lvl6pPr marL="2286000" eaLnBrk="0" fontAlgn="base" hangingPunct="0">
-              <a:spcBef>
-                <a:spcPct val="0"/>
-              </a:spcBef>
-              <a:spcAft>
-                <a:spcPct val="0"/>
-              </a:spcAft>
-              <a:defRPr>
-                <a:solidFill>
-                  <a:schemeClr val="tx1"/>
-                </a:solidFill>
-                <a:latin typeface="Arial" panose="020B0604020202020204" pitchFamily="34" charset="0"/>
-              </a:defRPr>
-            </a:lvl6pPr>
-            <a:lvl7pPr marL="2743200" eaLnBrk="0" fontAlgn="base" hangingPunct="0">
-              <a:spcBef>
-                <a:spcPct val="0"/>
-              </a:spcBef>
-              <a:spcAft>
-                <a:spcPct val="0"/>
-              </a:spcAft>
-              <a:defRPr>
-                <a:solidFill>
-                  <a:schemeClr val="tx1"/>
-                </a:solidFill>
-                <a:latin typeface="Arial" panose="020B0604020202020204" pitchFamily="34" charset="0"/>
-              </a:defRPr>
-            </a:lvl7pPr>
-            <a:lvl8pPr marL="3200400" eaLnBrk="0" fontAlgn="base" hangingPunct="0">
-              <a:spcBef>
-                <a:spcPct val="0"/>
-              </a:spcBef>
-              <a:spcAft>
-                <a:spcPct val="0"/>
-              </a:spcAft>
-              <a:defRPr>
-                <a:solidFill>
-                  <a:schemeClr val="tx1"/>
-                </a:solidFill>
-                <a:latin typeface="Arial" panose="020B0604020202020204" pitchFamily="34" charset="0"/>
-              </a:defRPr>
-            </a:lvl8pPr>
-            <a:lvl9pPr marL="3657600" eaLnBrk="0" fontAlgn="base" hangingPunct="0">
-              <a:spcBef>
-                <a:spcPct val="0"/>
-              </a:spcBef>
-              <a:spcAft>
-                <a:spcPct val="0"/>
-              </a:spcAft>
-              <a:defRPr>
-                <a:solidFill>
-                  <a:schemeClr val="tx1"/>
-                </a:solidFill>
-                <a:latin typeface="Arial" panose="020B0604020202020204" pitchFamily="34" charset="0"/>
-              </a:defRPr>
-            </a:lvl9pPr>
-          </a:lstStyle>
-          <a:p>
-            <a:pPr defTabSz="914400"/>
+          <a:lstStyle/>
+          <a:p>
             <a:r>
-              <a:rPr lang="en-US" altLang="zh-CN" sz="1600" b="1" dirty="0">
-                <a:latin typeface="+mn-lt"/>
-              </a:rPr>
+              <a:rPr lang="en-US" altLang="zh-CN" sz="1800" b="1" dirty="0"/>
               <a:t>#####</a:t>
             </a:r>
             <a:r>
-              <a:rPr lang="zh-CN" altLang="en-US" sz="1600" b="1" dirty="0">
-                <a:latin typeface="+mn-lt"/>
-              </a:rPr>
-              <a:t>用户管理模块</a:t>
+              <a:rPr lang="zh-CN" altLang="en-US" sz="1800" b="1" dirty="0"/>
+              <a:t>还书模块</a:t>
             </a:r>
-            <a:endParaRPr lang="en-US" altLang="zh-CN" sz="1600" b="1" dirty="0">
-              <a:latin typeface="+mn-lt"/>
-            </a:endParaRPr>
-          </a:p>
-          <a:p>
-            <a:pPr defTabSz="914400"/>
-            <a:endParaRPr lang="en-US" altLang="zh-CN" sz="1400" dirty="0">
-              <a:latin typeface="+mn-lt"/>
-            </a:endParaRPr>
-          </a:p>
-          <a:p>
-            <a:pPr defTabSz="914400"/>
+            <a:endParaRPr lang="en-US" altLang="zh-CN" sz="1800" b="1" dirty="0"/>
+          </a:p>
+          <a:p>
+            <a:endParaRPr lang="en-US" altLang="zh-CN" dirty="0"/>
+          </a:p>
+          <a:p>
             <a:r>
-              <a:rPr lang="zh-CN" altLang="zh-CN" sz="1400" dirty="0">
-                <a:latin typeface="+mn-lt"/>
-              </a:rPr>
+              <a:rPr lang="zh-CN" altLang="en-US" dirty="0"/>
               <a:t>1.</a:t>
             </a:r>
           </a:p>
           <a:p>
-            <a:pPr defTabSz="914400"/>
+            <a:endParaRPr lang="zh-CN" altLang="en-US" dirty="0"/>
+          </a:p>
+          <a:p>
             <a:r>
-              <a:rPr lang="zh-CN" altLang="zh-CN" sz="1400" dirty="0">
-                <a:latin typeface="+mn-lt"/>
-              </a:rPr>
-              <a:t>逻辑层函数名称：增加用户 createuser</a:t>
+              <a:rPr lang="zh-CN" altLang="en-US" dirty="0"/>
+              <a:t>逻辑层函数名称：还书 returnbook()</a:t>
             </a:r>
           </a:p>
           <a:p>
-            <a:pPr defTabSz="914400"/>
+            <a:endParaRPr lang="zh-CN" altLang="en-US" dirty="0"/>
+          </a:p>
+          <a:p>
             <a:r>
-              <a:rPr lang="zh-CN" altLang="zh-CN" sz="1400" dirty="0">
-                <a:latin typeface="+mn-lt"/>
-              </a:rPr>
-              <a:t>底层函数输入参数：userid</a:t>
+              <a:rPr lang="zh-CN" altLang="en-US" dirty="0"/>
+              <a:t>底层函数输入参数：bookid</a:t>
             </a:r>
           </a:p>
           <a:p>
-            <a:pPr defTabSz="914400"/>
+            <a:endParaRPr lang="zh-CN" altLang="en-US" dirty="0"/>
+          </a:p>
+          <a:p>
             <a:r>
-              <a:rPr lang="zh-CN" altLang="zh-CN" sz="1400" dirty="0">
-                <a:latin typeface="+mn-lt"/>
-              </a:rPr>
-              <a:t>调用底层函数：useradd(string id,string name,string college,string major,string password,string email)</a:t>
+              <a:rPr lang="zh-CN" altLang="en-US" dirty="0"/>
+              <a:t>调用底层函数：modifybook(string id)              //用于修改Book onsheelf</a:t>
             </a:r>
           </a:p>
           <a:p>
-            <a:pPr defTabSz="914400"/>
+            <a:endParaRPr lang="zh-CN" altLang="en-US" dirty="0"/>
+          </a:p>
+          <a:p>
             <a:r>
-              <a:rPr lang="zh-CN" altLang="zh-CN" sz="1400" dirty="0">
-                <a:latin typeface="+mn-lt"/>
-              </a:rPr>
+              <a:rPr lang="zh-CN" altLang="en-US" dirty="0"/>
               <a:t>底层函数返回值：bool</a:t>
             </a:r>
-          </a:p>
-          <a:p>
-            <a:pPr defTabSz="914400"/>
-            <a:r>
-              <a:rPr lang="zh-CN" altLang="zh-CN" sz="1400" dirty="0">
-                <a:latin typeface="+mn-lt"/>
-              </a:rPr>
-              <a:t>2.</a:t>
-            </a:r>
-          </a:p>
-          <a:p>
-            <a:pPr defTabSz="914400"/>
-            <a:r>
-              <a:rPr lang="zh-CN" altLang="zh-CN" sz="1400" dirty="0">
-                <a:latin typeface="+mn-lt"/>
-              </a:rPr>
-              <a:t>逻辑层函数名称：用户是否已经存在 existuser()</a:t>
-            </a:r>
-          </a:p>
-          <a:p>
-            <a:pPr defTabSz="914400"/>
-            <a:r>
-              <a:rPr lang="zh-CN" altLang="zh-CN" sz="1400" dirty="0">
-                <a:latin typeface="+mn-lt"/>
-              </a:rPr>
-              <a:t>底层函数输入参数：userid</a:t>
-            </a:r>
-          </a:p>
-          <a:p>
-            <a:pPr defTabSz="914400"/>
-            <a:r>
-              <a:rPr lang="zh-CN" altLang="zh-CN" sz="1400" dirty="0">
-                <a:latin typeface="+mn-lt"/>
-              </a:rPr>
-              <a:t>调用底层函数：usersearchid(string id)</a:t>
-            </a:r>
-          </a:p>
-          <a:p>
-            <a:pPr defTabSz="914400"/>
-            <a:r>
-              <a:rPr lang="zh-CN" altLang="zh-CN" sz="1400" dirty="0">
-                <a:latin typeface="+mn-lt"/>
-              </a:rPr>
-              <a:t>底层函数返回值：返回用户对象信息字符串</a:t>
-            </a:r>
-            <a:endParaRPr lang="en-US" altLang="zh-CN" sz="1400" dirty="0">
-              <a:latin typeface="+mn-lt"/>
-            </a:endParaRPr>
-          </a:p>
-          <a:p>
-            <a:pPr defTabSz="914400"/>
-            <a:r>
-              <a:rPr lang="zh-CN" altLang="zh-CN" sz="1400" dirty="0">
-                <a:latin typeface="+mn-lt"/>
-              </a:rPr>
-              <a:t>3.</a:t>
-            </a:r>
-          </a:p>
-          <a:p>
-            <a:pPr defTabSz="914400"/>
-            <a:r>
-              <a:rPr lang="zh-CN" altLang="zh-CN" sz="1400" dirty="0">
-                <a:latin typeface="+mn-lt"/>
-              </a:rPr>
-              <a:t>逻辑层函数名称：删除用户 deleteuser()</a:t>
-            </a:r>
-          </a:p>
-          <a:p>
-            <a:pPr defTabSz="914400"/>
-            <a:r>
-              <a:rPr lang="zh-CN" altLang="zh-CN" sz="1400" dirty="0">
-                <a:latin typeface="+mn-lt"/>
-              </a:rPr>
-              <a:t>底层函数输入参数 ：userid</a:t>
-            </a:r>
-          </a:p>
-          <a:p>
-            <a:pPr defTabSz="914400"/>
-            <a:r>
-              <a:rPr lang="zh-CN" altLang="zh-CN" sz="1400" dirty="0">
-                <a:latin typeface="+mn-lt"/>
-              </a:rPr>
-              <a:t>调用底层函数：userdelete(string id)</a:t>
-            </a:r>
-          </a:p>
-          <a:p>
-            <a:pPr defTabSz="914400"/>
-            <a:r>
-              <a:rPr lang="zh-CN" altLang="zh-CN" sz="1400" dirty="0">
-                <a:latin typeface="+mn-lt"/>
-              </a:rPr>
-              <a:t>底层函数返回值：bool</a:t>
-            </a:r>
-          </a:p>
-          <a:p>
-            <a:pPr defTabSz="914400"/>
-            <a:endParaRPr lang="zh-CN" altLang="zh-CN" sz="1400" dirty="0">
-              <a:latin typeface="+mn-lt"/>
-            </a:endParaRPr>
-          </a:p>
-          <a:p>
-            <a:pPr defTabSz="914400"/>
-            <a:endParaRPr lang="zh-CN" altLang="zh-CN" sz="1400" dirty="0">
-              <a:latin typeface="+mn-lt"/>
-            </a:endParaRPr>
           </a:p>
         </p:txBody>
       </p:sp>
     </p:spTree>
     <p:extLst>
       <p:ext uri="{BB962C8B-B14F-4D97-AF65-F5344CB8AC3E}">
-        <p14:creationId xmlns:p14="http://schemas.microsoft.com/office/powerpoint/2010/main" val="2821090018"/>
+        <p14:creationId xmlns:p14="http://schemas.microsoft.com/office/powerpoint/2010/main" val="1622386759"/>
       </p:ext>
     </p:extLst>
   </p:cSld>
   <p:clrMapOvr>
     <a:masterClrMapping/>
   </p:clrMapOvr>
-  <mc:AlternateContent xmlns:mc="http://schemas.openxmlformats.org/markup-compatibility/2006" xmlns:p14="http://schemas.microsoft.com/office/powerpoint/2010/main">
-    <mc:Choice Requires="p14">
+  <mc:AlternateContent xmlns:mc="http://schemas.openxmlformats.org/markup-compatibility/2006">
+    <mc:Choice xmlns:p14="http://schemas.microsoft.com/office/powerpoint/2010/main" Requires="p14">
       <p:transition spd="slow" p14:dur="1600">
         <p14:gallery dir="l"/>
       </p:transition>
     </mc:Choice>
-    <mc:Fallback xmlns="">
+    <mc:Fallback>
       <p:transition spd="slow">
         <p:fade/>
       </p:transition>
@@ -12173,7 +11927,7 @@
 </file>
 
 <file path=ppt/slides/slide17.xml><?xml version="1.0" encoding="utf-8"?>
-<p:sld xmlns:a="http://schemas.openxmlformats.org/drawingml/2006/main" xmlns:r="http://schemas.openxmlformats.org/officeDocument/2006/relationships" xmlns:p="http://schemas.openxmlformats.org/presentationml/2006/main">
+<p:sld xmlns:a="http://schemas.openxmlformats.org/drawingml/2006/main" xmlns:r="http://schemas.openxmlformats.org/officeDocument/2006/relationships" xmlns:p="http://schemas.openxmlformats.org/presentationml/2006/main" show="0">
   <p:cSld>
     <p:spTree>
       <p:nvGrpSpPr>
@@ -12539,7 +12293,7 @@
           <p:cNvPr id="3" name="Rectangle 1">
             <a:extLst>
               <a:ext uri="{FF2B5EF4-FFF2-40B4-BE49-F238E27FC236}">
-                <a16:creationId xmlns:a16="http://schemas.microsoft.com/office/drawing/2014/main" id="{044CCA69-AE29-4ECC-90BF-D9EDCA9C5D0E}"/>
+                <a16:creationId xmlns:a16="http://schemas.microsoft.com/office/drawing/2014/main" id="{894660D2-47AF-45E5-A98C-19C585F8D06A}"/>
               </a:ext>
             </a:extLst>
           </p:cNvPr>
@@ -12550,8 +12304,8 @@
         </p:nvSpPr>
         <p:spPr bwMode="auto">
           <a:xfrm>
-            <a:off x="2306636" y="688384"/>
-            <a:ext cx="4530727" cy="3816429"/>
+            <a:off x="2512578" y="355758"/>
+            <a:ext cx="5469622" cy="4431983"/>
           </a:xfrm>
           <a:prstGeom prst="rect">
             <a:avLst/>
@@ -12591,7 +12345,7 @@
           </a:extLst>
         </p:spPr>
         <p:txBody>
-          <a:bodyPr vert="horz" wrap="none" lIns="91440" tIns="45720" rIns="91440" bIns="45720" numCol="1" anchor="ctr" anchorCtr="0" compatLnSpc="1">
+          <a:bodyPr vert="horz" wrap="square" lIns="91440" tIns="45720" rIns="91440" bIns="45720" numCol="1" anchor="ctr" anchorCtr="0" compatLnSpc="1">
             <a:prstTxWarp prst="textNoShape">
               <a:avLst/>
             </a:prstTxWarp>
@@ -12739,7 +12493,7 @@
               </a:rPr>
               <a:t>用户管理模块</a:t>
             </a:r>
-            <a:endParaRPr lang="en-US" altLang="zh-CN" sz="1400" b="1" dirty="0">
+            <a:endParaRPr lang="en-US" altLang="zh-CN" sz="1600" b="1" dirty="0">
               <a:latin typeface="+mn-lt"/>
             </a:endParaRPr>
           </a:p>
@@ -12755,7 +12509,7 @@
               <a:rPr lang="zh-CN" altLang="zh-CN" sz="1400" dirty="0">
                 <a:latin typeface="+mn-lt"/>
               </a:rPr>
-              <a:t>4.</a:t>
+              <a:t>1.</a:t>
             </a:r>
           </a:p>
           <a:p>
@@ -12764,7 +12518,7 @@
               <a:rPr lang="zh-CN" altLang="zh-CN" sz="1400" dirty="0">
                 <a:latin typeface="+mn-lt"/>
               </a:rPr>
-              <a:t>逻辑层函数名称：修改用户借阅信息 modifyuserdata()</a:t>
+              <a:t>逻辑层函数名称：增加用户 createuser</a:t>
             </a:r>
           </a:p>
           <a:p>
@@ -12782,52 +12536,7 @@
               <a:rPr lang="zh-CN" altLang="zh-CN" sz="1400" dirty="0">
                 <a:latin typeface="+mn-lt"/>
               </a:rPr>
-              <a:t>调用底层函数：userstatessearch(string id)</a:t>
-            </a:r>
-          </a:p>
-          <a:p>
-            <a:pPr defTabSz="914400"/>
-            <a:r>
-              <a:rPr lang="zh-CN" altLang="zh-CN" sz="1400" dirty="0">
-                <a:latin typeface="+mn-lt"/>
-              </a:rPr>
-              <a:t>底层函数返回值：bookid</a:t>
-            </a:r>
-          </a:p>
-          <a:p>
-            <a:pPr defTabSz="914400"/>
-            <a:r>
-              <a:rPr lang="zh-CN" altLang="zh-CN" sz="1400" dirty="0">
-                <a:latin typeface="+mn-lt"/>
-              </a:rPr>
-              <a:t>底层函数输入参数：bookid</a:t>
-            </a:r>
-          </a:p>
-          <a:p>
-            <a:pPr defTabSz="914400"/>
-            <a:r>
-              <a:rPr lang="zh-CN" altLang="zh-CN" sz="1400" dirty="0">
-                <a:latin typeface="+mn-lt"/>
-              </a:rPr>
-              <a:t>调用底层函数：booksearchid(string id)</a:t>
-            </a:r>
-          </a:p>
-          <a:p>
-            <a:pPr defTabSz="914400"/>
-            <a:r>
-              <a:rPr lang="zh-CN" altLang="zh-CN" sz="1400" dirty="0">
-                <a:latin typeface="+mn-lt"/>
-              </a:rPr>
-              <a:t>底层函数返回值：返回书籍对象信息字符串</a:t>
-            </a:r>
-          </a:p>
-          <a:p>
-            <a:pPr defTabSz="914400"/>
-            <a:r>
-              <a:rPr lang="zh-CN" altLang="zh-CN" sz="1400" dirty="0">
-                <a:latin typeface="+mn-lt"/>
-              </a:rPr>
-              <a:t>调用底层函数：bookmodify(string id) //修改book onsheelf</a:t>
+              <a:t>调用底层函数：useradd(string id,string name,string college,string major,string password,string email)</a:t>
             </a:r>
           </a:p>
           <a:p>
@@ -12845,7 +12554,7 @@
               <a:rPr lang="zh-CN" altLang="zh-CN" sz="1400" dirty="0">
                 <a:latin typeface="+mn-lt"/>
               </a:rPr>
-              <a:t>5.</a:t>
+              <a:t>2.</a:t>
             </a:r>
           </a:p>
           <a:p>
@@ -12854,7 +12563,7 @@
               <a:rPr lang="zh-CN" altLang="zh-CN" sz="1400" dirty="0">
                 <a:latin typeface="+mn-lt"/>
               </a:rPr>
-              <a:t>逻辑层函数名称：是否归还全部图书 returnAllBooks()</a:t>
+              <a:t>逻辑层函数名称：用户是否已经存在 existuser()</a:t>
             </a:r>
           </a:p>
           <a:p>
@@ -12872,7 +12581,7 @@
               <a:rPr lang="zh-CN" altLang="zh-CN" sz="1400" dirty="0">
                 <a:latin typeface="+mn-lt"/>
               </a:rPr>
-              <a:t>调用底层函数：usertatessearch(string id)</a:t>
+              <a:t>调用底层函数：usersearchid(string id)</a:t>
             </a:r>
           </a:p>
           <a:p>
@@ -12881,28 +12590,88 @@
               <a:rPr lang="zh-CN" altLang="zh-CN" sz="1400" dirty="0">
                 <a:latin typeface="+mn-lt"/>
               </a:rPr>
-              <a:t>底层函数返回值：返回书籍id</a:t>
+              <a:t>底层函数返回值：返回用户对象信息字符串</a:t>
             </a:r>
+            <a:endParaRPr lang="en-US" altLang="zh-CN" sz="1400" dirty="0">
+              <a:latin typeface="+mn-lt"/>
+            </a:endParaRPr>
+          </a:p>
+          <a:p>
+            <a:pPr defTabSz="914400"/>
+            <a:r>
+              <a:rPr lang="zh-CN" altLang="zh-CN" sz="1400" dirty="0">
+                <a:latin typeface="+mn-lt"/>
+              </a:rPr>
+              <a:t>3.</a:t>
+            </a:r>
+          </a:p>
+          <a:p>
+            <a:pPr defTabSz="914400"/>
+            <a:r>
+              <a:rPr lang="zh-CN" altLang="zh-CN" sz="1400" dirty="0">
+                <a:latin typeface="+mn-lt"/>
+              </a:rPr>
+              <a:t>逻辑层函数名称：删除用户 deleteuser()</a:t>
+            </a:r>
+          </a:p>
+          <a:p>
+            <a:pPr defTabSz="914400"/>
+            <a:r>
+              <a:rPr lang="zh-CN" altLang="zh-CN" sz="1400" dirty="0">
+                <a:latin typeface="+mn-lt"/>
+              </a:rPr>
+              <a:t>底层函数输入参数 ：userid</a:t>
+            </a:r>
+          </a:p>
+          <a:p>
+            <a:pPr defTabSz="914400"/>
+            <a:r>
+              <a:rPr lang="zh-CN" altLang="zh-CN" sz="1400" dirty="0">
+                <a:latin typeface="+mn-lt"/>
+              </a:rPr>
+              <a:t>调用底层函数：userdelete(string id)</a:t>
+            </a:r>
+          </a:p>
+          <a:p>
+            <a:pPr defTabSz="914400"/>
+            <a:r>
+              <a:rPr lang="zh-CN" altLang="zh-CN" sz="1400" dirty="0">
+                <a:latin typeface="+mn-lt"/>
+              </a:rPr>
+              <a:t>底层函数返回值：bool</a:t>
+            </a:r>
+          </a:p>
+          <a:p>
+            <a:pPr defTabSz="914400"/>
+            <a:endParaRPr lang="zh-CN" altLang="zh-CN" sz="1400" dirty="0">
+              <a:latin typeface="+mn-lt"/>
+            </a:endParaRPr>
+          </a:p>
+          <a:p>
+            <a:pPr defTabSz="914400"/>
+            <a:endParaRPr lang="zh-CN" altLang="zh-CN" sz="1400" dirty="0">
+              <a:latin typeface="+mn-lt"/>
+            </a:endParaRPr>
           </a:p>
         </p:txBody>
       </p:sp>
     </p:spTree>
     <p:extLst>
       <p:ext uri="{BB962C8B-B14F-4D97-AF65-F5344CB8AC3E}">
-        <p14:creationId xmlns:p14="http://schemas.microsoft.com/office/powerpoint/2010/main" val="2805949690"/>
+        <p14:creationId xmlns:p14="http://schemas.microsoft.com/office/powerpoint/2010/main" val="2821090018"/>
       </p:ext>
     </p:extLst>
   </p:cSld>
   <p:clrMapOvr>
     <a:masterClrMapping/>
   </p:clrMapOvr>
-  <mc:AlternateContent xmlns:mc="http://schemas.openxmlformats.org/markup-compatibility/2006" xmlns:p14="http://schemas.microsoft.com/office/powerpoint/2010/main">
-    <mc:Choice Requires="p14">
+  <mc:AlternateContent xmlns:mc="http://schemas.openxmlformats.org/markup-compatibility/2006">
+    <mc:Choice xmlns:p14="http://schemas.microsoft.com/office/powerpoint/2010/main" Requires="p14">
       <p:transition spd="slow" p14:dur="1600">
         <p14:gallery dir="l"/>
       </p:transition>
     </mc:Choice>
-    <mc:Fallback xmlns="">
+    <mc:Fallback>
       <p:transition spd="slow">
         <p:fade/>
       </p:transition>
@@ -13001,7 +12770,7 @@
 </file>
 
 <file path=ppt/slides/slide18.xml><?xml version="1.0" encoding="utf-8"?>
-<p:sld xmlns:a="http://schemas.openxmlformats.org/drawingml/2006/main" xmlns:r="http://schemas.openxmlformats.org/officeDocument/2006/relationships" xmlns:p="http://schemas.openxmlformats.org/presentationml/2006/main">
+<p:sld xmlns:a="http://schemas.openxmlformats.org/drawingml/2006/main" xmlns:r="http://schemas.openxmlformats.org/officeDocument/2006/relationships" xmlns:p="http://schemas.openxmlformats.org/presentationml/2006/main" show="0">
   <p:cSld>
     <p:spTree>
       <p:nvGrpSpPr>
@@ -13191,7 +12960,7 @@
         <p:spPr bwMode="auto">
           <a:xfrm>
             <a:off x="833995" y="1156506"/>
-            <a:ext cx="881973" cy="400110"/>
+            <a:ext cx="880369" cy="400110"/>
           </a:xfrm>
           <a:prstGeom prst="rect">
             <a:avLst/>
@@ -13352,7 +13121,7 @@
               </a:rPr>
               <a:t>图</a:t>
             </a:r>
-            <a:endParaRPr lang="zh-CN" altLang="zh-CN" sz="2800" dirty="0">
+            <a:endParaRPr lang="zh-CN" altLang="zh-CN" sz="2000" dirty="0">
               <a:solidFill>
                 <a:srgbClr val="4F6383"/>
               </a:solidFill>
@@ -13367,7 +13136,7 @@
           <p:cNvPr id="3" name="Rectangle 1">
             <a:extLst>
               <a:ext uri="{FF2B5EF4-FFF2-40B4-BE49-F238E27FC236}">
-                <a16:creationId xmlns:a16="http://schemas.microsoft.com/office/drawing/2014/main" id="{E47F4150-A773-408E-A430-07014D73B0E0}"/>
+                <a16:creationId xmlns:a16="http://schemas.microsoft.com/office/drawing/2014/main" id="{044CCA69-AE29-4ECC-90BF-D9EDCA9C5D0E}"/>
               </a:ext>
             </a:extLst>
           </p:cNvPr>
@@ -13378,8 +13147,8 @@
         </p:nvSpPr>
         <p:spPr bwMode="auto">
           <a:xfrm>
-            <a:off x="2210427" y="478869"/>
-            <a:ext cx="5448724" cy="4185761"/>
+            <a:off x="2306636" y="688384"/>
+            <a:ext cx="4530727" cy="3816429"/>
           </a:xfrm>
           <a:prstGeom prst="rect">
             <a:avLst/>
@@ -13419,7 +13188,7 @@
           </a:extLst>
         </p:spPr>
         <p:txBody>
-          <a:bodyPr vert="horz" wrap="square" lIns="91440" tIns="45720" rIns="91440" bIns="45720" numCol="1" anchor="ctr" anchorCtr="0" compatLnSpc="1">
+          <a:bodyPr vert="horz" wrap="none" lIns="91440" tIns="45720" rIns="91440" bIns="45720" numCol="1" anchor="ctr" anchorCtr="0" compatLnSpc="1">
             <a:prstTxWarp prst="textNoShape">
               <a:avLst/>
             </a:prstTxWarp>
@@ -13565,7 +13334,7 @@
               <a:rPr lang="zh-CN" altLang="en-US" sz="1600" b="1" dirty="0">
                 <a:latin typeface="+mn-lt"/>
               </a:rPr>
-              <a:t>图书管理模块</a:t>
+              <a:t>用户管理模块</a:t>
             </a:r>
             <a:endParaRPr lang="en-US" altLang="zh-CN" sz="1400" b="1" dirty="0">
               <a:latin typeface="+mn-lt"/>
@@ -13583,7 +13352,7 @@
               <a:rPr lang="zh-CN" altLang="zh-CN" sz="1400" dirty="0">
                 <a:latin typeface="+mn-lt"/>
               </a:rPr>
-              <a:t>1.</a:t>
+              <a:t>4.</a:t>
             </a:r>
           </a:p>
           <a:p>
@@ -13592,7 +13361,34 @@
               <a:rPr lang="zh-CN" altLang="zh-CN" sz="1400" dirty="0">
                 <a:latin typeface="+mn-lt"/>
               </a:rPr>
-              <a:t>逻辑层函数名称：删除图书 deletebook()</a:t>
+              <a:t>逻辑层函数名称：修改用户借阅信息 modifyuserdata()</a:t>
+            </a:r>
+          </a:p>
+          <a:p>
+            <a:pPr defTabSz="914400"/>
+            <a:r>
+              <a:rPr lang="zh-CN" altLang="zh-CN" sz="1400" dirty="0">
+                <a:latin typeface="+mn-lt"/>
+              </a:rPr>
+              <a:t>底层函数输入参数：userid</a:t>
+            </a:r>
+          </a:p>
+          <a:p>
+            <a:pPr defTabSz="914400"/>
+            <a:r>
+              <a:rPr lang="zh-CN" altLang="zh-CN" sz="1400" dirty="0">
+                <a:latin typeface="+mn-lt"/>
+              </a:rPr>
+              <a:t>调用底层函数：userstatessearch(string id)</a:t>
+            </a:r>
+          </a:p>
+          <a:p>
+            <a:pPr defTabSz="914400"/>
+            <a:r>
+              <a:rPr lang="zh-CN" altLang="zh-CN" sz="1400" dirty="0">
+                <a:latin typeface="+mn-lt"/>
+              </a:rPr>
+              <a:t>底层函数返回值：bookid</a:t>
             </a:r>
           </a:p>
           <a:p>
@@ -13610,7 +13406,25 @@
               <a:rPr lang="zh-CN" altLang="zh-CN" sz="1400" dirty="0">
                 <a:latin typeface="+mn-lt"/>
               </a:rPr>
-              <a:t>调用底层函数：bookdelete(string id)</a:t>
+              <a:t>调用底层函数：booksearchid(string id)</a:t>
+            </a:r>
+          </a:p>
+          <a:p>
+            <a:pPr defTabSz="914400"/>
+            <a:r>
+              <a:rPr lang="zh-CN" altLang="zh-CN" sz="1400" dirty="0">
+                <a:latin typeface="+mn-lt"/>
+              </a:rPr>
+              <a:t>底层函数返回值：返回书籍对象信息字符串</a:t>
+            </a:r>
+          </a:p>
+          <a:p>
+            <a:pPr defTabSz="914400"/>
+            <a:r>
+              <a:rPr lang="zh-CN" altLang="zh-CN" sz="1400" dirty="0">
+                <a:latin typeface="+mn-lt"/>
+              </a:rPr>
+              <a:t>调用底层函数：bookmodify(string id) //修改book onsheelf</a:t>
             </a:r>
           </a:p>
           <a:p>
@@ -13628,7 +13442,7 @@
               <a:rPr lang="zh-CN" altLang="zh-CN" sz="1400" dirty="0">
                 <a:latin typeface="+mn-lt"/>
               </a:rPr>
-              <a:t>2.</a:t>
+              <a:t>5.</a:t>
             </a:r>
           </a:p>
           <a:p>
@@ -13637,7 +13451,7 @@
               <a:rPr lang="zh-CN" altLang="zh-CN" sz="1400" dirty="0">
                 <a:latin typeface="+mn-lt"/>
               </a:rPr>
-              <a:t>逻辑层函数名称：修改图书 modifybook()</a:t>
+              <a:t>逻辑层函数名称：是否归还全部图书 returnAllBooks()</a:t>
             </a:r>
           </a:p>
           <a:p>
@@ -13646,7 +13460,7 @@
               <a:rPr lang="zh-CN" altLang="zh-CN" sz="1400" dirty="0">
                 <a:latin typeface="+mn-lt"/>
               </a:rPr>
-              <a:t>底层函数输入参数：bookid </a:t>
+              <a:t>底层函数输入参数：userid</a:t>
             </a:r>
           </a:p>
           <a:p>
@@ -13655,7 +13469,7 @@
               <a:rPr lang="zh-CN" altLang="zh-CN" sz="1400" dirty="0">
                 <a:latin typeface="+mn-lt"/>
               </a:rPr>
-              <a:t>调用底层函数：bookmodify(string id)</a:t>
+              <a:t>调用底层函数：usertatessearch(string id)</a:t>
             </a:r>
           </a:p>
           <a:p>
@@ -13664,52 +13478,7 @@
               <a:rPr lang="zh-CN" altLang="zh-CN" sz="1400" dirty="0">
                 <a:latin typeface="+mn-lt"/>
               </a:rPr>
-              <a:t>底层函数返回值：bool</a:t>
-            </a:r>
-          </a:p>
-          <a:p>
-            <a:pPr defTabSz="914400"/>
-            <a:r>
-              <a:rPr lang="zh-CN" altLang="zh-CN" sz="1400" dirty="0">
-                <a:latin typeface="+mn-lt"/>
-              </a:rPr>
-              <a:t>3.</a:t>
-            </a:r>
-          </a:p>
-          <a:p>
-            <a:pPr defTabSz="914400"/>
-            <a:r>
-              <a:rPr lang="zh-CN" altLang="zh-CN" sz="1400" dirty="0">
-                <a:latin typeface="+mn-lt"/>
-              </a:rPr>
-              <a:t>逻辑层函数名称：增加图书 createbook</a:t>
-            </a:r>
-          </a:p>
-          <a:p>
-            <a:pPr defTabSz="914400"/>
-            <a:r>
-              <a:rPr lang="zh-CN" altLang="zh-CN" sz="1400" dirty="0">
-                <a:latin typeface="+mn-lt"/>
-              </a:rPr>
-              <a:t>底层函数输入参数：bookid</a:t>
-            </a:r>
-          </a:p>
-          <a:p>
-            <a:pPr defTabSz="914400"/>
-            <a:r>
-              <a:rPr lang="zh-CN" altLang="zh-CN" sz="1400" dirty="0">
-                <a:latin typeface="+mn-lt"/>
-              </a:rPr>
-              <a:t>调用底层函数：bookadd(string ISBN,string name,string author,string type,string id,string borrowtime,string returntime,string history, bool onsheelf,bool isovertime;)</a:t>
-            </a:r>
-          </a:p>
-          <a:p>
-            <a:pPr defTabSz="914400"/>
-            <a:r>
-              <a:rPr lang="zh-CN" altLang="zh-CN" sz="1400" dirty="0">
-                <a:latin typeface="+mn-lt"/>
-              </a:rPr>
-              <a:t>底层函数返回值：bool</a:t>
+              <a:t>底层函数返回值：返回书籍id</a:t>
             </a:r>
           </a:p>
         </p:txBody>
@@ -13717,20 +13486,20 @@
     </p:spTree>
     <p:extLst>
       <p:ext uri="{BB962C8B-B14F-4D97-AF65-F5344CB8AC3E}">
-        <p14:creationId xmlns:p14="http://schemas.microsoft.com/office/powerpoint/2010/main" val="597839174"/>
+        <p14:creationId xmlns:p14="http://schemas.microsoft.com/office/powerpoint/2010/main" val="2805949690"/>
       </p:ext>
     </p:extLst>
   </p:cSld>
   <p:clrMapOvr>
     <a:masterClrMapping/>
   </p:clrMapOvr>
-  <mc:AlternateContent xmlns:mc="http://schemas.openxmlformats.org/markup-compatibility/2006" xmlns:p14="http://schemas.microsoft.com/office/powerpoint/2010/main">
-    <mc:Choice Requires="p14">
+  <mc:AlternateContent xmlns:mc="http://schemas.openxmlformats.org/markup-compatibility/2006">
+    <mc:Choice xmlns:p14="http://schemas.microsoft.com/office/powerpoint/2010/main" Requires="p14">
       <p:transition spd="slow" p14:dur="1600">
         <p14:gallery dir="l"/>
       </p:transition>
     </mc:Choice>
-    <mc:Fallback xmlns="">
+    <mc:Fallback>
       <p:transition spd="slow">
         <p:fade/>
       </p:transition>
@@ -13829,7 +13598,7 @@
 </file>
 
 <file path=ppt/slides/slide19.xml><?xml version="1.0" encoding="utf-8"?>
-<p:sld xmlns:a="http://schemas.openxmlformats.org/drawingml/2006/main" xmlns:r="http://schemas.openxmlformats.org/officeDocument/2006/relationships" xmlns:p="http://schemas.openxmlformats.org/presentationml/2006/main">
+<p:sld xmlns:a="http://schemas.openxmlformats.org/drawingml/2006/main" xmlns:r="http://schemas.openxmlformats.org/officeDocument/2006/relationships" xmlns:p="http://schemas.openxmlformats.org/presentationml/2006/main" show="0">
   <p:cSld>
     <p:spTree>
       <p:nvGrpSpPr>
@@ -14545,20 +14314,20 @@
     </p:spTree>
     <p:extLst>
       <p:ext uri="{BB962C8B-B14F-4D97-AF65-F5344CB8AC3E}">
-        <p14:creationId xmlns:p14="http://schemas.microsoft.com/office/powerpoint/2010/main" val="2111571415"/>
+        <p14:creationId xmlns:p14="http://schemas.microsoft.com/office/powerpoint/2010/main" val="597839174"/>
       </p:ext>
     </p:extLst>
   </p:cSld>
   <p:clrMapOvr>
     <a:masterClrMapping/>
   </p:clrMapOvr>
-  <mc:AlternateContent xmlns:mc="http://schemas.openxmlformats.org/markup-compatibility/2006" xmlns:p14="http://schemas.microsoft.com/office/powerpoint/2010/main">
-    <mc:Choice Requires="p14">
+  <mc:AlternateContent xmlns:mc="http://schemas.openxmlformats.org/markup-compatibility/2006">
+    <mc:Choice xmlns:p14="http://schemas.microsoft.com/office/powerpoint/2010/main" Requires="p14">
       <p:transition spd="slow" p14:dur="1600">
         <p14:gallery dir="l"/>
       </p:transition>
     </mc:Choice>
-    <mc:Fallback xmlns="">
+    <mc:Fallback>
       <p:transition spd="slow">
         <p:fade/>
       </p:transition>
@@ -16486,7 +16255,7 @@
 </file>
 
 <file path=ppt/slides/slide20.xml><?xml version="1.0" encoding="utf-8"?>
-<p:sld xmlns:a="http://schemas.openxmlformats.org/drawingml/2006/main" xmlns:r="http://schemas.openxmlformats.org/officeDocument/2006/relationships" xmlns:p="http://schemas.openxmlformats.org/presentationml/2006/main">
+<p:sld xmlns:a="http://schemas.openxmlformats.org/drawingml/2006/main" xmlns:r="http://schemas.openxmlformats.org/officeDocument/2006/relationships" xmlns:p="http://schemas.openxmlformats.org/presentationml/2006/main" show="0">
   <p:cSld>
     <p:spTree>
       <p:nvGrpSpPr>
@@ -16863,8 +16632,8 @@
         </p:nvSpPr>
         <p:spPr bwMode="auto">
           <a:xfrm>
-            <a:off x="2126537" y="1445748"/>
-            <a:ext cx="5448724" cy="1631216"/>
+            <a:off x="2210427" y="478869"/>
+            <a:ext cx="5448724" cy="4185761"/>
           </a:xfrm>
           <a:prstGeom prst="rect">
             <a:avLst/>
@@ -17068,7 +16837,7 @@
               <a:rPr lang="zh-CN" altLang="zh-CN" sz="1400" dirty="0">
                 <a:latin typeface="+mn-lt"/>
               </a:rPr>
-              <a:t>4.</a:t>
+              <a:t>1.</a:t>
             </a:r>
           </a:p>
           <a:p>
@@ -17077,7 +16846,7 @@
               <a:rPr lang="zh-CN" altLang="zh-CN" sz="1400" dirty="0">
                 <a:latin typeface="+mn-lt"/>
               </a:rPr>
-              <a:t>逻辑层函数名称：该图书是否已经存在 existbook()</a:t>
+              <a:t>逻辑层函数名称：删除图书 deletebook()</a:t>
             </a:r>
           </a:p>
           <a:p>
@@ -17095,7 +16864,7 @@
               <a:rPr lang="zh-CN" altLang="zh-CN" sz="1400" dirty="0">
                 <a:latin typeface="+mn-lt"/>
               </a:rPr>
-              <a:t>调用底层函数：booksearchid(string id)</a:t>
+              <a:t>调用底层函数：bookdelete(string id)</a:t>
             </a:r>
           </a:p>
           <a:p>
@@ -17104,7 +16873,97 @@
               <a:rPr lang="zh-CN" altLang="zh-CN" sz="1400" dirty="0">
                 <a:latin typeface="+mn-lt"/>
               </a:rPr>
-              <a:t>底层函数返回值：返回图书对象信息字符串</a:t>
+              <a:t>底层函数返回值：bool</a:t>
+            </a:r>
+          </a:p>
+          <a:p>
+            <a:pPr defTabSz="914400"/>
+            <a:r>
+              <a:rPr lang="zh-CN" altLang="zh-CN" sz="1400" dirty="0">
+                <a:latin typeface="+mn-lt"/>
+              </a:rPr>
+              <a:t>2.</a:t>
+            </a:r>
+          </a:p>
+          <a:p>
+            <a:pPr defTabSz="914400"/>
+            <a:r>
+              <a:rPr lang="zh-CN" altLang="zh-CN" sz="1400" dirty="0">
+                <a:latin typeface="+mn-lt"/>
+              </a:rPr>
+              <a:t>逻辑层函数名称：修改图书 modifybook()</a:t>
+            </a:r>
+          </a:p>
+          <a:p>
+            <a:pPr defTabSz="914400"/>
+            <a:r>
+              <a:rPr lang="zh-CN" altLang="zh-CN" sz="1400" dirty="0">
+                <a:latin typeface="+mn-lt"/>
+              </a:rPr>
+              <a:t>底层函数输入参数：bookid </a:t>
+            </a:r>
+          </a:p>
+          <a:p>
+            <a:pPr defTabSz="914400"/>
+            <a:r>
+              <a:rPr lang="zh-CN" altLang="zh-CN" sz="1400" dirty="0">
+                <a:latin typeface="+mn-lt"/>
+              </a:rPr>
+              <a:t>调用底层函数：bookmodify(string id)</a:t>
+            </a:r>
+          </a:p>
+          <a:p>
+            <a:pPr defTabSz="914400"/>
+            <a:r>
+              <a:rPr lang="zh-CN" altLang="zh-CN" sz="1400" dirty="0">
+                <a:latin typeface="+mn-lt"/>
+              </a:rPr>
+              <a:t>底层函数返回值：bool</a:t>
+            </a:r>
+          </a:p>
+          <a:p>
+            <a:pPr defTabSz="914400"/>
+            <a:r>
+              <a:rPr lang="zh-CN" altLang="zh-CN" sz="1400" dirty="0">
+                <a:latin typeface="+mn-lt"/>
+              </a:rPr>
+              <a:t>3.</a:t>
+            </a:r>
+          </a:p>
+          <a:p>
+            <a:pPr defTabSz="914400"/>
+            <a:r>
+              <a:rPr lang="zh-CN" altLang="zh-CN" sz="1400" dirty="0">
+                <a:latin typeface="+mn-lt"/>
+              </a:rPr>
+              <a:t>逻辑层函数名称：增加图书 createbook</a:t>
+            </a:r>
+          </a:p>
+          <a:p>
+            <a:pPr defTabSz="914400"/>
+            <a:r>
+              <a:rPr lang="zh-CN" altLang="zh-CN" sz="1400" dirty="0">
+                <a:latin typeface="+mn-lt"/>
+              </a:rPr>
+              <a:t>底层函数输入参数：bookid</a:t>
+            </a:r>
+          </a:p>
+          <a:p>
+            <a:pPr defTabSz="914400"/>
+            <a:r>
+              <a:rPr lang="zh-CN" altLang="zh-CN" sz="1400" dirty="0">
+                <a:latin typeface="+mn-lt"/>
+              </a:rPr>
+              <a:t>调用底层函数：bookadd(string ISBN,string name,string author,string type,string id,string borrowtime,string returntime,string history, bool onsheelf,bool isovertime;)</a:t>
+            </a:r>
+          </a:p>
+          <a:p>
+            <a:pPr defTabSz="914400"/>
+            <a:r>
+              <a:rPr lang="zh-CN" altLang="zh-CN" sz="1400" dirty="0">
+                <a:latin typeface="+mn-lt"/>
+              </a:rPr>
+              <a:t>底层函数返回值：bool</a:t>
             </a:r>
           </a:p>
         </p:txBody>
@@ -17112,20 +16971,20 @@
     </p:spTree>
     <p:extLst>
       <p:ext uri="{BB962C8B-B14F-4D97-AF65-F5344CB8AC3E}">
-        <p14:creationId xmlns:p14="http://schemas.microsoft.com/office/powerpoint/2010/main" val="3024505301"/>
+        <p14:creationId xmlns:p14="http://schemas.microsoft.com/office/powerpoint/2010/main" val="2111571415"/>
       </p:ext>
     </p:extLst>
   </p:cSld>
   <p:clrMapOvr>
     <a:masterClrMapping/>
   </p:clrMapOvr>
-  <mc:AlternateContent xmlns:mc="http://schemas.openxmlformats.org/markup-compatibility/2006" xmlns:p14="http://schemas.microsoft.com/office/powerpoint/2010/main">
-    <mc:Choice Requires="p14">
+  <mc:AlternateContent xmlns:mc="http://schemas.openxmlformats.org/markup-compatibility/2006">
+    <mc:Choice xmlns:p14="http://schemas.microsoft.com/office/powerpoint/2010/main" Requires="p14">
       <p:transition spd="slow" p14:dur="1600">
         <p14:gallery dir="l"/>
       </p:transition>
     </mc:Choice>
-    <mc:Fallback xmlns="">
+    <mc:Fallback>
       <p:transition spd="slow">
         <p:fade/>
       </p:transition>
@@ -17224,7 +17083,7 @@
 </file>
 
 <file path=ppt/slides/slide21.xml><?xml version="1.0" encoding="utf-8"?>
-<p:sld xmlns:a="http://schemas.openxmlformats.org/drawingml/2006/main" xmlns:r="http://schemas.openxmlformats.org/officeDocument/2006/relationships" xmlns:p="http://schemas.openxmlformats.org/presentationml/2006/main">
+<p:sld xmlns:a="http://schemas.openxmlformats.org/drawingml/2006/main" xmlns:r="http://schemas.openxmlformats.org/officeDocument/2006/relationships" xmlns:p="http://schemas.openxmlformats.org/presentationml/2006/main" show="0">
   <p:cSld>
     <p:spTree>
       <p:nvGrpSpPr>
@@ -17413,8 +17272,8 @@
         </p:nvSpPr>
         <p:spPr bwMode="auto">
           <a:xfrm>
-            <a:off x="909496" y="1186392"/>
-            <a:ext cx="1415772" cy="461665"/>
+            <a:off x="833995" y="1156506"/>
+            <a:ext cx="881973" cy="400110"/>
           </a:xfrm>
           <a:prstGeom prst="rect">
             <a:avLst/>
@@ -17556,16 +17415,26 @@
           </a:lstStyle>
           <a:p>
             <a:r>
-              <a:rPr lang="zh-CN" altLang="en-US" sz="2400" dirty="0">
+              <a:rPr lang="en-US" altLang="zh-CN" sz="2000" dirty="0">
                 <a:solidFill>
                   <a:srgbClr val="4F6383"/>
                 </a:solidFill>
                 <a:latin typeface="方正兰亭黑_GBK"/>
                 <a:ea typeface="方正兰亭黑_GBK"/>
               </a:rPr>
-              <a:t>物理结构</a:t>
+              <a:t>IPO</a:t>
             </a:r>
-            <a:endParaRPr lang="zh-CN" altLang="zh-CN" sz="2400" dirty="0">
+            <a:r>
+              <a:rPr lang="zh-CN" altLang="en-US" sz="2000" dirty="0">
+                <a:solidFill>
+                  <a:srgbClr val="4F6383"/>
+                </a:solidFill>
+                <a:latin typeface="方正兰亭黑_GBK"/>
+                <a:ea typeface="方正兰亭黑_GBK"/>
+              </a:rPr>
+              <a:t>图</a:t>
+            </a:r>
+            <a:endParaRPr lang="zh-CN" altLang="zh-CN" sz="2800" dirty="0">
               <a:solidFill>
                 <a:srgbClr val="4F6383"/>
               </a:solidFill>
@@ -17575,73 +17444,264 @@
           </a:p>
         </p:txBody>
       </p:sp>
-      <p:pic>
-        <p:nvPicPr>
-          <p:cNvPr id="4" name="图片 3" descr="文本&#10;&#10;描述已自动生成">
+      <p:sp>
+        <p:nvSpPr>
+          <p:cNvPr id="3" name="Rectangle 1">
             <a:extLst>
               <a:ext uri="{FF2B5EF4-FFF2-40B4-BE49-F238E27FC236}">
-                <a16:creationId xmlns:a16="http://schemas.microsoft.com/office/drawing/2014/main" id="{D7F286CB-049F-45A7-93B8-6E2184C8B610}"/>
+                <a16:creationId xmlns:a16="http://schemas.microsoft.com/office/drawing/2014/main" id="{E47F4150-A773-408E-A430-07014D73B0E0}"/>
               </a:ext>
             </a:extLst>
           </p:cNvPr>
-          <p:cNvPicPr>
-            <a:picLocks noChangeAspect="1"/>
-          </p:cNvPicPr>
-          <p:nvPr/>
-        </p:nvPicPr>
-        <p:blipFill>
-          <a:blip r:embed="rId5">
-            <a:extLst>
-              <a:ext uri="{28A0092B-C50C-407E-A947-70E740481C1C}">
-                <a14:useLocalDpi xmlns:a14="http://schemas.microsoft.com/office/drawing/2010/main" val="0"/>
-              </a:ext>
-            </a:extLst>
-          </a:blip>
-          <a:stretch>
-            <a:fillRect/>
-          </a:stretch>
-        </p:blipFill>
-        <p:spPr>
-          <a:xfrm>
-            <a:off x="1338119" y="1677943"/>
-            <a:ext cx="4567730" cy="2348070"/>
-          </a:xfrm>
-          <a:prstGeom prst="rect">
-            <a:avLst/>
-          </a:prstGeom>
-        </p:spPr>
-      </p:pic>
-      <p:sp>
-        <p:nvSpPr>
-          <p:cNvPr id="5" name="文本框 4">
-            <a:extLst>
-              <a:ext uri="{FF2B5EF4-FFF2-40B4-BE49-F238E27FC236}">
-                <a16:creationId xmlns:a16="http://schemas.microsoft.com/office/drawing/2014/main" id="{C5744876-71F2-43BE-BE0D-66A577FA45CC}"/>
-              </a:ext>
-            </a:extLst>
-          </p:cNvPr>
-          <p:cNvSpPr txBox="1"/>
+          <p:cNvSpPr>
+            <a:spLocks noChangeArrowheads="1"/>
+          </p:cNvSpPr>
           <p:nvPr/>
         </p:nvSpPr>
-        <p:spPr>
+        <p:spPr bwMode="auto">
           <a:xfrm>
-            <a:off x="2583809" y="4090072"/>
-            <a:ext cx="1415772" cy="338554"/>
+            <a:off x="2126537" y="1445748"/>
+            <a:ext cx="5448724" cy="1631216"/>
           </a:xfrm>
           <a:prstGeom prst="rect">
             <a:avLst/>
           </a:prstGeom>
           <a:noFill/>
+          <a:ln>
+            <a:noFill/>
+          </a:ln>
+          <a:effectLst/>
+          <a:extLst>
+            <a:ext uri="{909E8E84-426E-40DD-AFC4-6F175D3DCCD1}">
+              <a14:hiddenFill xmlns:a14="http://schemas.microsoft.com/office/drawing/2010/main">
+                <a:solidFill>
+                  <a:schemeClr val="accent1"/>
+                </a:solidFill>
+              </a14:hiddenFill>
+            </a:ext>
+            <a:ext uri="{91240B29-F687-4F45-9708-019B960494DF}">
+              <a14:hiddenLine xmlns:a14="http://schemas.microsoft.com/office/drawing/2010/main" w="9525">
+                <a:solidFill>
+                  <a:schemeClr val="tx1"/>
+                </a:solidFill>
+                <a:miter lim="800000"/>
+                <a:headEnd/>
+                <a:tailEnd/>
+              </a14:hiddenLine>
+            </a:ext>
+            <a:ext uri="{AF507438-7753-43E0-B8FC-AC1667EBCBE1}">
+              <a14:hiddenEffects xmlns:a14="http://schemas.microsoft.com/office/drawing/2010/main">
+                <a:effectLst>
+                  <a:outerShdw dist="35921" dir="2700000" algn="ctr" rotWithShape="0">
+                    <a:schemeClr val="bg2"/>
+                  </a:outerShdw>
+                </a:effectLst>
+              </a14:hiddenEffects>
+            </a:ext>
+          </a:extLst>
         </p:spPr>
         <p:txBody>
-          <a:bodyPr wrap="none" rtlCol="0">
+          <a:bodyPr vert="horz" wrap="square" lIns="91440" tIns="45720" rIns="91440" bIns="45720" numCol="1" anchor="ctr" anchorCtr="0" compatLnSpc="1">
+            <a:prstTxWarp prst="textNoShape">
+              <a:avLst/>
+            </a:prstTxWarp>
             <a:spAutoFit/>
           </a:bodyPr>
-          <a:lstStyle/>
-          <a:p>
+          <a:lstStyle>
+            <a:lvl1pPr eaLnBrk="0" fontAlgn="base" hangingPunct="0">
+              <a:spcBef>
+                <a:spcPct val="0"/>
+              </a:spcBef>
+              <a:spcAft>
+                <a:spcPct val="0"/>
+              </a:spcAft>
+              <a:defRPr>
+                <a:solidFill>
+                  <a:schemeClr val="tx1"/>
+                </a:solidFill>
+                <a:latin typeface="Arial" panose="020B0604020202020204" pitchFamily="34" charset="0"/>
+              </a:defRPr>
+            </a:lvl1pPr>
+            <a:lvl2pPr marL="457200" eaLnBrk="0" fontAlgn="base" hangingPunct="0">
+              <a:spcBef>
+                <a:spcPct val="0"/>
+              </a:spcBef>
+              <a:spcAft>
+                <a:spcPct val="0"/>
+              </a:spcAft>
+              <a:defRPr>
+                <a:solidFill>
+                  <a:schemeClr val="tx1"/>
+                </a:solidFill>
+                <a:latin typeface="Arial" panose="020B0604020202020204" pitchFamily="34" charset="0"/>
+              </a:defRPr>
+            </a:lvl2pPr>
+            <a:lvl3pPr marL="914400" eaLnBrk="0" fontAlgn="base" hangingPunct="0">
+              <a:spcBef>
+                <a:spcPct val="0"/>
+              </a:spcBef>
+              <a:spcAft>
+                <a:spcPct val="0"/>
+              </a:spcAft>
+              <a:defRPr>
+                <a:solidFill>
+                  <a:schemeClr val="tx1"/>
+                </a:solidFill>
+                <a:latin typeface="Arial" panose="020B0604020202020204" pitchFamily="34" charset="0"/>
+              </a:defRPr>
+            </a:lvl3pPr>
+            <a:lvl4pPr marL="1371600" eaLnBrk="0" fontAlgn="base" hangingPunct="0">
+              <a:spcBef>
+                <a:spcPct val="0"/>
+              </a:spcBef>
+              <a:spcAft>
+                <a:spcPct val="0"/>
+              </a:spcAft>
+              <a:defRPr>
+                <a:solidFill>
+                  <a:schemeClr val="tx1"/>
+                </a:solidFill>
+                <a:latin typeface="Arial" panose="020B0604020202020204" pitchFamily="34" charset="0"/>
+              </a:defRPr>
+            </a:lvl4pPr>
+            <a:lvl5pPr marL="1828800" eaLnBrk="0" fontAlgn="base" hangingPunct="0">
+              <a:spcBef>
+                <a:spcPct val="0"/>
+              </a:spcBef>
+              <a:spcAft>
+                <a:spcPct val="0"/>
+              </a:spcAft>
+              <a:defRPr>
+                <a:solidFill>
+                  <a:schemeClr val="tx1"/>
+                </a:solidFill>
+                <a:latin typeface="Arial" panose="020B0604020202020204" pitchFamily="34" charset="0"/>
+              </a:defRPr>
+            </a:lvl5pPr>
+            <a:lvl6pPr marL="2286000" eaLnBrk="0" fontAlgn="base" hangingPunct="0">
+              <a:spcBef>
+                <a:spcPct val="0"/>
+              </a:spcBef>
+              <a:spcAft>
+                <a:spcPct val="0"/>
+              </a:spcAft>
+              <a:defRPr>
+                <a:solidFill>
+                  <a:schemeClr val="tx1"/>
+                </a:solidFill>
+                <a:latin typeface="Arial" panose="020B0604020202020204" pitchFamily="34" charset="0"/>
+              </a:defRPr>
+            </a:lvl6pPr>
+            <a:lvl7pPr marL="2743200" eaLnBrk="0" fontAlgn="base" hangingPunct="0">
+              <a:spcBef>
+                <a:spcPct val="0"/>
+              </a:spcBef>
+              <a:spcAft>
+                <a:spcPct val="0"/>
+              </a:spcAft>
+              <a:defRPr>
+                <a:solidFill>
+                  <a:schemeClr val="tx1"/>
+                </a:solidFill>
+                <a:latin typeface="Arial" panose="020B0604020202020204" pitchFamily="34" charset="0"/>
+              </a:defRPr>
+            </a:lvl7pPr>
+            <a:lvl8pPr marL="3200400" eaLnBrk="0" fontAlgn="base" hangingPunct="0">
+              <a:spcBef>
+                <a:spcPct val="0"/>
+              </a:spcBef>
+              <a:spcAft>
+                <a:spcPct val="0"/>
+              </a:spcAft>
+              <a:defRPr>
+                <a:solidFill>
+                  <a:schemeClr val="tx1"/>
+                </a:solidFill>
+                <a:latin typeface="Arial" panose="020B0604020202020204" pitchFamily="34" charset="0"/>
+              </a:defRPr>
+            </a:lvl8pPr>
+            <a:lvl9pPr marL="3657600" eaLnBrk="0" fontAlgn="base" hangingPunct="0">
+              <a:spcBef>
+                <a:spcPct val="0"/>
+              </a:spcBef>
+              <a:spcAft>
+                <a:spcPct val="0"/>
+              </a:spcAft>
+              <a:defRPr>
+                <a:solidFill>
+                  <a:schemeClr val="tx1"/>
+                </a:solidFill>
+                <a:latin typeface="Arial" panose="020B0604020202020204" pitchFamily="34" charset="0"/>
+              </a:defRPr>
+            </a:lvl9pPr>
+          </a:lstStyle>
+          <a:p>
+            <a:pPr defTabSz="914400"/>
             <a:r>
-              <a:rPr lang="zh-CN" altLang="en-US" sz="1600" b="1" dirty="0"/>
-              <a:t>数据结构定义</a:t>
+              <a:rPr lang="en-US" altLang="zh-CN" sz="1600" b="1" dirty="0">
+                <a:latin typeface="+mn-lt"/>
+              </a:rPr>
+              <a:t>#####</a:t>
+            </a:r>
+            <a:r>
+              <a:rPr lang="zh-CN" altLang="en-US" sz="1600" b="1" dirty="0">
+                <a:latin typeface="+mn-lt"/>
+              </a:rPr>
+              <a:t>图书管理模块</a:t>
+            </a:r>
+            <a:endParaRPr lang="en-US" altLang="zh-CN" sz="1400" b="1" dirty="0">
+              <a:latin typeface="+mn-lt"/>
+            </a:endParaRPr>
+          </a:p>
+          <a:p>
+            <a:pPr defTabSz="914400"/>
+            <a:endParaRPr lang="en-US" altLang="zh-CN" sz="1400" dirty="0">
+              <a:latin typeface="+mn-lt"/>
+            </a:endParaRPr>
+          </a:p>
+          <a:p>
+            <a:pPr defTabSz="914400"/>
+            <a:r>
+              <a:rPr lang="zh-CN" altLang="zh-CN" sz="1400" dirty="0">
+                <a:latin typeface="+mn-lt"/>
+              </a:rPr>
+              <a:t>4.</a:t>
+            </a:r>
+          </a:p>
+          <a:p>
+            <a:pPr defTabSz="914400"/>
+            <a:r>
+              <a:rPr lang="zh-CN" altLang="zh-CN" sz="1400" dirty="0">
+                <a:latin typeface="+mn-lt"/>
+              </a:rPr>
+              <a:t>逻辑层函数名称：该图书是否已经存在 existbook()</a:t>
+            </a:r>
+          </a:p>
+          <a:p>
+            <a:pPr defTabSz="914400"/>
+            <a:r>
+              <a:rPr lang="zh-CN" altLang="zh-CN" sz="1400" dirty="0">
+                <a:latin typeface="+mn-lt"/>
+              </a:rPr>
+              <a:t>底层函数输入参数：bookid</a:t>
+            </a:r>
+          </a:p>
+          <a:p>
+            <a:pPr defTabSz="914400"/>
+            <a:r>
+              <a:rPr lang="zh-CN" altLang="zh-CN" sz="1400" dirty="0">
+                <a:latin typeface="+mn-lt"/>
+              </a:rPr>
+              <a:t>调用底层函数：booksearchid(string id)</a:t>
+            </a:r>
+          </a:p>
+          <a:p>
+            <a:pPr defTabSz="914400"/>
+            <a:r>
+              <a:rPr lang="zh-CN" altLang="zh-CN" sz="1400" dirty="0">
+                <a:latin typeface="+mn-lt"/>
+              </a:rPr>
+              <a:t>底层函数返回值：返回图书对象信息字符串</a:t>
             </a:r>
           </a:p>
         </p:txBody>
@@ -17649,20 +17709,20 @@
     </p:spTree>
     <p:extLst>
       <p:ext uri="{BB962C8B-B14F-4D97-AF65-F5344CB8AC3E}">
-        <p14:creationId xmlns:p14="http://schemas.microsoft.com/office/powerpoint/2010/main" val="1964411954"/>
+        <p14:creationId xmlns:p14="http://schemas.microsoft.com/office/powerpoint/2010/main" val="3024505301"/>
       </p:ext>
     </p:extLst>
   </p:cSld>
   <p:clrMapOvr>
     <a:masterClrMapping/>
   </p:clrMapOvr>
-  <mc:AlternateContent xmlns:mc="http://schemas.openxmlformats.org/markup-compatibility/2006" xmlns:p14="http://schemas.microsoft.com/office/powerpoint/2010/main">
-    <mc:Choice Requires="p14">
+  <mc:AlternateContent xmlns:mc="http://schemas.openxmlformats.org/markup-compatibility/2006">
+    <mc:Choice xmlns:p14="http://schemas.microsoft.com/office/powerpoint/2010/main" Requires="p14">
       <p:transition spd="slow" p14:dur="1600">
         <p14:gallery dir="l"/>
       </p:transition>
     </mc:Choice>
-    <mc:Fallback xmlns="">
+    <mc:Fallback>
       <p:transition spd="slow">
         <p:fade/>
       </p:transition>
@@ -17950,7 +18010,7 @@
         </p:nvSpPr>
         <p:spPr bwMode="auto">
           <a:xfrm>
-            <a:off x="840461" y="1128937"/>
+            <a:off x="909496" y="1186392"/>
             <a:ext cx="1415772" cy="461665"/>
           </a:xfrm>
           <a:prstGeom prst="rect">
@@ -18112,6 +18172,42 @@
           </a:p>
         </p:txBody>
       </p:sp>
+      <p:pic>
+        <p:nvPicPr>
+          <p:cNvPr id="4" name="图片 3" descr="文本&#10;&#10;描述已自动生成">
+            <a:extLst>
+              <a:ext uri="{FF2B5EF4-FFF2-40B4-BE49-F238E27FC236}">
+                <a16:creationId xmlns:a16="http://schemas.microsoft.com/office/drawing/2014/main" id="{D7F286CB-049F-45A7-93B8-6E2184C8B610}"/>
+              </a:ext>
+            </a:extLst>
+          </p:cNvPr>
+          <p:cNvPicPr>
+            <a:picLocks noChangeAspect="1"/>
+          </p:cNvPicPr>
+          <p:nvPr/>
+        </p:nvPicPr>
+        <p:blipFill>
+          <a:blip r:embed="rId5">
+            <a:extLst>
+              <a:ext uri="{28A0092B-C50C-407E-A947-70E740481C1C}">
+                <a14:useLocalDpi xmlns:a14="http://schemas.microsoft.com/office/drawing/2010/main" val="0"/>
+              </a:ext>
+            </a:extLst>
+          </a:blip>
+          <a:stretch>
+            <a:fillRect/>
+          </a:stretch>
+        </p:blipFill>
+        <p:spPr>
+          <a:xfrm>
+            <a:off x="1338119" y="1677943"/>
+            <a:ext cx="4567730" cy="2348070"/>
+          </a:xfrm>
+          <a:prstGeom prst="rect">
+            <a:avLst/>
+          </a:prstGeom>
+        </p:spPr>
+      </p:pic>
       <p:sp>
         <p:nvSpPr>
           <p:cNvPr id="5" name="文本框 4">
@@ -18126,7 +18222,7 @@
         </p:nvSpPr>
         <p:spPr>
           <a:xfrm>
-            <a:off x="3591868" y="4136549"/>
+            <a:off x="2583809" y="4090072"/>
             <a:ext cx="1415772" cy="338554"/>
           </a:xfrm>
           <a:prstGeom prst="rect">
@@ -18147,45 +18243,10 @@
           </a:p>
         </p:txBody>
       </p:sp>
-      <p:pic>
-        <p:nvPicPr>
-          <p:cNvPr id="8" name="图片 7" descr="表格, 日程表&#10;&#10;描述已自动生成">
-            <a:extLst>
-              <a:ext uri="{FF2B5EF4-FFF2-40B4-BE49-F238E27FC236}">
-                <a16:creationId xmlns:a16="http://schemas.microsoft.com/office/drawing/2014/main" id="{C867ED19-AE7D-4ABC-ACB6-48C98A52E811}"/>
-              </a:ext>
-            </a:extLst>
-          </p:cNvPr>
-          <p:cNvPicPr>
-            <a:picLocks noChangeAspect="1"/>
-          </p:cNvPicPr>
-          <p:nvPr/>
-        </p:nvPicPr>
-        <p:blipFill rotWithShape="1">
-          <a:blip r:embed="rId5">
-            <a:extLst>
-              <a:ext uri="{28A0092B-C50C-407E-A947-70E740481C1C}">
-                <a14:useLocalDpi xmlns:a14="http://schemas.microsoft.com/office/drawing/2010/main" val="0"/>
-              </a:ext>
-            </a:extLst>
-          </a:blip>
-          <a:srcRect b="13842"/>
-          <a:stretch/>
-        </p:blipFill>
-        <p:spPr>
-          <a:xfrm>
-            <a:off x="584117" y="1699608"/>
-            <a:ext cx="8140545" cy="2243218"/>
-          </a:xfrm>
-          <a:prstGeom prst="rect">
-            <a:avLst/>
-          </a:prstGeom>
-        </p:spPr>
-      </p:pic>
     </p:spTree>
     <p:extLst>
       <p:ext uri="{BB962C8B-B14F-4D97-AF65-F5344CB8AC3E}">
-        <p14:creationId xmlns:p14="http://schemas.microsoft.com/office/powerpoint/2010/main" val="1975141486"/>
+        <p14:creationId xmlns:p14="http://schemas.microsoft.com/office/powerpoint/2010/main" val="1964411954"/>
       </p:ext>
     </p:extLst>
   </p:cSld>
@@ -18486,6 +18547,542 @@
         </p:nvSpPr>
         <p:spPr bwMode="auto">
           <a:xfrm>
+            <a:off x="840461" y="1128937"/>
+            <a:ext cx="1415772" cy="461665"/>
+          </a:xfrm>
+          <a:prstGeom prst="rect">
+            <a:avLst/>
+          </a:prstGeom>
+          <a:noFill/>
+          <a:ln>
+            <a:noFill/>
+          </a:ln>
+          <a:extLst>
+            <a:ext uri="{909E8E84-426E-40DD-AFC4-6F175D3DCCD1}">
+              <a14:hiddenFill xmlns:a14="http://schemas.microsoft.com/office/drawing/2010/main">
+                <a:solidFill>
+                  <a:srgbClr val="FFFFFF"/>
+                </a:solidFill>
+              </a14:hiddenFill>
+            </a:ext>
+            <a:ext uri="{91240B29-F687-4F45-9708-019B960494DF}">
+              <a14:hiddenLine xmlns:a14="http://schemas.microsoft.com/office/drawing/2010/main" w="9525">
+                <a:solidFill>
+                  <a:srgbClr val="000000"/>
+                </a:solidFill>
+                <a:miter lim="800000"/>
+                <a:headEnd/>
+                <a:tailEnd/>
+              </a14:hiddenLine>
+            </a:ext>
+          </a:extLst>
+        </p:spPr>
+        <p:txBody>
+          <a:bodyPr wrap="none">
+            <a:spAutoFit/>
+          </a:bodyPr>
+          <a:lstStyle>
+            <a:lvl1pPr>
+              <a:defRPr sz="1300">
+                <a:solidFill>
+                  <a:schemeClr val="tx1"/>
+                </a:solidFill>
+                <a:latin typeface="Calibri Light" panose="020F0302020204030204" pitchFamily="34" charset="0"/>
+                <a:ea typeface="方正宋刻本秀楷简体" panose="02000000000000000000" pitchFamily="2" charset="-122"/>
+              </a:defRPr>
+            </a:lvl1pPr>
+            <a:lvl2pPr marL="742950" indent="-285750">
+              <a:defRPr sz="1300">
+                <a:solidFill>
+                  <a:schemeClr val="tx1"/>
+                </a:solidFill>
+                <a:latin typeface="Calibri Light" panose="020F0302020204030204" pitchFamily="34" charset="0"/>
+                <a:ea typeface="方正宋刻本秀楷简体" panose="02000000000000000000" pitchFamily="2" charset="-122"/>
+              </a:defRPr>
+            </a:lvl2pPr>
+            <a:lvl3pPr marL="1143000" indent="-228600">
+              <a:defRPr sz="1300">
+                <a:solidFill>
+                  <a:schemeClr val="tx1"/>
+                </a:solidFill>
+                <a:latin typeface="Calibri Light" panose="020F0302020204030204" pitchFamily="34" charset="0"/>
+                <a:ea typeface="方正宋刻本秀楷简体" panose="02000000000000000000" pitchFamily="2" charset="-122"/>
+              </a:defRPr>
+            </a:lvl3pPr>
+            <a:lvl4pPr marL="1600200" indent="-228600">
+              <a:defRPr sz="1300">
+                <a:solidFill>
+                  <a:schemeClr val="tx1"/>
+                </a:solidFill>
+                <a:latin typeface="Calibri Light" panose="020F0302020204030204" pitchFamily="34" charset="0"/>
+                <a:ea typeface="方正宋刻本秀楷简体" panose="02000000000000000000" pitchFamily="2" charset="-122"/>
+              </a:defRPr>
+            </a:lvl4pPr>
+            <a:lvl5pPr marL="2057400" indent="-228600">
+              <a:defRPr sz="1300">
+                <a:solidFill>
+                  <a:schemeClr val="tx1"/>
+                </a:solidFill>
+                <a:latin typeface="Calibri Light" panose="020F0302020204030204" pitchFamily="34" charset="0"/>
+                <a:ea typeface="方正宋刻本秀楷简体" panose="02000000000000000000" pitchFamily="2" charset="-122"/>
+              </a:defRPr>
+            </a:lvl5pPr>
+            <a:lvl6pPr marL="2514600" indent="-228600" defTabSz="685800" eaLnBrk="0" fontAlgn="base" hangingPunct="0">
+              <a:spcBef>
+                <a:spcPct val="0"/>
+              </a:spcBef>
+              <a:spcAft>
+                <a:spcPct val="0"/>
+              </a:spcAft>
+              <a:defRPr sz="1300">
+                <a:solidFill>
+                  <a:schemeClr val="tx1"/>
+                </a:solidFill>
+                <a:latin typeface="Calibri Light" panose="020F0302020204030204" pitchFamily="34" charset="0"/>
+                <a:ea typeface="方正宋刻本秀楷简体" panose="02000000000000000000" pitchFamily="2" charset="-122"/>
+              </a:defRPr>
+            </a:lvl6pPr>
+            <a:lvl7pPr marL="2971800" indent="-228600" defTabSz="685800" eaLnBrk="0" fontAlgn="base" hangingPunct="0">
+              <a:spcBef>
+                <a:spcPct val="0"/>
+              </a:spcBef>
+              <a:spcAft>
+                <a:spcPct val="0"/>
+              </a:spcAft>
+              <a:defRPr sz="1300">
+                <a:solidFill>
+                  <a:schemeClr val="tx1"/>
+                </a:solidFill>
+                <a:latin typeface="Calibri Light" panose="020F0302020204030204" pitchFamily="34" charset="0"/>
+                <a:ea typeface="方正宋刻本秀楷简体" panose="02000000000000000000" pitchFamily="2" charset="-122"/>
+              </a:defRPr>
+            </a:lvl7pPr>
+            <a:lvl8pPr marL="3429000" indent="-228600" defTabSz="685800" eaLnBrk="0" fontAlgn="base" hangingPunct="0">
+              <a:spcBef>
+                <a:spcPct val="0"/>
+              </a:spcBef>
+              <a:spcAft>
+                <a:spcPct val="0"/>
+              </a:spcAft>
+              <a:defRPr sz="1300">
+                <a:solidFill>
+                  <a:schemeClr val="tx1"/>
+                </a:solidFill>
+                <a:latin typeface="Calibri Light" panose="020F0302020204030204" pitchFamily="34" charset="0"/>
+                <a:ea typeface="方正宋刻本秀楷简体" panose="02000000000000000000" pitchFamily="2" charset="-122"/>
+              </a:defRPr>
+            </a:lvl8pPr>
+            <a:lvl9pPr marL="3886200" indent="-228600" defTabSz="685800" eaLnBrk="0" fontAlgn="base" hangingPunct="0">
+              <a:spcBef>
+                <a:spcPct val="0"/>
+              </a:spcBef>
+              <a:spcAft>
+                <a:spcPct val="0"/>
+              </a:spcAft>
+              <a:defRPr sz="1300">
+                <a:solidFill>
+                  <a:schemeClr val="tx1"/>
+                </a:solidFill>
+                <a:latin typeface="Calibri Light" panose="020F0302020204030204" pitchFamily="34" charset="0"/>
+                <a:ea typeface="方正宋刻本秀楷简体" panose="02000000000000000000" pitchFamily="2" charset="-122"/>
+              </a:defRPr>
+            </a:lvl9pPr>
+          </a:lstStyle>
+          <a:p>
+            <a:r>
+              <a:rPr lang="zh-CN" altLang="en-US" sz="2400" dirty="0">
+                <a:solidFill>
+                  <a:srgbClr val="4F6383"/>
+                </a:solidFill>
+                <a:latin typeface="方正兰亭黑_GBK"/>
+                <a:ea typeface="方正兰亭黑_GBK"/>
+              </a:rPr>
+              <a:t>物理结构</a:t>
+            </a:r>
+            <a:endParaRPr lang="zh-CN" altLang="zh-CN" sz="2400" dirty="0">
+              <a:solidFill>
+                <a:srgbClr val="4F6383"/>
+              </a:solidFill>
+              <a:latin typeface="方正兰亭黑_GBK"/>
+              <a:ea typeface="方正兰亭黑_GBK"/>
+            </a:endParaRPr>
+          </a:p>
+        </p:txBody>
+      </p:sp>
+      <p:sp>
+        <p:nvSpPr>
+          <p:cNvPr id="5" name="文本框 4">
+            <a:extLst>
+              <a:ext uri="{FF2B5EF4-FFF2-40B4-BE49-F238E27FC236}">
+                <a16:creationId xmlns:a16="http://schemas.microsoft.com/office/drawing/2014/main" id="{C5744876-71F2-43BE-BE0D-66A577FA45CC}"/>
+              </a:ext>
+            </a:extLst>
+          </p:cNvPr>
+          <p:cNvSpPr txBox="1"/>
+          <p:nvPr/>
+        </p:nvSpPr>
+        <p:spPr>
+          <a:xfrm>
+            <a:off x="3591868" y="4136549"/>
+            <a:ext cx="1415772" cy="338554"/>
+          </a:xfrm>
+          <a:prstGeom prst="rect">
+            <a:avLst/>
+          </a:prstGeom>
+          <a:noFill/>
+        </p:spPr>
+        <p:txBody>
+          <a:bodyPr wrap="none" rtlCol="0">
+            <a:spAutoFit/>
+          </a:bodyPr>
+          <a:lstStyle/>
+          <a:p>
+            <a:r>
+              <a:rPr lang="zh-CN" altLang="en-US" sz="1600" b="1" dirty="0"/>
+              <a:t>数据结构定义</a:t>
+            </a:r>
+          </a:p>
+        </p:txBody>
+      </p:sp>
+      <p:pic>
+        <p:nvPicPr>
+          <p:cNvPr id="8" name="图片 7" descr="表格, 日程表&#10;&#10;描述已自动生成">
+            <a:extLst>
+              <a:ext uri="{FF2B5EF4-FFF2-40B4-BE49-F238E27FC236}">
+                <a16:creationId xmlns:a16="http://schemas.microsoft.com/office/drawing/2014/main" id="{C867ED19-AE7D-4ABC-ACB6-48C98A52E811}"/>
+              </a:ext>
+            </a:extLst>
+          </p:cNvPr>
+          <p:cNvPicPr>
+            <a:picLocks noChangeAspect="1"/>
+          </p:cNvPicPr>
+          <p:nvPr/>
+        </p:nvPicPr>
+        <p:blipFill rotWithShape="1">
+          <a:blip r:embed="rId5">
+            <a:extLst>
+              <a:ext uri="{28A0092B-C50C-407E-A947-70E740481C1C}">
+                <a14:useLocalDpi xmlns:a14="http://schemas.microsoft.com/office/drawing/2010/main" val="0"/>
+              </a:ext>
+            </a:extLst>
+          </a:blip>
+          <a:srcRect b="13842"/>
+          <a:stretch/>
+        </p:blipFill>
+        <p:spPr>
+          <a:xfrm>
+            <a:off x="584117" y="1699608"/>
+            <a:ext cx="8140545" cy="2243218"/>
+          </a:xfrm>
+          <a:prstGeom prst="rect">
+            <a:avLst/>
+          </a:prstGeom>
+        </p:spPr>
+      </p:pic>
+    </p:spTree>
+    <p:extLst>
+      <p:ext uri="{BB962C8B-B14F-4D97-AF65-F5344CB8AC3E}">
+        <p14:creationId xmlns:p14="http://schemas.microsoft.com/office/powerpoint/2010/main" val="1975141486"/>
+      </p:ext>
+    </p:extLst>
+  </p:cSld>
+  <p:clrMapOvr>
+    <a:masterClrMapping/>
+  </p:clrMapOvr>
+  <mc:AlternateContent xmlns:mc="http://schemas.openxmlformats.org/markup-compatibility/2006" xmlns:p14="http://schemas.microsoft.com/office/powerpoint/2010/main">
+    <mc:Choice Requires="p14">
+      <p:transition spd="slow" p14:dur="1600">
+        <p14:gallery dir="l"/>
+      </p:transition>
+    </mc:Choice>
+    <mc:Fallback xmlns="">
+      <p:transition spd="slow">
+        <p:fade/>
+      </p:transition>
+    </mc:Fallback>
+  </mc:AlternateContent>
+  <p:timing>
+    <p:tnLst>
+      <p:par>
+        <p:cTn id="1" dur="indefinite" restart="never" nodeType="tmRoot">
+          <p:childTnLst>
+            <p:seq concurrent="1" nextAc="seek">
+              <p:cTn id="2" dur="indefinite" nodeType="mainSeq">
+                <p:childTnLst>
+                  <p:par>
+                    <p:cTn id="3" fill="hold">
+                      <p:stCondLst>
+                        <p:cond delay="indefinite"/>
+                        <p:cond evt="onBegin" delay="0">
+                          <p:tn val="2"/>
+                        </p:cond>
+                      </p:stCondLst>
+                      <p:childTnLst>
+                        <p:par>
+                          <p:cTn id="4" fill="hold">
+                            <p:stCondLst>
+                              <p:cond delay="0"/>
+                            </p:stCondLst>
+                            <p:childTnLst>
+                              <p:par>
+                                <p:cTn id="5" presetID="22" presetClass="entr" presetSubtype="4" fill="hold" grpId="0" nodeType="withEffect">
+                                  <p:stCondLst>
+                                    <p:cond delay="0"/>
+                                  </p:stCondLst>
+                                  <p:childTnLst>
+                                    <p:set>
+                                      <p:cBhvr>
+                                        <p:cTn id="6" dur="1" fill="hold">
+                                          <p:stCondLst>
+                                            <p:cond delay="0"/>
+                                          </p:stCondLst>
+                                        </p:cTn>
+                                        <p:tgtEl>
+                                          <p:spTgt spid="15"/>
+                                        </p:tgtEl>
+                                        <p:attrNameLst>
+                                          <p:attrName>style.visibility</p:attrName>
+                                        </p:attrNameLst>
+                                      </p:cBhvr>
+                                      <p:to>
+                                        <p:strVal val="visible"/>
+                                      </p:to>
+                                    </p:set>
+                                    <p:animEffect transition="in" filter="wipe(down)">
+                                      <p:cBhvr>
+                                        <p:cTn id="7" dur="500"/>
+                                        <p:tgtEl>
+                                          <p:spTgt spid="15"/>
+                                        </p:tgtEl>
+                                      </p:cBhvr>
+                                    </p:animEffect>
+                                  </p:childTnLst>
+                                </p:cTn>
+                              </p:par>
+                            </p:childTnLst>
+                          </p:cTn>
+                        </p:par>
+                      </p:childTnLst>
+                    </p:cTn>
+                  </p:par>
+                </p:childTnLst>
+              </p:cTn>
+              <p:prevCondLst>
+                <p:cond evt="onPrev" delay="0">
+                  <p:tgtEl>
+                    <p:sldTgt/>
+                  </p:tgtEl>
+                </p:cond>
+              </p:prevCondLst>
+              <p:nextCondLst>
+                <p:cond evt="onNext" delay="0">
+                  <p:tgtEl>
+                    <p:sldTgt/>
+                  </p:tgtEl>
+                </p:cond>
+              </p:nextCondLst>
+            </p:seq>
+          </p:childTnLst>
+        </p:cTn>
+      </p:par>
+    </p:tnLst>
+    <p:bldLst>
+      <p:bldP spid="15" grpId="0"/>
+    </p:bldLst>
+  </p:timing>
+</p:sld>
+</file>
+
+<file path=ppt/slides/slide24.xml><?xml version="1.0" encoding="utf-8"?>
+<p:sld xmlns:a="http://schemas.openxmlformats.org/drawingml/2006/main" xmlns:r="http://schemas.openxmlformats.org/officeDocument/2006/relationships" xmlns:p="http://schemas.openxmlformats.org/presentationml/2006/main">
+  <p:cSld>
+    <p:spTree>
+      <p:nvGrpSpPr>
+        <p:cNvPr id="1" name=""/>
+        <p:cNvGrpSpPr/>
+        <p:nvPr/>
+      </p:nvGrpSpPr>
+      <p:grpSpPr>
+        <a:xfrm>
+          <a:off x="0" y="0"/>
+          <a:ext cx="0" cy="0"/>
+          <a:chOff x="0" y="0"/>
+          <a:chExt cx="0" cy="0"/>
+        </a:xfrm>
+      </p:grpSpPr>
+      <p:grpSp>
+        <p:nvGrpSpPr>
+          <p:cNvPr id="2" name="组合 1"/>
+          <p:cNvGrpSpPr/>
+          <p:nvPr/>
+        </p:nvGrpSpPr>
+        <p:grpSpPr>
+          <a:xfrm>
+            <a:off x="584117" y="542189"/>
+            <a:ext cx="1928461" cy="614317"/>
+            <a:chOff x="349800" y="270568"/>
+            <a:chExt cx="1486542" cy="614317"/>
+          </a:xfrm>
+        </p:grpSpPr>
+        <p:sp>
+          <p:nvSpPr>
+            <p:cNvPr id="20" name="PA_文本框 1"/>
+            <p:cNvSpPr txBox="1"/>
+            <p:nvPr>
+              <p:custDataLst>
+                <p:tags r:id="rId1"/>
+              </p:custDataLst>
+            </p:nvPr>
+          </p:nvSpPr>
+          <p:spPr>
+            <a:xfrm>
+              <a:off x="349800" y="270568"/>
+              <a:ext cx="948990" cy="392415"/>
+            </a:xfrm>
+            <a:prstGeom prst="rect">
+              <a:avLst/>
+            </a:prstGeom>
+            <a:noFill/>
+          </p:spPr>
+          <p:txBody>
+            <a:bodyPr wrap="none" lIns="0" tIns="0" rIns="0" rtlCol="0">
+              <a:spAutoFit/>
+            </a:bodyPr>
+            <a:lstStyle/>
+            <a:p>
+              <a:pPr>
+                <a:lnSpc>
+                  <a:spcPts val="2700"/>
+                </a:lnSpc>
+              </a:pPr>
+              <a:r>
+                <a:rPr lang="zh-CN" altLang="en-US" sz="2400" b="1" dirty="0">
+                  <a:solidFill>
+                    <a:srgbClr val="2B3649"/>
+                  </a:solidFill>
+                  <a:latin typeface="+mj-ea"/>
+                  <a:ea typeface="+mj-ea"/>
+                  <a:cs typeface="+mn-ea"/>
+                </a:rPr>
+                <a:t>结构设计</a:t>
+              </a:r>
+            </a:p>
+          </p:txBody>
+        </p:sp>
+        <p:sp>
+          <p:nvSpPr>
+            <p:cNvPr id="22" name="PA_文本框 1"/>
+            <p:cNvSpPr txBox="1"/>
+            <p:nvPr>
+              <p:custDataLst>
+                <p:tags r:id="rId2"/>
+              </p:custDataLst>
+            </p:nvPr>
+          </p:nvSpPr>
+          <p:spPr>
+            <a:xfrm>
+              <a:off x="349800" y="628533"/>
+              <a:ext cx="1486542" cy="256352"/>
+            </a:xfrm>
+            <a:prstGeom prst="rect">
+              <a:avLst/>
+            </a:prstGeom>
+            <a:noFill/>
+          </p:spPr>
+          <p:txBody>
+            <a:bodyPr wrap="square" lIns="0" tIns="0" rIns="0" rtlCol="0">
+              <a:spAutoFit/>
+            </a:bodyPr>
+            <a:lstStyle/>
+            <a:p>
+              <a:pPr>
+                <a:lnSpc>
+                  <a:spcPts val="1725"/>
+                </a:lnSpc>
+              </a:pPr>
+              <a:r>
+                <a:rPr lang="zh-CN" altLang="en-US" sz="1400" dirty="0">
+                  <a:solidFill>
+                    <a:srgbClr val="2B3649"/>
+                  </a:solidFill>
+                  <a:cs typeface="+mn-ea"/>
+                  <a:sym typeface="+mn-lt"/>
+                </a:rPr>
+                <a:t>低耦合高内聚</a:t>
+              </a:r>
+              <a:endParaRPr lang="en-US" altLang="zh-CN" sz="1400" dirty="0">
+                <a:solidFill>
+                  <a:srgbClr val="2B3649"/>
+                </a:solidFill>
+                <a:cs typeface="+mn-ea"/>
+                <a:sym typeface="+mn-lt"/>
+              </a:endParaRPr>
+            </a:p>
+          </p:txBody>
+        </p:sp>
+      </p:grpSp>
+      <p:sp>
+        <p:nvSpPr>
+          <p:cNvPr id="17" name="TextBox 15"/>
+          <p:cNvSpPr txBox="1"/>
+          <p:nvPr/>
+        </p:nvSpPr>
+        <p:spPr>
+          <a:xfrm>
+            <a:off x="8483113" y="4764911"/>
+            <a:ext cx="671347" cy="307777"/>
+          </a:xfrm>
+          <a:prstGeom prst="rect">
+            <a:avLst/>
+          </a:prstGeom>
+          <a:noFill/>
+        </p:spPr>
+        <p:txBody>
+          <a:bodyPr wrap="square" rtlCol="0">
+            <a:spAutoFit/>
+          </a:bodyPr>
+          <a:lstStyle/>
+          <a:p>
+            <a:pPr algn="ctr"/>
+            <a:r>
+              <a:rPr lang="en-US" altLang="zh-CN" sz="1400" b="0" dirty="0">
+                <a:solidFill>
+                  <a:schemeClr val="bg1"/>
+                </a:solidFill>
+                <a:latin typeface="微软雅黑 Light" panose="020B0502040204020203" pitchFamily="34" charset="-122"/>
+                <a:ea typeface="微软雅黑 Light" panose="020B0502040204020203" pitchFamily="34" charset="-122"/>
+              </a:rPr>
+              <a:t>4</a:t>
+            </a:r>
+            <a:r>
+              <a:rPr lang="zh-CN" altLang="en-US" sz="1400" b="0" dirty="0">
+                <a:solidFill>
+                  <a:schemeClr val="bg1"/>
+                </a:solidFill>
+                <a:latin typeface="微软雅黑 Light" panose="020B0502040204020203" pitchFamily="34" charset="-122"/>
+                <a:ea typeface="微软雅黑 Light" panose="020B0502040204020203" pitchFamily="34" charset="-122"/>
+              </a:rPr>
+              <a:t> </a:t>
+            </a:r>
+          </a:p>
+        </p:txBody>
+      </p:sp>
+      <p:sp>
+        <p:nvSpPr>
+          <p:cNvPr id="15" name="文本框 5">
+            <a:extLst>
+              <a:ext uri="{FF2B5EF4-FFF2-40B4-BE49-F238E27FC236}">
+                <a16:creationId xmlns:a16="http://schemas.microsoft.com/office/drawing/2014/main" id="{D40BCCA4-3C8F-48CD-96C7-2483C873D41C}"/>
+              </a:ext>
+            </a:extLst>
+          </p:cNvPr>
+          <p:cNvSpPr txBox="1">
+            <a:spLocks noChangeArrowheads="1"/>
+          </p:cNvSpPr>
+          <p:nvPr/>
+        </p:nvSpPr>
+        <p:spPr bwMode="auto">
+          <a:xfrm>
             <a:off x="909496" y="1186392"/>
             <a:ext cx="2031325" cy="461665"/>
           </a:xfrm>
@@ -19238,7 +19835,7 @@
 </p:sld>
 </file>
 
-<file path=ppt/slides/slide24.xml><?xml version="1.0" encoding="utf-8"?>
+<file path=ppt/slides/slide25.xml><?xml version="1.0" encoding="utf-8"?>
 <p:sld xmlns:a="http://schemas.openxmlformats.org/drawingml/2006/main" xmlns:r="http://schemas.openxmlformats.org/officeDocument/2006/relationships" xmlns:p="http://schemas.openxmlformats.org/presentationml/2006/main">
   <p:cSld>
     <p:spTree>
@@ -19739,7 +20336,7 @@
 </p:sld>
 </file>
 
-<file path=ppt/slides/slide25.xml><?xml version="1.0" encoding="utf-8"?>
+<file path=ppt/slides/slide26.xml><?xml version="1.0" encoding="utf-8"?>
 <p:sld xmlns:a="http://schemas.openxmlformats.org/drawingml/2006/main" xmlns:r="http://schemas.openxmlformats.org/officeDocument/2006/relationships" xmlns:p="http://schemas.openxmlformats.org/presentationml/2006/main">
   <p:cSld>
     <p:spTree>
@@ -20558,7 +21155,7 @@
 </p:sld>
 </file>
 
-<file path=ppt/slides/slide26.xml><?xml version="1.0" encoding="utf-8"?>
+<file path=ppt/slides/slide27.xml><?xml version="1.0" encoding="utf-8"?>
 <p:sld xmlns:a="http://schemas.openxmlformats.org/drawingml/2006/main" xmlns:r="http://schemas.openxmlformats.org/officeDocument/2006/relationships" xmlns:p="http://schemas.openxmlformats.org/presentationml/2006/main">
   <p:cSld>
     <p:spTree>
@@ -20988,7 +21585,7 @@
 </p:sld>
 </file>
 
-<file path=ppt/slides/slide27.xml><?xml version="1.0" encoding="utf-8"?>
+<file path=ppt/slides/slide28.xml><?xml version="1.0" encoding="utf-8"?>
 <p:sld xmlns:a="http://schemas.openxmlformats.org/drawingml/2006/main" xmlns:r="http://schemas.openxmlformats.org/officeDocument/2006/relationships" xmlns:p="http://schemas.openxmlformats.org/presentationml/2006/main">
   <p:cSld>
     <p:spTree>
@@ -21475,7 +22072,7 @@
 </p:sld>
 </file>
 
-<file path=ppt/slides/slide28.xml><?xml version="1.0" encoding="utf-8"?>
+<file path=ppt/slides/slide29.xml><?xml version="1.0" encoding="utf-8"?>
 <p:sld xmlns:a="http://schemas.openxmlformats.org/drawingml/2006/main" xmlns:r="http://schemas.openxmlformats.org/officeDocument/2006/relationships" xmlns:p="http://schemas.openxmlformats.org/presentationml/2006/main">
   <p:cSld>
     <p:spTree>
@@ -21823,442 +22420,6 @@
     <p:extLst>
       <p:ext uri="{BB962C8B-B14F-4D97-AF65-F5344CB8AC3E}">
         <p14:creationId xmlns:p14="http://schemas.microsoft.com/office/powerpoint/2010/main" val="2087841591"/>
-      </p:ext>
-    </p:extLst>
-  </p:cSld>
-  <p:clrMapOvr>
-    <a:masterClrMapping/>
-  </p:clrMapOvr>
-  <mc:AlternateContent xmlns:mc="http://schemas.openxmlformats.org/markup-compatibility/2006" xmlns:p14="http://schemas.microsoft.com/office/powerpoint/2010/main">
-    <mc:Choice Requires="p14">
-      <p:transition spd="slow" p14:dur="1600">
-        <p14:gallery dir="l"/>
-      </p:transition>
-    </mc:Choice>
-    <mc:Fallback xmlns="">
-      <p:transition spd="slow">
-        <p:fade/>
-      </p:transition>
-    </mc:Fallback>
-  </mc:AlternateContent>
-  <p:timing>
-    <p:tnLst>
-      <p:par>
-        <p:cTn id="1" dur="indefinite" restart="never" nodeType="tmRoot">
-          <p:childTnLst>
-            <p:seq concurrent="1" nextAc="seek">
-              <p:cTn id="2" dur="indefinite" nodeType="mainSeq">
-                <p:childTnLst>
-                  <p:par>
-                    <p:cTn id="3" fill="hold">
-                      <p:stCondLst>
-                        <p:cond delay="indefinite"/>
-                        <p:cond evt="onBegin" delay="0">
-                          <p:tn val="2"/>
-                        </p:cond>
-                      </p:stCondLst>
-                      <p:childTnLst>
-                        <p:par>
-                          <p:cTn id="4" fill="hold">
-                            <p:stCondLst>
-                              <p:cond delay="0"/>
-                            </p:stCondLst>
-                            <p:childTnLst>
-                              <p:par>
-                                <p:cTn id="5" presetID="22" presetClass="entr" presetSubtype="4" fill="hold" grpId="0" nodeType="withEffect">
-                                  <p:stCondLst>
-                                    <p:cond delay="0"/>
-                                  </p:stCondLst>
-                                  <p:childTnLst>
-                                    <p:set>
-                                      <p:cBhvr>
-                                        <p:cTn id="6" dur="1" fill="hold">
-                                          <p:stCondLst>
-                                            <p:cond delay="0"/>
-                                          </p:stCondLst>
-                                        </p:cTn>
-                                        <p:tgtEl>
-                                          <p:spTgt spid="15"/>
-                                        </p:tgtEl>
-                                        <p:attrNameLst>
-                                          <p:attrName>style.visibility</p:attrName>
-                                        </p:attrNameLst>
-                                      </p:cBhvr>
-                                      <p:to>
-                                        <p:strVal val="visible"/>
-                                      </p:to>
-                                    </p:set>
-                                    <p:animEffect transition="in" filter="wipe(down)">
-                                      <p:cBhvr>
-                                        <p:cTn id="7" dur="500"/>
-                                        <p:tgtEl>
-                                          <p:spTgt spid="15"/>
-                                        </p:tgtEl>
-                                      </p:cBhvr>
-                                    </p:animEffect>
-                                  </p:childTnLst>
-                                </p:cTn>
-                              </p:par>
-                            </p:childTnLst>
-                          </p:cTn>
-                        </p:par>
-                      </p:childTnLst>
-                    </p:cTn>
-                  </p:par>
-                </p:childTnLst>
-              </p:cTn>
-              <p:prevCondLst>
-                <p:cond evt="onPrev" delay="0">
-                  <p:tgtEl>
-                    <p:sldTgt/>
-                  </p:tgtEl>
-                </p:cond>
-              </p:prevCondLst>
-              <p:nextCondLst>
-                <p:cond evt="onNext" delay="0">
-                  <p:tgtEl>
-                    <p:sldTgt/>
-                  </p:tgtEl>
-                </p:cond>
-              </p:nextCondLst>
-            </p:seq>
-          </p:childTnLst>
-        </p:cTn>
-      </p:par>
-    </p:tnLst>
-    <p:bldLst>
-      <p:bldP spid="15" grpId="0"/>
-    </p:bldLst>
-  </p:timing>
-</p:sld>
-</file>
-
-<file path=ppt/slides/slide29.xml><?xml version="1.0" encoding="utf-8"?>
-<p:sld xmlns:a="http://schemas.openxmlformats.org/drawingml/2006/main" xmlns:r="http://schemas.openxmlformats.org/officeDocument/2006/relationships" xmlns:p="http://schemas.openxmlformats.org/presentationml/2006/main">
-  <p:cSld>
-    <p:spTree>
-      <p:nvGrpSpPr>
-        <p:cNvPr id="1" name=""/>
-        <p:cNvGrpSpPr/>
-        <p:nvPr/>
-      </p:nvGrpSpPr>
-      <p:grpSpPr>
-        <a:xfrm>
-          <a:off x="0" y="0"/>
-          <a:ext cx="0" cy="0"/>
-          <a:chOff x="0" y="0"/>
-          <a:chExt cx="0" cy="0"/>
-        </a:xfrm>
-      </p:grpSpPr>
-      <p:sp>
-        <p:nvSpPr>
-          <p:cNvPr id="20" name="PA_文本框 1"/>
-          <p:cNvSpPr txBox="1"/>
-          <p:nvPr>
-            <p:custDataLst>
-              <p:tags r:id="rId1"/>
-            </p:custDataLst>
-          </p:nvPr>
-        </p:nvSpPr>
-        <p:spPr>
-          <a:xfrm>
-            <a:off x="584117" y="542189"/>
-            <a:ext cx="1231106" cy="392415"/>
-          </a:xfrm>
-          <a:prstGeom prst="rect">
-            <a:avLst/>
-          </a:prstGeom>
-          <a:noFill/>
-        </p:spPr>
-        <p:txBody>
-          <a:bodyPr wrap="none" lIns="0" tIns="0" rIns="0" rtlCol="0">
-            <a:spAutoFit/>
-          </a:bodyPr>
-          <a:lstStyle/>
-          <a:p>
-            <a:pPr>
-              <a:lnSpc>
-                <a:spcPts val="2700"/>
-              </a:lnSpc>
-            </a:pPr>
-            <a:r>
-              <a:rPr lang="zh-CN" altLang="en-US" sz="2400" b="1" dirty="0">
-                <a:solidFill>
-                  <a:srgbClr val="2B3649"/>
-                </a:solidFill>
-                <a:latin typeface="+mj-ea"/>
-                <a:ea typeface="+mj-ea"/>
-                <a:cs typeface="+mn-ea"/>
-              </a:rPr>
-              <a:t>工程控制</a:t>
-            </a:r>
-          </a:p>
-        </p:txBody>
-      </p:sp>
-      <p:sp>
-        <p:nvSpPr>
-          <p:cNvPr id="17" name="TextBox 15"/>
-          <p:cNvSpPr txBox="1"/>
-          <p:nvPr/>
-        </p:nvSpPr>
-        <p:spPr>
-          <a:xfrm>
-            <a:off x="8483113" y="4764911"/>
-            <a:ext cx="671347" cy="307777"/>
-          </a:xfrm>
-          <a:prstGeom prst="rect">
-            <a:avLst/>
-          </a:prstGeom>
-          <a:noFill/>
-        </p:spPr>
-        <p:txBody>
-          <a:bodyPr wrap="square" rtlCol="0">
-            <a:spAutoFit/>
-          </a:bodyPr>
-          <a:lstStyle/>
-          <a:p>
-            <a:pPr algn="ctr"/>
-            <a:r>
-              <a:rPr lang="en-US" altLang="zh-CN" sz="1400" b="0" dirty="0">
-                <a:solidFill>
-                  <a:schemeClr val="bg1"/>
-                </a:solidFill>
-                <a:latin typeface="微软雅黑 Light" panose="020B0502040204020203" pitchFamily="34" charset="-122"/>
-                <a:ea typeface="微软雅黑 Light" panose="020B0502040204020203" pitchFamily="34" charset="-122"/>
-              </a:rPr>
-              <a:t>4</a:t>
-            </a:r>
-            <a:r>
-              <a:rPr lang="zh-CN" altLang="en-US" sz="1400" b="0" dirty="0">
-                <a:solidFill>
-                  <a:schemeClr val="bg1"/>
-                </a:solidFill>
-                <a:latin typeface="微软雅黑 Light" panose="020B0502040204020203" pitchFamily="34" charset="-122"/>
-                <a:ea typeface="微软雅黑 Light" panose="020B0502040204020203" pitchFamily="34" charset="-122"/>
-              </a:rPr>
-              <a:t> </a:t>
-            </a:r>
-          </a:p>
-        </p:txBody>
-      </p:sp>
-      <p:sp>
-        <p:nvSpPr>
-          <p:cNvPr id="15" name="文本框 5">
-            <a:extLst>
-              <a:ext uri="{FF2B5EF4-FFF2-40B4-BE49-F238E27FC236}">
-                <a16:creationId xmlns:a16="http://schemas.microsoft.com/office/drawing/2014/main" id="{D40BCCA4-3C8F-48CD-96C7-2483C873D41C}"/>
-              </a:ext>
-            </a:extLst>
-          </p:cNvPr>
-          <p:cNvSpPr txBox="1">
-            <a:spLocks noChangeArrowheads="1"/>
-          </p:cNvSpPr>
-          <p:nvPr/>
-        </p:nvSpPr>
-        <p:spPr bwMode="auto">
-          <a:xfrm>
-            <a:off x="799560" y="995560"/>
-            <a:ext cx="1107996" cy="461665"/>
-          </a:xfrm>
-          <a:prstGeom prst="rect">
-            <a:avLst/>
-          </a:prstGeom>
-          <a:noFill/>
-          <a:ln>
-            <a:noFill/>
-          </a:ln>
-          <a:extLst>
-            <a:ext uri="{909E8E84-426E-40DD-AFC4-6F175D3DCCD1}">
-              <a14:hiddenFill xmlns:a14="http://schemas.microsoft.com/office/drawing/2010/main">
-                <a:solidFill>
-                  <a:srgbClr val="FFFFFF"/>
-                </a:solidFill>
-              </a14:hiddenFill>
-            </a:ext>
-            <a:ext uri="{91240B29-F687-4F45-9708-019B960494DF}">
-              <a14:hiddenLine xmlns:a14="http://schemas.microsoft.com/office/drawing/2010/main" w="9525">
-                <a:solidFill>
-                  <a:srgbClr val="000000"/>
-                </a:solidFill>
-                <a:miter lim="800000"/>
-                <a:headEnd/>
-                <a:tailEnd/>
-              </a14:hiddenLine>
-            </a:ext>
-          </a:extLst>
-        </p:spPr>
-        <p:txBody>
-          <a:bodyPr wrap="none">
-            <a:spAutoFit/>
-          </a:bodyPr>
-          <a:lstStyle>
-            <a:lvl1pPr>
-              <a:defRPr sz="1300">
-                <a:solidFill>
-                  <a:schemeClr val="tx1"/>
-                </a:solidFill>
-                <a:latin typeface="Calibri Light" panose="020F0302020204030204" pitchFamily="34" charset="0"/>
-                <a:ea typeface="方正宋刻本秀楷简体" panose="02000000000000000000" pitchFamily="2" charset="-122"/>
-              </a:defRPr>
-            </a:lvl1pPr>
-            <a:lvl2pPr marL="742950" indent="-285750">
-              <a:defRPr sz="1300">
-                <a:solidFill>
-                  <a:schemeClr val="tx1"/>
-                </a:solidFill>
-                <a:latin typeface="Calibri Light" panose="020F0302020204030204" pitchFamily="34" charset="0"/>
-                <a:ea typeface="方正宋刻本秀楷简体" panose="02000000000000000000" pitchFamily="2" charset="-122"/>
-              </a:defRPr>
-            </a:lvl2pPr>
-            <a:lvl3pPr marL="1143000" indent="-228600">
-              <a:defRPr sz="1300">
-                <a:solidFill>
-                  <a:schemeClr val="tx1"/>
-                </a:solidFill>
-                <a:latin typeface="Calibri Light" panose="020F0302020204030204" pitchFamily="34" charset="0"/>
-                <a:ea typeface="方正宋刻本秀楷简体" panose="02000000000000000000" pitchFamily="2" charset="-122"/>
-              </a:defRPr>
-            </a:lvl3pPr>
-            <a:lvl4pPr marL="1600200" indent="-228600">
-              <a:defRPr sz="1300">
-                <a:solidFill>
-                  <a:schemeClr val="tx1"/>
-                </a:solidFill>
-                <a:latin typeface="Calibri Light" panose="020F0302020204030204" pitchFamily="34" charset="0"/>
-                <a:ea typeface="方正宋刻本秀楷简体" panose="02000000000000000000" pitchFamily="2" charset="-122"/>
-              </a:defRPr>
-            </a:lvl4pPr>
-            <a:lvl5pPr marL="2057400" indent="-228600">
-              <a:defRPr sz="1300">
-                <a:solidFill>
-                  <a:schemeClr val="tx1"/>
-                </a:solidFill>
-                <a:latin typeface="Calibri Light" panose="020F0302020204030204" pitchFamily="34" charset="0"/>
-                <a:ea typeface="方正宋刻本秀楷简体" panose="02000000000000000000" pitchFamily="2" charset="-122"/>
-              </a:defRPr>
-            </a:lvl5pPr>
-            <a:lvl6pPr marL="2514600" indent="-228600" defTabSz="685800" eaLnBrk="0" fontAlgn="base" hangingPunct="0">
-              <a:spcBef>
-                <a:spcPct val="0"/>
-              </a:spcBef>
-              <a:spcAft>
-                <a:spcPct val="0"/>
-              </a:spcAft>
-              <a:defRPr sz="1300">
-                <a:solidFill>
-                  <a:schemeClr val="tx1"/>
-                </a:solidFill>
-                <a:latin typeface="Calibri Light" panose="020F0302020204030204" pitchFamily="34" charset="0"/>
-                <a:ea typeface="方正宋刻本秀楷简体" panose="02000000000000000000" pitchFamily="2" charset="-122"/>
-              </a:defRPr>
-            </a:lvl6pPr>
-            <a:lvl7pPr marL="2971800" indent="-228600" defTabSz="685800" eaLnBrk="0" fontAlgn="base" hangingPunct="0">
-              <a:spcBef>
-                <a:spcPct val="0"/>
-              </a:spcBef>
-              <a:spcAft>
-                <a:spcPct val="0"/>
-              </a:spcAft>
-              <a:defRPr sz="1300">
-                <a:solidFill>
-                  <a:schemeClr val="tx1"/>
-                </a:solidFill>
-                <a:latin typeface="Calibri Light" panose="020F0302020204030204" pitchFamily="34" charset="0"/>
-                <a:ea typeface="方正宋刻本秀楷简体" panose="02000000000000000000" pitchFamily="2" charset="-122"/>
-              </a:defRPr>
-            </a:lvl7pPr>
-            <a:lvl8pPr marL="3429000" indent="-228600" defTabSz="685800" eaLnBrk="0" fontAlgn="base" hangingPunct="0">
-              <a:spcBef>
-                <a:spcPct val="0"/>
-              </a:spcBef>
-              <a:spcAft>
-                <a:spcPct val="0"/>
-              </a:spcAft>
-              <a:defRPr sz="1300">
-                <a:solidFill>
-                  <a:schemeClr val="tx1"/>
-                </a:solidFill>
-                <a:latin typeface="Calibri Light" panose="020F0302020204030204" pitchFamily="34" charset="0"/>
-                <a:ea typeface="方正宋刻本秀楷简体" panose="02000000000000000000" pitchFamily="2" charset="-122"/>
-              </a:defRPr>
-            </a:lvl8pPr>
-            <a:lvl9pPr marL="3886200" indent="-228600" defTabSz="685800" eaLnBrk="0" fontAlgn="base" hangingPunct="0">
-              <a:spcBef>
-                <a:spcPct val="0"/>
-              </a:spcBef>
-              <a:spcAft>
-                <a:spcPct val="0"/>
-              </a:spcAft>
-              <a:defRPr sz="1300">
-                <a:solidFill>
-                  <a:schemeClr val="tx1"/>
-                </a:solidFill>
-                <a:latin typeface="Calibri Light" panose="020F0302020204030204" pitchFamily="34" charset="0"/>
-                <a:ea typeface="方正宋刻本秀楷简体" panose="02000000000000000000" pitchFamily="2" charset="-122"/>
-              </a:defRPr>
-            </a:lvl9pPr>
-          </a:lstStyle>
-          <a:p>
-            <a:r>
-              <a:rPr lang="zh-CN" altLang="en-US" sz="2400" dirty="0">
-                <a:solidFill>
-                  <a:srgbClr val="4F6383"/>
-                </a:solidFill>
-                <a:latin typeface="方正兰亭黑_GBK"/>
-                <a:ea typeface="方正兰亭黑_GBK"/>
-              </a:rPr>
-              <a:t>甘特图</a:t>
-            </a:r>
-            <a:endParaRPr lang="zh-CN" altLang="zh-CN" sz="2400" dirty="0">
-              <a:solidFill>
-                <a:srgbClr val="4F6383"/>
-              </a:solidFill>
-              <a:latin typeface="方正兰亭黑_GBK"/>
-              <a:ea typeface="方正兰亭黑_GBK"/>
-            </a:endParaRPr>
-          </a:p>
-        </p:txBody>
-      </p:sp>
-      <p:pic>
-        <p:nvPicPr>
-          <p:cNvPr id="3" name="图片 2">
-            <a:extLst>
-              <a:ext uri="{FF2B5EF4-FFF2-40B4-BE49-F238E27FC236}">
-                <a16:creationId xmlns:a16="http://schemas.microsoft.com/office/drawing/2014/main" id="{CF10256F-9703-4ACC-A609-E6084E9826F3}"/>
-              </a:ext>
-            </a:extLst>
-          </p:cNvPr>
-          <p:cNvPicPr>
-            <a:picLocks noChangeAspect="1"/>
-          </p:cNvPicPr>
-          <p:nvPr/>
-        </p:nvPicPr>
-        <p:blipFill>
-          <a:blip r:embed="rId4">
-            <a:extLst>
-              <a:ext uri="{28A0092B-C50C-407E-A947-70E740481C1C}">
-                <a14:useLocalDpi xmlns:a14="http://schemas.microsoft.com/office/drawing/2010/main" val="0"/>
-              </a:ext>
-            </a:extLst>
-          </a:blip>
-          <a:stretch>
-            <a:fillRect/>
-          </a:stretch>
-        </p:blipFill>
-        <p:spPr>
-          <a:xfrm>
-            <a:off x="10460" y="1593203"/>
-            <a:ext cx="9144000" cy="2179732"/>
-          </a:xfrm>
-          <a:prstGeom prst="rect">
-            <a:avLst/>
-          </a:prstGeom>
-        </p:spPr>
-      </p:pic>
-    </p:spTree>
-    <p:extLst>
-      <p:ext uri="{BB962C8B-B14F-4D97-AF65-F5344CB8AC3E}">
-        <p14:creationId xmlns:p14="http://schemas.microsoft.com/office/powerpoint/2010/main" val="2183729971"/>
       </p:ext>
     </p:extLst>
   </p:cSld>
@@ -23198,42 +23359,6 @@
           <a:chExt cx="0" cy="0"/>
         </a:xfrm>
       </p:grpSpPr>
-      <p:pic>
-        <p:nvPicPr>
-          <p:cNvPr id="6" name="图片 5">
-            <a:extLst>
-              <a:ext uri="{FF2B5EF4-FFF2-40B4-BE49-F238E27FC236}">
-                <a16:creationId xmlns:a16="http://schemas.microsoft.com/office/drawing/2014/main" id="{F21A3909-AB28-4759-967E-2986930C6593}"/>
-              </a:ext>
-            </a:extLst>
-          </p:cNvPr>
-          <p:cNvPicPr>
-            <a:picLocks noChangeAspect="1"/>
-          </p:cNvPicPr>
-          <p:nvPr/>
-        </p:nvPicPr>
-        <p:blipFill>
-          <a:blip r:embed="rId4" cstate="print">
-            <a:extLst>
-              <a:ext uri="{28A0092B-C50C-407E-A947-70E740481C1C}">
-                <a14:useLocalDpi xmlns:a14="http://schemas.microsoft.com/office/drawing/2010/main" val="0"/>
-              </a:ext>
-            </a:extLst>
-          </a:blip>
-          <a:stretch>
-            <a:fillRect/>
-          </a:stretch>
-        </p:blipFill>
-        <p:spPr>
-          <a:xfrm>
-            <a:off x="1936598" y="705245"/>
-            <a:ext cx="5736412" cy="4059666"/>
-          </a:xfrm>
-          <a:prstGeom prst="rect">
-            <a:avLst/>
-          </a:prstGeom>
-        </p:spPr>
-      </p:pic>
       <p:sp>
         <p:nvSpPr>
           <p:cNvPr id="20" name="PA_文本框 1"/>
@@ -23342,7 +23467,7 @@
         <p:spPr bwMode="auto">
           <a:xfrm>
             <a:off x="799560" y="995560"/>
-            <a:ext cx="1723549" cy="461665"/>
+            <a:ext cx="1107996" cy="461665"/>
           </a:xfrm>
           <a:prstGeom prst="rect">
             <a:avLst/>
@@ -23491,7 +23616,7 @@
                 <a:latin typeface="方正兰亭黑_GBK"/>
                 <a:ea typeface="方正兰亭黑_GBK"/>
               </a:rPr>
-              <a:t>工程网络图</a:t>
+              <a:t>甘特图</a:t>
             </a:r>
             <a:endParaRPr lang="zh-CN" altLang="zh-CN" sz="2400" dirty="0">
               <a:solidFill>
@@ -23503,57 +23628,46 @@
           </a:p>
         </p:txBody>
       </p:sp>
-      <p:sp>
-        <p:nvSpPr>
-          <p:cNvPr id="7" name="文本框 6">
+      <p:pic>
+        <p:nvPicPr>
+          <p:cNvPr id="3" name="图片 2">
             <a:extLst>
               <a:ext uri="{FF2B5EF4-FFF2-40B4-BE49-F238E27FC236}">
-                <a16:creationId xmlns:a16="http://schemas.microsoft.com/office/drawing/2014/main" id="{6EAAA946-01FE-4B5D-8200-6D36FF3A96D2}"/>
+                <a16:creationId xmlns:a16="http://schemas.microsoft.com/office/drawing/2014/main" id="{CF10256F-9703-4ACC-A609-E6084E9826F3}"/>
               </a:ext>
             </a:extLst>
           </p:cNvPr>
-          <p:cNvSpPr txBox="1"/>
+          <p:cNvPicPr>
+            <a:picLocks noChangeAspect="1"/>
+          </p:cNvPicPr>
           <p:nvPr/>
-        </p:nvSpPr>
+        </p:nvPicPr>
+        <p:blipFill>
+          <a:blip r:embed="rId4">
+            <a:extLst>
+              <a:ext uri="{28A0092B-C50C-407E-A947-70E740481C1C}">
+                <a14:useLocalDpi xmlns:a14="http://schemas.microsoft.com/office/drawing/2010/main" val="0"/>
+              </a:ext>
+            </a:extLst>
+          </a:blip>
+          <a:stretch>
+            <a:fillRect/>
+          </a:stretch>
+        </p:blipFill>
         <p:spPr>
           <a:xfrm>
-            <a:off x="5931672" y="2838615"/>
-            <a:ext cx="2353586" cy="369332"/>
+            <a:off x="10460" y="1593203"/>
+            <a:ext cx="9144000" cy="2179732"/>
           </a:xfrm>
           <a:prstGeom prst="rect">
             <a:avLst/>
           </a:prstGeom>
-          <a:noFill/>
         </p:spPr>
-        <p:txBody>
-          <a:bodyPr wrap="square" rtlCol="0">
-            <a:spAutoFit/>
-          </a:bodyPr>
-          <a:lstStyle/>
-          <a:p>
-            <a:r>
-              <a:rPr lang="en-US" altLang="zh-CN" sz="1800" b="1" dirty="0">
-                <a:solidFill>
-                  <a:srgbClr val="00B050"/>
-                </a:solidFill>
-              </a:rPr>
-              <a:t>UI</a:t>
-            </a:r>
-            <a:r>
-              <a:rPr lang="zh-CN" altLang="en-US" sz="1800" b="1" dirty="0">
-                <a:solidFill>
-                  <a:srgbClr val="00B050"/>
-                </a:solidFill>
-              </a:rPr>
-              <a:t>界面设计（用户层）</a:t>
-            </a:r>
-          </a:p>
-        </p:txBody>
-      </p:sp>
+      </p:pic>
     </p:spTree>
     <p:extLst>
       <p:ext uri="{BB962C8B-B14F-4D97-AF65-F5344CB8AC3E}">
-        <p14:creationId xmlns:p14="http://schemas.microsoft.com/office/powerpoint/2010/main" val="2881342088"/>
+        <p14:creationId xmlns:p14="http://schemas.microsoft.com/office/powerpoint/2010/main" val="2183729971"/>
       </p:ext>
     </p:extLst>
   </p:cSld>
@@ -23683,10 +23797,10 @@
       </p:grpSpPr>
       <p:pic>
         <p:nvPicPr>
-          <p:cNvPr id="3" name="图片 2">
+          <p:cNvPr id="6" name="图片 5">
             <a:extLst>
               <a:ext uri="{FF2B5EF4-FFF2-40B4-BE49-F238E27FC236}">
-                <a16:creationId xmlns:a16="http://schemas.microsoft.com/office/drawing/2014/main" id="{9B222FA7-E497-46E6-B31F-2028350C43E2}"/>
+                <a16:creationId xmlns:a16="http://schemas.microsoft.com/office/drawing/2014/main" id="{F21A3909-AB28-4759-967E-2986930C6593}"/>
               </a:ext>
             </a:extLst>
           </p:cNvPr>
@@ -23695,7 +23809,7 @@
           </p:cNvPicPr>
           <p:nvPr/>
         </p:nvPicPr>
-        <p:blipFill rotWithShape="1">
+        <p:blipFill>
           <a:blip r:embed="rId4" cstate="print">
             <a:extLst>
               <a:ext uri="{28A0092B-C50C-407E-A947-70E740481C1C}">
@@ -23703,13 +23817,14 @@
               </a:ext>
             </a:extLst>
           </a:blip>
-          <a:srcRect l="3005" t="3091" r="5774" b="4154"/>
-          <a:stretch/>
+          <a:stretch>
+            <a:fillRect/>
+          </a:stretch>
         </p:blipFill>
         <p:spPr>
           <a:xfrm>
-            <a:off x="1815223" y="662930"/>
-            <a:ext cx="5852159" cy="4101981"/>
+            <a:off x="1936598" y="705245"/>
+            <a:ext cx="5736412" cy="4059666"/>
           </a:xfrm>
           <a:prstGeom prst="rect">
             <a:avLst/>
@@ -23999,7 +24114,7 @@
         </p:nvSpPr>
         <p:spPr>
           <a:xfrm>
-            <a:off x="7394712" y="3689404"/>
+            <a:off x="5931672" y="2838615"/>
             <a:ext cx="2353586" cy="369332"/>
           </a:xfrm>
           <a:prstGeom prst="rect">
@@ -24014,12 +24129,20 @@
           <a:lstStyle/>
           <a:p>
             <a:r>
+              <a:rPr lang="en-US" altLang="zh-CN" sz="1800" b="1" dirty="0">
+                <a:solidFill>
+                  <a:srgbClr val="00B050"/>
+                </a:solidFill>
+              </a:rPr>
+              <a:t>UI</a:t>
+            </a:r>
+            <a:r>
               <a:rPr lang="zh-CN" altLang="en-US" sz="1800" b="1" dirty="0">
                 <a:solidFill>
                   <a:srgbClr val="00B050"/>
                 </a:solidFill>
               </a:rPr>
-              <a:t>逻辑层</a:t>
+              <a:t>界面设计（用户层）</a:t>
             </a:r>
           </a:p>
         </p:txBody>
@@ -24027,7 +24150,7 @@
     </p:spTree>
     <p:extLst>
       <p:ext uri="{BB962C8B-B14F-4D97-AF65-F5344CB8AC3E}">
-        <p14:creationId xmlns:p14="http://schemas.microsoft.com/office/powerpoint/2010/main" val="471377751"/>
+        <p14:creationId xmlns:p14="http://schemas.microsoft.com/office/powerpoint/2010/main" val="2881342088"/>
       </p:ext>
     </p:extLst>
   </p:cSld>
@@ -24157,6 +24280,480 @@
       </p:grpSpPr>
       <p:pic>
         <p:nvPicPr>
+          <p:cNvPr id="3" name="图片 2">
+            <a:extLst>
+              <a:ext uri="{FF2B5EF4-FFF2-40B4-BE49-F238E27FC236}">
+                <a16:creationId xmlns:a16="http://schemas.microsoft.com/office/drawing/2014/main" id="{9B222FA7-E497-46E6-B31F-2028350C43E2}"/>
+              </a:ext>
+            </a:extLst>
+          </p:cNvPr>
+          <p:cNvPicPr>
+            <a:picLocks noChangeAspect="1"/>
+          </p:cNvPicPr>
+          <p:nvPr/>
+        </p:nvPicPr>
+        <p:blipFill rotWithShape="1">
+          <a:blip r:embed="rId4" cstate="print">
+            <a:extLst>
+              <a:ext uri="{28A0092B-C50C-407E-A947-70E740481C1C}">
+                <a14:useLocalDpi xmlns:a14="http://schemas.microsoft.com/office/drawing/2010/main" val="0"/>
+              </a:ext>
+            </a:extLst>
+          </a:blip>
+          <a:srcRect l="3005" t="3091" r="5774" b="4154"/>
+          <a:stretch/>
+        </p:blipFill>
+        <p:spPr>
+          <a:xfrm>
+            <a:off x="1815223" y="662930"/>
+            <a:ext cx="5852159" cy="4101981"/>
+          </a:xfrm>
+          <a:prstGeom prst="rect">
+            <a:avLst/>
+          </a:prstGeom>
+        </p:spPr>
+      </p:pic>
+      <p:sp>
+        <p:nvSpPr>
+          <p:cNvPr id="20" name="PA_文本框 1"/>
+          <p:cNvSpPr txBox="1"/>
+          <p:nvPr>
+            <p:custDataLst>
+              <p:tags r:id="rId1"/>
+            </p:custDataLst>
+          </p:nvPr>
+        </p:nvSpPr>
+        <p:spPr>
+          <a:xfrm>
+            <a:off x="584117" y="542189"/>
+            <a:ext cx="1231106" cy="392415"/>
+          </a:xfrm>
+          <a:prstGeom prst="rect">
+            <a:avLst/>
+          </a:prstGeom>
+          <a:noFill/>
+        </p:spPr>
+        <p:txBody>
+          <a:bodyPr wrap="none" lIns="0" tIns="0" rIns="0" rtlCol="0">
+            <a:spAutoFit/>
+          </a:bodyPr>
+          <a:lstStyle/>
+          <a:p>
+            <a:pPr>
+              <a:lnSpc>
+                <a:spcPts val="2700"/>
+              </a:lnSpc>
+            </a:pPr>
+            <a:r>
+              <a:rPr lang="zh-CN" altLang="en-US" sz="2400" b="1" dirty="0">
+                <a:solidFill>
+                  <a:srgbClr val="2B3649"/>
+                </a:solidFill>
+                <a:latin typeface="+mj-ea"/>
+                <a:ea typeface="+mj-ea"/>
+                <a:cs typeface="+mn-ea"/>
+              </a:rPr>
+              <a:t>工程控制</a:t>
+            </a:r>
+          </a:p>
+        </p:txBody>
+      </p:sp>
+      <p:sp>
+        <p:nvSpPr>
+          <p:cNvPr id="17" name="TextBox 15"/>
+          <p:cNvSpPr txBox="1"/>
+          <p:nvPr/>
+        </p:nvSpPr>
+        <p:spPr>
+          <a:xfrm>
+            <a:off x="8483113" y="4764911"/>
+            <a:ext cx="671347" cy="307777"/>
+          </a:xfrm>
+          <a:prstGeom prst="rect">
+            <a:avLst/>
+          </a:prstGeom>
+          <a:noFill/>
+        </p:spPr>
+        <p:txBody>
+          <a:bodyPr wrap="square" rtlCol="0">
+            <a:spAutoFit/>
+          </a:bodyPr>
+          <a:lstStyle/>
+          <a:p>
+            <a:pPr algn="ctr"/>
+            <a:r>
+              <a:rPr lang="en-US" altLang="zh-CN" sz="1400" b="0" dirty="0">
+                <a:solidFill>
+                  <a:schemeClr val="bg1"/>
+                </a:solidFill>
+                <a:latin typeface="微软雅黑 Light" panose="020B0502040204020203" pitchFamily="34" charset="-122"/>
+                <a:ea typeface="微软雅黑 Light" panose="020B0502040204020203" pitchFamily="34" charset="-122"/>
+              </a:rPr>
+              <a:t>4</a:t>
+            </a:r>
+            <a:r>
+              <a:rPr lang="zh-CN" altLang="en-US" sz="1400" b="0" dirty="0">
+                <a:solidFill>
+                  <a:schemeClr val="bg1"/>
+                </a:solidFill>
+                <a:latin typeface="微软雅黑 Light" panose="020B0502040204020203" pitchFamily="34" charset="-122"/>
+                <a:ea typeface="微软雅黑 Light" panose="020B0502040204020203" pitchFamily="34" charset="-122"/>
+              </a:rPr>
+              <a:t> </a:t>
+            </a:r>
+          </a:p>
+        </p:txBody>
+      </p:sp>
+      <p:sp>
+        <p:nvSpPr>
+          <p:cNvPr id="15" name="文本框 5">
+            <a:extLst>
+              <a:ext uri="{FF2B5EF4-FFF2-40B4-BE49-F238E27FC236}">
+                <a16:creationId xmlns:a16="http://schemas.microsoft.com/office/drawing/2014/main" id="{D40BCCA4-3C8F-48CD-96C7-2483C873D41C}"/>
+              </a:ext>
+            </a:extLst>
+          </p:cNvPr>
+          <p:cNvSpPr txBox="1">
+            <a:spLocks noChangeArrowheads="1"/>
+          </p:cNvSpPr>
+          <p:nvPr/>
+        </p:nvSpPr>
+        <p:spPr bwMode="auto">
+          <a:xfrm>
+            <a:off x="799560" y="995560"/>
+            <a:ext cx="1723549" cy="461665"/>
+          </a:xfrm>
+          <a:prstGeom prst="rect">
+            <a:avLst/>
+          </a:prstGeom>
+          <a:noFill/>
+          <a:ln>
+            <a:noFill/>
+          </a:ln>
+          <a:extLst>
+            <a:ext uri="{909E8E84-426E-40DD-AFC4-6F175D3DCCD1}">
+              <a14:hiddenFill xmlns:a14="http://schemas.microsoft.com/office/drawing/2010/main">
+                <a:solidFill>
+                  <a:srgbClr val="FFFFFF"/>
+                </a:solidFill>
+              </a14:hiddenFill>
+            </a:ext>
+            <a:ext uri="{91240B29-F687-4F45-9708-019B960494DF}">
+              <a14:hiddenLine xmlns:a14="http://schemas.microsoft.com/office/drawing/2010/main" w="9525">
+                <a:solidFill>
+                  <a:srgbClr val="000000"/>
+                </a:solidFill>
+                <a:miter lim="800000"/>
+                <a:headEnd/>
+                <a:tailEnd/>
+              </a14:hiddenLine>
+            </a:ext>
+          </a:extLst>
+        </p:spPr>
+        <p:txBody>
+          <a:bodyPr wrap="none">
+            <a:spAutoFit/>
+          </a:bodyPr>
+          <a:lstStyle>
+            <a:lvl1pPr>
+              <a:defRPr sz="1300">
+                <a:solidFill>
+                  <a:schemeClr val="tx1"/>
+                </a:solidFill>
+                <a:latin typeface="Calibri Light" panose="020F0302020204030204" pitchFamily="34" charset="0"/>
+                <a:ea typeface="方正宋刻本秀楷简体" panose="02000000000000000000" pitchFamily="2" charset="-122"/>
+              </a:defRPr>
+            </a:lvl1pPr>
+            <a:lvl2pPr marL="742950" indent="-285750">
+              <a:defRPr sz="1300">
+                <a:solidFill>
+                  <a:schemeClr val="tx1"/>
+                </a:solidFill>
+                <a:latin typeface="Calibri Light" panose="020F0302020204030204" pitchFamily="34" charset="0"/>
+                <a:ea typeface="方正宋刻本秀楷简体" panose="02000000000000000000" pitchFamily="2" charset="-122"/>
+              </a:defRPr>
+            </a:lvl2pPr>
+            <a:lvl3pPr marL="1143000" indent="-228600">
+              <a:defRPr sz="1300">
+                <a:solidFill>
+                  <a:schemeClr val="tx1"/>
+                </a:solidFill>
+                <a:latin typeface="Calibri Light" panose="020F0302020204030204" pitchFamily="34" charset="0"/>
+                <a:ea typeface="方正宋刻本秀楷简体" panose="02000000000000000000" pitchFamily="2" charset="-122"/>
+              </a:defRPr>
+            </a:lvl3pPr>
+            <a:lvl4pPr marL="1600200" indent="-228600">
+              <a:defRPr sz="1300">
+                <a:solidFill>
+                  <a:schemeClr val="tx1"/>
+                </a:solidFill>
+                <a:latin typeface="Calibri Light" panose="020F0302020204030204" pitchFamily="34" charset="0"/>
+                <a:ea typeface="方正宋刻本秀楷简体" panose="02000000000000000000" pitchFamily="2" charset="-122"/>
+              </a:defRPr>
+            </a:lvl4pPr>
+            <a:lvl5pPr marL="2057400" indent="-228600">
+              <a:defRPr sz="1300">
+                <a:solidFill>
+                  <a:schemeClr val="tx1"/>
+                </a:solidFill>
+                <a:latin typeface="Calibri Light" panose="020F0302020204030204" pitchFamily="34" charset="0"/>
+                <a:ea typeface="方正宋刻本秀楷简体" panose="02000000000000000000" pitchFamily="2" charset="-122"/>
+              </a:defRPr>
+            </a:lvl5pPr>
+            <a:lvl6pPr marL="2514600" indent="-228600" defTabSz="685800" eaLnBrk="0" fontAlgn="base" hangingPunct="0">
+              <a:spcBef>
+                <a:spcPct val="0"/>
+              </a:spcBef>
+              <a:spcAft>
+                <a:spcPct val="0"/>
+              </a:spcAft>
+              <a:defRPr sz="1300">
+                <a:solidFill>
+                  <a:schemeClr val="tx1"/>
+                </a:solidFill>
+                <a:latin typeface="Calibri Light" panose="020F0302020204030204" pitchFamily="34" charset="0"/>
+                <a:ea typeface="方正宋刻本秀楷简体" panose="02000000000000000000" pitchFamily="2" charset="-122"/>
+              </a:defRPr>
+            </a:lvl6pPr>
+            <a:lvl7pPr marL="2971800" indent="-228600" defTabSz="685800" eaLnBrk="0" fontAlgn="base" hangingPunct="0">
+              <a:spcBef>
+                <a:spcPct val="0"/>
+              </a:spcBef>
+              <a:spcAft>
+                <a:spcPct val="0"/>
+              </a:spcAft>
+              <a:defRPr sz="1300">
+                <a:solidFill>
+                  <a:schemeClr val="tx1"/>
+                </a:solidFill>
+                <a:latin typeface="Calibri Light" panose="020F0302020204030204" pitchFamily="34" charset="0"/>
+                <a:ea typeface="方正宋刻本秀楷简体" panose="02000000000000000000" pitchFamily="2" charset="-122"/>
+              </a:defRPr>
+            </a:lvl7pPr>
+            <a:lvl8pPr marL="3429000" indent="-228600" defTabSz="685800" eaLnBrk="0" fontAlgn="base" hangingPunct="0">
+              <a:spcBef>
+                <a:spcPct val="0"/>
+              </a:spcBef>
+              <a:spcAft>
+                <a:spcPct val="0"/>
+              </a:spcAft>
+              <a:defRPr sz="1300">
+                <a:solidFill>
+                  <a:schemeClr val="tx1"/>
+                </a:solidFill>
+                <a:latin typeface="Calibri Light" panose="020F0302020204030204" pitchFamily="34" charset="0"/>
+                <a:ea typeface="方正宋刻本秀楷简体" panose="02000000000000000000" pitchFamily="2" charset="-122"/>
+              </a:defRPr>
+            </a:lvl8pPr>
+            <a:lvl9pPr marL="3886200" indent="-228600" defTabSz="685800" eaLnBrk="0" fontAlgn="base" hangingPunct="0">
+              <a:spcBef>
+                <a:spcPct val="0"/>
+              </a:spcBef>
+              <a:spcAft>
+                <a:spcPct val="0"/>
+              </a:spcAft>
+              <a:defRPr sz="1300">
+                <a:solidFill>
+                  <a:schemeClr val="tx1"/>
+                </a:solidFill>
+                <a:latin typeface="Calibri Light" panose="020F0302020204030204" pitchFamily="34" charset="0"/>
+                <a:ea typeface="方正宋刻本秀楷简体" panose="02000000000000000000" pitchFamily="2" charset="-122"/>
+              </a:defRPr>
+            </a:lvl9pPr>
+          </a:lstStyle>
+          <a:p>
+            <a:r>
+              <a:rPr lang="zh-CN" altLang="en-US" sz="2400" dirty="0">
+                <a:solidFill>
+                  <a:srgbClr val="4F6383"/>
+                </a:solidFill>
+                <a:latin typeface="方正兰亭黑_GBK"/>
+                <a:ea typeface="方正兰亭黑_GBK"/>
+              </a:rPr>
+              <a:t>工程网络图</a:t>
+            </a:r>
+            <a:endParaRPr lang="zh-CN" altLang="zh-CN" sz="2400" dirty="0">
+              <a:solidFill>
+                <a:srgbClr val="4F6383"/>
+              </a:solidFill>
+              <a:latin typeface="方正兰亭黑_GBK"/>
+              <a:ea typeface="方正兰亭黑_GBK"/>
+            </a:endParaRPr>
+          </a:p>
+        </p:txBody>
+      </p:sp>
+      <p:sp>
+        <p:nvSpPr>
+          <p:cNvPr id="7" name="文本框 6">
+            <a:extLst>
+              <a:ext uri="{FF2B5EF4-FFF2-40B4-BE49-F238E27FC236}">
+                <a16:creationId xmlns:a16="http://schemas.microsoft.com/office/drawing/2014/main" id="{6EAAA946-01FE-4B5D-8200-6D36FF3A96D2}"/>
+              </a:ext>
+            </a:extLst>
+          </p:cNvPr>
+          <p:cNvSpPr txBox="1"/>
+          <p:nvPr/>
+        </p:nvSpPr>
+        <p:spPr>
+          <a:xfrm>
+            <a:off x="7394712" y="3689404"/>
+            <a:ext cx="2353586" cy="369332"/>
+          </a:xfrm>
+          <a:prstGeom prst="rect">
+            <a:avLst/>
+          </a:prstGeom>
+          <a:noFill/>
+        </p:spPr>
+        <p:txBody>
+          <a:bodyPr wrap="square" rtlCol="0">
+            <a:spAutoFit/>
+          </a:bodyPr>
+          <a:lstStyle/>
+          <a:p>
+            <a:r>
+              <a:rPr lang="zh-CN" altLang="en-US" sz="1800" b="1" dirty="0">
+                <a:solidFill>
+                  <a:srgbClr val="00B050"/>
+                </a:solidFill>
+              </a:rPr>
+              <a:t>逻辑层</a:t>
+            </a:r>
+          </a:p>
+        </p:txBody>
+      </p:sp>
+    </p:spTree>
+    <p:extLst>
+      <p:ext uri="{BB962C8B-B14F-4D97-AF65-F5344CB8AC3E}">
+        <p14:creationId xmlns:p14="http://schemas.microsoft.com/office/powerpoint/2010/main" val="471377751"/>
+      </p:ext>
+    </p:extLst>
+  </p:cSld>
+  <p:clrMapOvr>
+    <a:masterClrMapping/>
+  </p:clrMapOvr>
+  <mc:AlternateContent xmlns:mc="http://schemas.openxmlformats.org/markup-compatibility/2006" xmlns:p14="http://schemas.microsoft.com/office/powerpoint/2010/main">
+    <mc:Choice Requires="p14">
+      <p:transition spd="slow" p14:dur="1600">
+        <p14:gallery dir="l"/>
+      </p:transition>
+    </mc:Choice>
+    <mc:Fallback xmlns="">
+      <p:transition spd="slow">
+        <p:fade/>
+      </p:transition>
+    </mc:Fallback>
+  </mc:AlternateContent>
+  <p:timing>
+    <p:tnLst>
+      <p:par>
+        <p:cTn id="1" dur="indefinite" restart="never" nodeType="tmRoot">
+          <p:childTnLst>
+            <p:seq concurrent="1" nextAc="seek">
+              <p:cTn id="2" dur="indefinite" nodeType="mainSeq">
+                <p:childTnLst>
+                  <p:par>
+                    <p:cTn id="3" fill="hold">
+                      <p:stCondLst>
+                        <p:cond delay="indefinite"/>
+                        <p:cond evt="onBegin" delay="0">
+                          <p:tn val="2"/>
+                        </p:cond>
+                      </p:stCondLst>
+                      <p:childTnLst>
+                        <p:par>
+                          <p:cTn id="4" fill="hold">
+                            <p:stCondLst>
+                              <p:cond delay="0"/>
+                            </p:stCondLst>
+                            <p:childTnLst>
+                              <p:par>
+                                <p:cTn id="5" presetID="22" presetClass="entr" presetSubtype="4" fill="hold" grpId="0" nodeType="withEffect">
+                                  <p:stCondLst>
+                                    <p:cond delay="0"/>
+                                  </p:stCondLst>
+                                  <p:childTnLst>
+                                    <p:set>
+                                      <p:cBhvr>
+                                        <p:cTn id="6" dur="1" fill="hold">
+                                          <p:stCondLst>
+                                            <p:cond delay="0"/>
+                                          </p:stCondLst>
+                                        </p:cTn>
+                                        <p:tgtEl>
+                                          <p:spTgt spid="15"/>
+                                        </p:tgtEl>
+                                        <p:attrNameLst>
+                                          <p:attrName>style.visibility</p:attrName>
+                                        </p:attrNameLst>
+                                      </p:cBhvr>
+                                      <p:to>
+                                        <p:strVal val="visible"/>
+                                      </p:to>
+                                    </p:set>
+                                    <p:animEffect transition="in" filter="wipe(down)">
+                                      <p:cBhvr>
+                                        <p:cTn id="7" dur="500"/>
+                                        <p:tgtEl>
+                                          <p:spTgt spid="15"/>
+                                        </p:tgtEl>
+                                      </p:cBhvr>
+                                    </p:animEffect>
+                                  </p:childTnLst>
+                                </p:cTn>
+                              </p:par>
+                            </p:childTnLst>
+                          </p:cTn>
+                        </p:par>
+                      </p:childTnLst>
+                    </p:cTn>
+                  </p:par>
+                </p:childTnLst>
+              </p:cTn>
+              <p:prevCondLst>
+                <p:cond evt="onPrev" delay="0">
+                  <p:tgtEl>
+                    <p:sldTgt/>
+                  </p:tgtEl>
+                </p:cond>
+              </p:prevCondLst>
+              <p:nextCondLst>
+                <p:cond evt="onNext" delay="0">
+                  <p:tgtEl>
+                    <p:sldTgt/>
+                  </p:tgtEl>
+                </p:cond>
+              </p:nextCondLst>
+            </p:seq>
+          </p:childTnLst>
+        </p:cTn>
+      </p:par>
+    </p:tnLst>
+    <p:bldLst>
+      <p:bldP spid="15" grpId="0"/>
+    </p:bldLst>
+  </p:timing>
+</p:sld>
+</file>
+
+<file path=ppt/slides/slide33.xml><?xml version="1.0" encoding="utf-8"?>
+<p:sld xmlns:a="http://schemas.openxmlformats.org/drawingml/2006/main" xmlns:r="http://schemas.openxmlformats.org/officeDocument/2006/relationships" xmlns:p="http://schemas.openxmlformats.org/presentationml/2006/main">
+  <p:cSld>
+    <p:spTree>
+      <p:nvGrpSpPr>
+        <p:cNvPr id="1" name=""/>
+        <p:cNvGrpSpPr/>
+        <p:nvPr/>
+      </p:nvGrpSpPr>
+      <p:grpSpPr>
+        <a:xfrm>
+          <a:off x="0" y="0"/>
+          <a:ext cx="0" cy="0"/>
+          <a:chOff x="0" y="0"/>
+          <a:chExt cx="0" cy="0"/>
+        </a:xfrm>
+      </p:grpSpPr>
+      <p:pic>
+        <p:nvPicPr>
           <p:cNvPr id="3" name="图片 2" descr="图示&#10;&#10;描述已自动生成">
             <a:extLst>
               <a:ext uri="{FF2B5EF4-FFF2-40B4-BE49-F238E27FC236}">
@@ -24612,7 +25209,7 @@
 </p:sld>
 </file>
 
-<file path=ppt/slides/slide33.xml><?xml version="1.0" encoding="utf-8"?>
+<file path=ppt/slides/slide34.xml><?xml version="1.0" encoding="utf-8"?>
 <p:sld xmlns:a="http://schemas.openxmlformats.org/drawingml/2006/main" xmlns:r="http://schemas.openxmlformats.org/officeDocument/2006/relationships" xmlns:p="http://schemas.openxmlformats.org/presentationml/2006/main">
   <p:cSld>
     <p:spTree>
@@ -25474,7 +26071,7 @@
 </p:sld>
 </file>
 
-<file path=ppt/slides/slide34.xml><?xml version="1.0" encoding="utf-8"?>
+<file path=ppt/slides/slide35.xml><?xml version="1.0" encoding="utf-8"?>
 <p:sld xmlns:a="http://schemas.openxmlformats.org/drawingml/2006/main" xmlns:r="http://schemas.openxmlformats.org/officeDocument/2006/relationships" xmlns:p="http://schemas.openxmlformats.org/presentationml/2006/main">
   <p:cSld>
     <p:spTree>
@@ -26329,7 +26926,7 @@
 </p:sld>
 </file>
 
-<file path=ppt/slides/slide35.xml><?xml version="1.0" encoding="utf-8"?>
+<file path=ppt/slides/slide36.xml><?xml version="1.0" encoding="utf-8"?>
 <p:sld xmlns:a="http://schemas.openxmlformats.org/drawingml/2006/main" xmlns:r="http://schemas.openxmlformats.org/officeDocument/2006/relationships" xmlns:p="http://schemas.openxmlformats.org/presentationml/2006/main">
   <p:cSld>
     <p:spTree>
@@ -26944,7 +27541,7 @@
 </p:sld>
 </file>
 
-<file path=ppt/slides/slide36.xml><?xml version="1.0" encoding="utf-8"?>
+<file path=ppt/slides/slide37.xml><?xml version="1.0" encoding="utf-8"?>
 <p:sld xmlns:a="http://schemas.openxmlformats.org/drawingml/2006/main" xmlns:r="http://schemas.openxmlformats.org/officeDocument/2006/relationships" xmlns:p="http://schemas.openxmlformats.org/presentationml/2006/main">
   <p:cSld>
     <p:spTree>
@@ -27560,7 +28157,7 @@
 </p:sld>
 </file>
 
-<file path=ppt/slides/slide37.xml><?xml version="1.0" encoding="utf-8"?>
+<file path=ppt/slides/slide38.xml><?xml version="1.0" encoding="utf-8"?>
 <p:sld xmlns:a="http://schemas.openxmlformats.org/drawingml/2006/main" xmlns:r="http://schemas.openxmlformats.org/officeDocument/2006/relationships" xmlns:p="http://schemas.openxmlformats.org/presentationml/2006/main">
   <p:cSld>
     <p:spTree>
@@ -34248,6 +34845,18 @@
 </file>
 
 <file path=ppt/tags/tag53.xml><?xml version="1.0" encoding="utf-8"?>
+<p:tagLst xmlns:a="http://schemas.openxmlformats.org/drawingml/2006/main" xmlns:r="http://schemas.openxmlformats.org/officeDocument/2006/relationships" xmlns:p="http://schemas.openxmlformats.org/presentationml/2006/main">
+  <p:tag name="PA" val="v3.2.0"/>
+</p:tagLst>
+</file>
+
+<file path=ppt/tags/tag54.xml><?xml version="1.0" encoding="utf-8"?>
+<p:tagLst xmlns:a="http://schemas.openxmlformats.org/drawingml/2006/main" xmlns:r="http://schemas.openxmlformats.org/officeDocument/2006/relationships" xmlns:p="http://schemas.openxmlformats.org/presentationml/2006/main">
+  <p:tag name="PA" val="v3.2.0"/>
+</p:tagLst>
+</file>
+
+<file path=ppt/tags/tag55.xml><?xml version="1.0" encoding="utf-8"?>
 <p:tagLst xmlns:a="http://schemas.openxmlformats.org/drawingml/2006/main" xmlns:r="http://schemas.openxmlformats.org/officeDocument/2006/relationships" xmlns:p="http://schemas.openxmlformats.org/presentationml/2006/main">
   <p:tag name="PA" val="v3.2.0"/>
 </p:tagLst>

--- a/文档/展示PPT_第四周.pptx
+++ b/文档/展示PPT_第四周.pptx
@@ -9659,6 +9659,35 @@
           <a:chExt cx="0" cy="0"/>
         </a:xfrm>
       </p:grpSpPr>
+      <p:pic>
+        <p:nvPicPr>
+          <p:cNvPr id="4" name="图片 3">
+            <a:extLst>
+              <a:ext uri="{FF2B5EF4-FFF2-40B4-BE49-F238E27FC236}">
+                <a16:creationId xmlns:a16="http://schemas.microsoft.com/office/drawing/2014/main" id="{265D6D4B-2786-48D4-9552-E2F758356FDA}"/>
+              </a:ext>
+            </a:extLst>
+          </p:cNvPr>
+          <p:cNvPicPr>
+            <a:picLocks noChangeAspect="1"/>
+          </p:cNvPicPr>
+          <p:nvPr/>
+        </p:nvPicPr>
+        <p:blipFill rotWithShape="1">
+          <a:blip r:embed="rId5"/>
+          <a:srcRect t="10857"/>
+          <a:stretch/>
+        </p:blipFill>
+        <p:spPr>
+          <a:xfrm>
+            <a:off x="1964241" y="701027"/>
+            <a:ext cx="6345763" cy="3749407"/>
+          </a:xfrm>
+          <a:prstGeom prst="rect">
+            <a:avLst/>
+          </a:prstGeom>
+        </p:spPr>
+      </p:pic>
       <p:grpSp>
         <p:nvGrpSpPr>
           <p:cNvPr id="2" name="组合 1"/>
@@ -9832,8 +9861,8 @@
         </p:nvSpPr>
         <p:spPr bwMode="auto">
           <a:xfrm>
-            <a:off x="833995" y="1156506"/>
-            <a:ext cx="880369" cy="400110"/>
+            <a:off x="584117" y="1156506"/>
+            <a:ext cx="1907895" cy="400110"/>
           </a:xfrm>
           <a:prstGeom prst="rect">
             <a:avLst/>
@@ -9992,7 +10021,7 @@
                 <a:latin typeface="方正兰亭黑_GBK"/>
                 <a:ea typeface="方正兰亭黑_GBK"/>
               </a:rPr>
-              <a:t>图</a:t>
+              <a:t>图（部分）</a:t>
             </a:r>
             <a:endParaRPr lang="zh-CN" altLang="zh-CN" sz="2000" dirty="0">
               <a:solidFill>
@@ -10018,8 +10047,8 @@
         </p:nvSpPr>
         <p:spPr>
           <a:xfrm>
-            <a:off x="1548347" y="2271668"/>
-            <a:ext cx="5851321" cy="300082"/>
+            <a:off x="5893126" y="4325840"/>
+            <a:ext cx="2768072" cy="300082"/>
           </a:xfrm>
           <a:prstGeom prst="rect">
             <a:avLst/>
@@ -10034,7 +10063,7 @@
           <a:p>
             <a:r>
               <a:rPr lang="zh-CN" altLang="en-US" dirty="0"/>
-              <a:t>在项目介绍文档中</a:t>
+              <a:t>其余部分在项目介绍文档中</a:t>
             </a:r>
             <a:endParaRPr lang="en-US" altLang="zh-CN" dirty="0"/>
           </a:p>
@@ -10050,13 +10079,13 @@
   <p:clrMapOvr>
     <a:masterClrMapping/>
   </p:clrMapOvr>
-  <mc:AlternateContent xmlns:mc="http://schemas.openxmlformats.org/markup-compatibility/2006">
-    <mc:Choice xmlns:p14="http://schemas.microsoft.com/office/powerpoint/2010/main" Requires="p14">
+  <mc:AlternateContent xmlns:mc="http://schemas.openxmlformats.org/markup-compatibility/2006" xmlns:p14="http://schemas.microsoft.com/office/powerpoint/2010/main">
+    <mc:Choice Requires="p14">
       <p:transition spd="slow" p14:dur="1600">
         <p14:gallery dir="l"/>
       </p:transition>
     </mc:Choice>
-    <mc:Fallback>
+    <mc:Fallback xmlns="">
       <p:transition spd="slow">
         <p:fade/>
       </p:transition>
@@ -10657,13 +10686,13 @@
   <p:clrMapOvr>
     <a:masterClrMapping/>
   </p:clrMapOvr>
-  <mc:AlternateContent xmlns:mc="http://schemas.openxmlformats.org/markup-compatibility/2006">
-    <mc:Choice xmlns:p14="http://schemas.microsoft.com/office/powerpoint/2010/main" Requires="p14">
+  <mc:AlternateContent xmlns:mc="http://schemas.openxmlformats.org/markup-compatibility/2006" xmlns:p14="http://schemas.microsoft.com/office/powerpoint/2010/main">
+    <mc:Choice Requires="p14">
       <p:transition spd="slow" p14:dur="1600">
         <p14:gallery dir="l"/>
       </p:transition>
     </mc:Choice>
-    <mc:Fallback>
+    <mc:Fallback xmlns="">
       <p:transition spd="slow">
         <p:fade/>
       </p:transition>
@@ -11261,13 +11290,13 @@
   <p:clrMapOvr>
     <a:masterClrMapping/>
   </p:clrMapOvr>
-  <mc:AlternateContent xmlns:mc="http://schemas.openxmlformats.org/markup-compatibility/2006">
-    <mc:Choice xmlns:p14="http://schemas.microsoft.com/office/powerpoint/2010/main" Requires="p14">
+  <mc:AlternateContent xmlns:mc="http://schemas.openxmlformats.org/markup-compatibility/2006" xmlns:p14="http://schemas.microsoft.com/office/powerpoint/2010/main">
+    <mc:Choice Requires="p14">
       <p:transition spd="slow" p14:dur="1600">
         <p14:gallery dir="l"/>
       </p:transition>
     </mc:Choice>
-    <mc:Fallback>
+    <mc:Fallback xmlns="">
       <p:transition spd="slow">
         <p:fade/>
       </p:transition>
@@ -11822,13 +11851,13 @@
   <p:clrMapOvr>
     <a:masterClrMapping/>
   </p:clrMapOvr>
-  <mc:AlternateContent xmlns:mc="http://schemas.openxmlformats.org/markup-compatibility/2006">
-    <mc:Choice xmlns:p14="http://schemas.microsoft.com/office/powerpoint/2010/main" Requires="p14">
+  <mc:AlternateContent xmlns:mc="http://schemas.openxmlformats.org/markup-compatibility/2006" xmlns:p14="http://schemas.microsoft.com/office/powerpoint/2010/main">
+    <mc:Choice Requires="p14">
       <p:transition spd="slow" p14:dur="1600">
         <p14:gallery dir="l"/>
       </p:transition>
     </mc:Choice>
-    <mc:Fallback>
+    <mc:Fallback xmlns="">
       <p:transition spd="slow">
         <p:fade/>
       </p:transition>
@@ -12665,13 +12694,13 @@
   <p:clrMapOvr>
     <a:masterClrMapping/>
   </p:clrMapOvr>
-  <mc:AlternateContent xmlns:mc="http://schemas.openxmlformats.org/markup-compatibility/2006">
-    <mc:Choice xmlns:p14="http://schemas.microsoft.com/office/powerpoint/2010/main" Requires="p14">
+  <mc:AlternateContent xmlns:mc="http://schemas.openxmlformats.org/markup-compatibility/2006" xmlns:p14="http://schemas.microsoft.com/office/powerpoint/2010/main">
+    <mc:Choice Requires="p14">
       <p:transition spd="slow" p14:dur="1600">
         <p14:gallery dir="l"/>
       </p:transition>
     </mc:Choice>
-    <mc:Fallback>
+    <mc:Fallback xmlns="">
       <p:transition spd="slow">
         <p:fade/>
       </p:transition>
@@ -13493,13 +13522,13 @@
   <p:clrMapOvr>
     <a:masterClrMapping/>
   </p:clrMapOvr>
-  <mc:AlternateContent xmlns:mc="http://schemas.openxmlformats.org/markup-compatibility/2006">
-    <mc:Choice xmlns:p14="http://schemas.microsoft.com/office/powerpoint/2010/main" Requires="p14">
+  <mc:AlternateContent xmlns:mc="http://schemas.openxmlformats.org/markup-compatibility/2006" xmlns:p14="http://schemas.microsoft.com/office/powerpoint/2010/main">
+    <mc:Choice Requires="p14">
       <p:transition spd="slow" p14:dur="1600">
         <p14:gallery dir="l"/>
       </p:transition>
     </mc:Choice>
-    <mc:Fallback>
+    <mc:Fallback xmlns="">
       <p:transition spd="slow">
         <p:fade/>
       </p:transition>
@@ -14321,13 +14350,13 @@
   <p:clrMapOvr>
     <a:masterClrMapping/>
   </p:clrMapOvr>
-  <mc:AlternateContent xmlns:mc="http://schemas.openxmlformats.org/markup-compatibility/2006">
-    <mc:Choice xmlns:p14="http://schemas.microsoft.com/office/powerpoint/2010/main" Requires="p14">
+  <mc:AlternateContent xmlns:mc="http://schemas.openxmlformats.org/markup-compatibility/2006" xmlns:p14="http://schemas.microsoft.com/office/powerpoint/2010/main">
+    <mc:Choice Requires="p14">
       <p:transition spd="slow" p14:dur="1600">
         <p14:gallery dir="l"/>
       </p:transition>
     </mc:Choice>
-    <mc:Fallback>
+    <mc:Fallback xmlns="">
       <p:transition spd="slow">
         <p:fade/>
       </p:transition>
@@ -16978,13 +17007,13 @@
   <p:clrMapOvr>
     <a:masterClrMapping/>
   </p:clrMapOvr>
-  <mc:AlternateContent xmlns:mc="http://schemas.openxmlformats.org/markup-compatibility/2006">
-    <mc:Choice xmlns:p14="http://schemas.microsoft.com/office/powerpoint/2010/main" Requires="p14">
+  <mc:AlternateContent xmlns:mc="http://schemas.openxmlformats.org/markup-compatibility/2006" xmlns:p14="http://schemas.microsoft.com/office/powerpoint/2010/main">
+    <mc:Choice Requires="p14">
       <p:transition spd="slow" p14:dur="1600">
         <p14:gallery dir="l"/>
       </p:transition>
     </mc:Choice>
-    <mc:Fallback>
+    <mc:Fallback xmlns="">
       <p:transition spd="slow">
         <p:fade/>
       </p:transition>
@@ -17716,13 +17745,13 @@
   <p:clrMapOvr>
     <a:masterClrMapping/>
   </p:clrMapOvr>
-  <mc:AlternateContent xmlns:mc="http://schemas.openxmlformats.org/markup-compatibility/2006">
-    <mc:Choice xmlns:p14="http://schemas.microsoft.com/office/powerpoint/2010/main" Requires="p14">
+  <mc:AlternateContent xmlns:mc="http://schemas.openxmlformats.org/markup-compatibility/2006" xmlns:p14="http://schemas.microsoft.com/office/powerpoint/2010/main">
+    <mc:Choice Requires="p14">
       <p:transition spd="slow" p14:dur="1600">
         <p14:gallery dir="l"/>
       </p:transition>
     </mc:Choice>
-    <mc:Fallback>
+    <mc:Fallback xmlns="">
       <p:transition spd="slow">
         <p:fade/>
       </p:transition>
@@ -19852,6 +19881,42 @@
           <a:chExt cx="0" cy="0"/>
         </a:xfrm>
       </p:grpSpPr>
+      <p:pic>
+        <p:nvPicPr>
+          <p:cNvPr id="5" name="图片 4" descr="图形用户界面, 文本, 应用程序&#10;&#10;描述已自动生成">
+            <a:extLst>
+              <a:ext uri="{FF2B5EF4-FFF2-40B4-BE49-F238E27FC236}">
+                <a16:creationId xmlns:a16="http://schemas.microsoft.com/office/drawing/2014/main" id="{32716037-A864-420F-A980-B3F2E1621420}"/>
+              </a:ext>
+            </a:extLst>
+          </p:cNvPr>
+          <p:cNvPicPr>
+            <a:picLocks noChangeAspect="1"/>
+          </p:cNvPicPr>
+          <p:nvPr/>
+        </p:nvPicPr>
+        <p:blipFill>
+          <a:blip r:embed="rId5" cstate="print">
+            <a:extLst>
+              <a:ext uri="{28A0092B-C50C-407E-A947-70E740481C1C}">
+                <a14:useLocalDpi xmlns:a14="http://schemas.microsoft.com/office/drawing/2010/main" val="0"/>
+              </a:ext>
+            </a:extLst>
+          </a:blip>
+          <a:stretch>
+            <a:fillRect/>
+          </a:stretch>
+        </p:blipFill>
+        <p:spPr>
+          <a:xfrm>
+            <a:off x="2261190" y="378589"/>
+            <a:ext cx="5463465" cy="4434631"/>
+          </a:xfrm>
+          <a:prstGeom prst="rect">
+            <a:avLst/>
+          </a:prstGeom>
+        </p:spPr>
+      </p:pic>
       <p:grpSp>
         <p:nvGrpSpPr>
           <p:cNvPr id="2" name="组合 1"/>
@@ -20201,7 +20266,7 @@
         </p:nvSpPr>
         <p:spPr>
           <a:xfrm>
-            <a:off x="1327868" y="1956021"/>
+            <a:off x="6419749" y="4464829"/>
             <a:ext cx="4126727" cy="300082"/>
           </a:xfrm>
           <a:prstGeom prst="rect">
@@ -20217,7 +20282,7 @@
           <a:p>
             <a:r>
               <a:rPr lang="zh-CN" altLang="en-US" dirty="0"/>
-              <a:t>在项目介绍文档中</a:t>
+              <a:t>其余部分在项目介绍文档中</a:t>
             </a:r>
           </a:p>
         </p:txBody>

--- a/文档/展示PPT_第四周.pptx
+++ b/文档/展示PPT_第四周.pptx
@@ -5,10 +5,10 @@
     <p:sldMasterId id="2147483648" r:id="rId1"/>
   </p:sldMasterIdLst>
   <p:notesMasterIdLst>
-    <p:notesMasterId r:id="rId40"/>
+    <p:notesMasterId r:id="rId41"/>
   </p:notesMasterIdLst>
   <p:handoutMasterIdLst>
-    <p:handoutMasterId r:id="rId41"/>
+    <p:handoutMasterId r:id="rId42"/>
   </p:handoutMasterIdLst>
   <p:sldIdLst>
     <p:sldId id="519" r:id="rId2"/>
@@ -38,22 +38,23 @@
     <p:sldId id="581" r:id="rId26"/>
     <p:sldId id="590" r:id="rId27"/>
     <p:sldId id="582" r:id="rId28"/>
-    <p:sldId id="591" r:id="rId29"/>
-    <p:sldId id="592" r:id="rId30"/>
-    <p:sldId id="593" r:id="rId31"/>
-    <p:sldId id="594" r:id="rId32"/>
-    <p:sldId id="599" r:id="rId33"/>
-    <p:sldId id="600" r:id="rId34"/>
-    <p:sldId id="601" r:id="rId35"/>
-    <p:sldId id="602" r:id="rId36"/>
-    <p:sldId id="595" r:id="rId37"/>
-    <p:sldId id="603" r:id="rId38"/>
-    <p:sldId id="535" r:id="rId39"/>
+    <p:sldId id="605" r:id="rId29"/>
+    <p:sldId id="591" r:id="rId30"/>
+    <p:sldId id="592" r:id="rId31"/>
+    <p:sldId id="593" r:id="rId32"/>
+    <p:sldId id="594" r:id="rId33"/>
+    <p:sldId id="599" r:id="rId34"/>
+    <p:sldId id="600" r:id="rId35"/>
+    <p:sldId id="601" r:id="rId36"/>
+    <p:sldId id="602" r:id="rId37"/>
+    <p:sldId id="595" r:id="rId38"/>
+    <p:sldId id="603" r:id="rId39"/>
+    <p:sldId id="535" r:id="rId40"/>
   </p:sldIdLst>
   <p:sldSz cx="9144000" cy="5143500" type="screen16x9"/>
   <p:notesSz cx="6858000" cy="9144000"/>
   <p:custDataLst>
-    <p:tags r:id="rId42"/>
+    <p:tags r:id="rId43"/>
   </p:custDataLst>
   <p:defaultTextStyle>
     <a:defPPr>
@@ -274,7 +275,7 @@
           <a:p>
             <a:fld id="{52DC7E0A-FE25-4298-B2A5-F81E4409DC3D}" type="datetimeFigureOut">
               <a:rPr lang="zh-CN" altLang="en-US" smtClean="0"/>
-              <a:t>2020/10/14</a:t>
+              <a:t>2020/10/15</a:t>
             </a:fld>
             <a:endParaRPr lang="zh-CN" altLang="en-US"/>
           </a:p>
@@ -439,7 +440,7 @@
           <a:p>
             <a:fld id="{10DB2BC2-E36F-4014-826D-67C3AA5D550C}" type="datetimeFigureOut">
               <a:rPr lang="zh-CN" altLang="en-US" smtClean="0"/>
-              <a:t>2020/10/14</a:t>
+              <a:t>2020/10/15</a:t>
             </a:fld>
             <a:endParaRPr lang="zh-CN" altLang="en-US"/>
           </a:p>
@@ -2445,7 +2446,7 @@
     </p:spTree>
     <p:extLst>
       <p:ext uri="{BB962C8B-B14F-4D97-AF65-F5344CB8AC3E}">
-        <p14:creationId xmlns:p14="http://schemas.microsoft.com/office/powerpoint/2010/main" val="451328289"/>
+        <p14:creationId xmlns:p14="http://schemas.microsoft.com/office/powerpoint/2010/main" val="1404109873"/>
       </p:ext>
     </p:extLst>
   </p:cSld>
@@ -2529,7 +2530,7 @@
     </p:spTree>
     <p:extLst>
       <p:ext uri="{BB962C8B-B14F-4D97-AF65-F5344CB8AC3E}">
-        <p14:creationId xmlns:p14="http://schemas.microsoft.com/office/powerpoint/2010/main" val="1815540787"/>
+        <p14:creationId xmlns:p14="http://schemas.microsoft.com/office/powerpoint/2010/main" val="451328289"/>
       </p:ext>
     </p:extLst>
   </p:cSld>
@@ -2692,7 +2693,7 @@
     </p:spTree>
     <p:extLst>
       <p:ext uri="{BB962C8B-B14F-4D97-AF65-F5344CB8AC3E}">
-        <p14:creationId xmlns:p14="http://schemas.microsoft.com/office/powerpoint/2010/main" val="4169863414"/>
+        <p14:creationId xmlns:p14="http://schemas.microsoft.com/office/powerpoint/2010/main" val="1815540787"/>
       </p:ext>
     </p:extLst>
   </p:cSld>
@@ -2776,7 +2777,7 @@
     </p:spTree>
     <p:extLst>
       <p:ext uri="{BB962C8B-B14F-4D97-AF65-F5344CB8AC3E}">
-        <p14:creationId xmlns:p14="http://schemas.microsoft.com/office/powerpoint/2010/main" val="56910859"/>
+        <p14:creationId xmlns:p14="http://schemas.microsoft.com/office/powerpoint/2010/main" val="4169863414"/>
       </p:ext>
     </p:extLst>
   </p:cSld>
@@ -2860,7 +2861,7 @@
     </p:spTree>
     <p:extLst>
       <p:ext uri="{BB962C8B-B14F-4D97-AF65-F5344CB8AC3E}">
-        <p14:creationId xmlns:p14="http://schemas.microsoft.com/office/powerpoint/2010/main" val="1721514276"/>
+        <p14:creationId xmlns:p14="http://schemas.microsoft.com/office/powerpoint/2010/main" val="56910859"/>
       </p:ext>
     </p:extLst>
   </p:cSld>
@@ -2944,7 +2945,7 @@
     </p:spTree>
     <p:extLst>
       <p:ext uri="{BB962C8B-B14F-4D97-AF65-F5344CB8AC3E}">
-        <p14:creationId xmlns:p14="http://schemas.microsoft.com/office/powerpoint/2010/main" val="1525513353"/>
+        <p14:creationId xmlns:p14="http://schemas.microsoft.com/office/powerpoint/2010/main" val="1721514276"/>
       </p:ext>
     </p:extLst>
   </p:cSld>
@@ -3028,7 +3029,7 @@
     </p:spTree>
     <p:extLst>
       <p:ext uri="{BB962C8B-B14F-4D97-AF65-F5344CB8AC3E}">
-        <p14:creationId xmlns:p14="http://schemas.microsoft.com/office/powerpoint/2010/main" val="2114235998"/>
+        <p14:creationId xmlns:p14="http://schemas.microsoft.com/office/powerpoint/2010/main" val="1525513353"/>
       </p:ext>
     </p:extLst>
   </p:cSld>
@@ -3112,7 +3113,7 @@
     </p:spTree>
     <p:extLst>
       <p:ext uri="{BB962C8B-B14F-4D97-AF65-F5344CB8AC3E}">
-        <p14:creationId xmlns:p14="http://schemas.microsoft.com/office/powerpoint/2010/main" val="1350388909"/>
+        <p14:creationId xmlns:p14="http://schemas.microsoft.com/office/powerpoint/2010/main" val="2114235998"/>
       </p:ext>
     </p:extLst>
   </p:cSld>
@@ -3196,7 +3197,7 @@
     </p:spTree>
     <p:extLst>
       <p:ext uri="{BB962C8B-B14F-4D97-AF65-F5344CB8AC3E}">
-        <p14:creationId xmlns:p14="http://schemas.microsoft.com/office/powerpoint/2010/main" val="4032721817"/>
+        <p14:creationId xmlns:p14="http://schemas.microsoft.com/office/powerpoint/2010/main" val="1350388909"/>
       </p:ext>
     </p:extLst>
   </p:cSld>
@@ -3280,7 +3281,7 @@
     </p:spTree>
     <p:extLst>
       <p:ext uri="{BB962C8B-B14F-4D97-AF65-F5344CB8AC3E}">
-        <p14:creationId xmlns:p14="http://schemas.microsoft.com/office/powerpoint/2010/main" val="1473926857"/>
+        <p14:creationId xmlns:p14="http://schemas.microsoft.com/office/powerpoint/2010/main" val="4032721817"/>
       </p:ext>
     </p:extLst>
   </p:cSld>
@@ -3353,9 +3354,93 @@
           <a:bodyPr/>
           <a:lstStyle/>
           <a:p>
+            <a:fld id="{0D64EC1F-4C1A-4575-A29E-535B091AA911}" type="slidenum">
+              <a:rPr lang="zh-CN" altLang="en-US" smtClean="0"/>
+              <a:t>38</a:t>
+            </a:fld>
+            <a:endParaRPr lang="zh-CN" altLang="en-US"/>
+          </a:p>
+        </p:txBody>
+      </p:sp>
+    </p:spTree>
+    <p:extLst>
+      <p:ext uri="{BB962C8B-B14F-4D97-AF65-F5344CB8AC3E}">
+        <p14:creationId xmlns:p14="http://schemas.microsoft.com/office/powerpoint/2010/main" val="1473926857"/>
+      </p:ext>
+    </p:extLst>
+  </p:cSld>
+  <p:clrMapOvr>
+    <a:masterClrMapping/>
+  </p:clrMapOvr>
+</p:notes>
+</file>
+
+<file path=ppt/notesSlides/notesSlide39.xml><?xml version="1.0" encoding="utf-8"?>
+<p:notes xmlns:a="http://schemas.openxmlformats.org/drawingml/2006/main" xmlns:r="http://schemas.openxmlformats.org/officeDocument/2006/relationships" xmlns:p="http://schemas.openxmlformats.org/presentationml/2006/main">
+  <p:cSld>
+    <p:spTree>
+      <p:nvGrpSpPr>
+        <p:cNvPr id="1" name=""/>
+        <p:cNvGrpSpPr/>
+        <p:nvPr/>
+      </p:nvGrpSpPr>
+      <p:grpSpPr>
+        <a:xfrm>
+          <a:off x="0" y="0"/>
+          <a:ext cx="0" cy="0"/>
+          <a:chOff x="0" y="0"/>
+          <a:chExt cx="0" cy="0"/>
+        </a:xfrm>
+      </p:grpSpPr>
+      <p:sp>
+        <p:nvSpPr>
+          <p:cNvPr id="2" name="幻灯片图像占位符 1"/>
+          <p:cNvSpPr>
+            <a:spLocks noGrp="1" noRot="1" noChangeAspect="1"/>
+          </p:cNvSpPr>
+          <p:nvPr>
+            <p:ph type="sldImg"/>
+          </p:nvPr>
+        </p:nvSpPr>
+        <p:spPr/>
+      </p:sp>
+      <p:sp>
+        <p:nvSpPr>
+          <p:cNvPr id="3" name="备注占位符 2"/>
+          <p:cNvSpPr>
+            <a:spLocks noGrp="1"/>
+          </p:cNvSpPr>
+          <p:nvPr>
+            <p:ph type="body" idx="1"/>
+          </p:nvPr>
+        </p:nvSpPr>
+        <p:spPr/>
+        <p:txBody>
+          <a:bodyPr/>
+          <a:lstStyle/>
+          <a:p>
+            <a:endParaRPr lang="zh-CN" altLang="en-US"/>
+          </a:p>
+        </p:txBody>
+      </p:sp>
+      <p:sp>
+        <p:nvSpPr>
+          <p:cNvPr id="4" name="灯片编号占位符 3"/>
+          <p:cNvSpPr>
+            <a:spLocks noGrp="1"/>
+          </p:cNvSpPr>
+          <p:nvPr>
+            <p:ph type="sldNum" sz="quarter" idx="10"/>
+          </p:nvPr>
+        </p:nvSpPr>
+        <p:spPr/>
+        <p:txBody>
+          <a:bodyPr/>
+          <a:lstStyle/>
+          <a:p>
             <a:fld id="{DA25CCEA-3F45-46FD-873C-10FB1242F407}" type="slidenum">
               <a:rPr lang="zh-CN" altLang="en-US" smtClean="0"/>
-              <a:t>38</a:t>
+              <a:t>39</a:t>
             </a:fld>
             <a:endParaRPr lang="zh-CN" altLang="en-US"/>
           </a:p>
@@ -4048,7 +4133,7 @@
           <a:p>
             <a:fld id="{C03DE807-215E-47EB-B84B-198322179C58}" type="datetimeFigureOut">
               <a:rPr lang="zh-CN" altLang="en-US" smtClean="0"/>
-              <a:t>2020/10/14</a:t>
+              <a:t>2020/10/15</a:t>
             </a:fld>
             <a:endParaRPr lang="zh-CN" altLang="en-US"/>
           </a:p>
@@ -21938,10 +22023,10 @@
       </p:sp>
       <p:pic>
         <p:nvPicPr>
-          <p:cNvPr id="3" name="图片 2">
+          <p:cNvPr id="3" name="图片 2" descr="图示&#10;&#10;描述已自动生成">
             <a:extLst>
               <a:ext uri="{FF2B5EF4-FFF2-40B4-BE49-F238E27FC236}">
-                <a16:creationId xmlns:a16="http://schemas.microsoft.com/office/drawing/2014/main" id="{42EB84FB-D3E2-4C71-ABA4-E82FA88995C9}"/>
+                <a16:creationId xmlns:a16="http://schemas.microsoft.com/office/drawing/2014/main" id="{FBBAB5E9-E522-4194-B0C8-5C720FA21208}"/>
               </a:ext>
             </a:extLst>
           </p:cNvPr>
@@ -21950,83 +22035,71 @@
           </p:cNvPicPr>
           <p:nvPr/>
         </p:nvPicPr>
-        <p:blipFill rotWithShape="1">
-          <a:blip r:embed="rId4"/>
-          <a:srcRect t="67113"/>
-          <a:stretch/>
+        <p:blipFill>
+          <a:blip r:embed="rId4">
+            <a:extLst>
+              <a:ext uri="{28A0092B-C50C-407E-A947-70E740481C1C}">
+                <a14:useLocalDpi xmlns:a14="http://schemas.microsoft.com/office/drawing/2010/main" val="0"/>
+              </a:ext>
+            </a:extLst>
+          </a:blip>
+          <a:stretch>
+            <a:fillRect/>
+          </a:stretch>
         </p:blipFill>
         <p:spPr>
           <a:xfrm>
-            <a:off x="3426997" y="1888664"/>
-            <a:ext cx="1827218" cy="1691559"/>
+            <a:off x="2038273" y="473121"/>
+            <a:ext cx="5861351" cy="3956253"/>
           </a:xfrm>
           <a:prstGeom prst="rect">
             <a:avLst/>
           </a:prstGeom>
         </p:spPr>
       </p:pic>
-      <p:pic>
-        <p:nvPicPr>
-          <p:cNvPr id="5" name="图片 4">
+      <p:sp>
+        <p:nvSpPr>
+          <p:cNvPr id="4" name="文本框 3">
             <a:extLst>
               <a:ext uri="{FF2B5EF4-FFF2-40B4-BE49-F238E27FC236}">
-                <a16:creationId xmlns:a16="http://schemas.microsoft.com/office/drawing/2014/main" id="{33E382B9-8F86-4A00-8D6C-C4ED2751C5A1}"/>
+                <a16:creationId xmlns:a16="http://schemas.microsoft.com/office/drawing/2014/main" id="{C2B0A7A4-457E-4FCE-9629-7ACFB37C9431}"/>
               </a:ext>
             </a:extLst>
           </p:cNvPr>
-          <p:cNvPicPr>
-            <a:picLocks noChangeAspect="1"/>
-          </p:cNvPicPr>
+          <p:cNvSpPr txBox="1"/>
           <p:nvPr/>
-        </p:nvPicPr>
-        <p:blipFill rotWithShape="1">
-          <a:blip r:embed="rId4"/>
-          <a:srcRect b="58725"/>
-          <a:stretch/>
-        </p:blipFill>
+        </p:nvSpPr>
         <p:spPr>
           <a:xfrm>
-            <a:off x="1599779" y="1457225"/>
-            <a:ext cx="1827218" cy="2122998"/>
+            <a:off x="2112335" y="4429374"/>
+            <a:ext cx="5706139" cy="300082"/>
           </a:xfrm>
           <a:prstGeom prst="rect">
             <a:avLst/>
           </a:prstGeom>
+          <a:noFill/>
         </p:spPr>
-      </p:pic>
-      <p:pic>
-        <p:nvPicPr>
-          <p:cNvPr id="8" name="图片 7">
-            <a:extLst>
-              <a:ext uri="{FF2B5EF4-FFF2-40B4-BE49-F238E27FC236}">
-                <a16:creationId xmlns:a16="http://schemas.microsoft.com/office/drawing/2014/main" id="{A58C4FDA-EA92-4D47-9483-67D66A47FD19}"/>
-              </a:ext>
-            </a:extLst>
-          </p:cNvPr>
-          <p:cNvPicPr>
-            <a:picLocks noChangeAspect="1"/>
-          </p:cNvPicPr>
-          <p:nvPr/>
-        </p:nvPicPr>
-        <p:blipFill rotWithShape="1">
-          <a:blip r:embed="rId4"/>
-          <a:srcRect t="41121" b="32444"/>
-          <a:stretch/>
-        </p:blipFill>
-        <p:spPr>
-          <a:xfrm>
-            <a:off x="5254215" y="1888664"/>
-            <a:ext cx="2104738" cy="1566183"/>
-          </a:xfrm>
-          <a:prstGeom prst="rect">
-            <a:avLst/>
-          </a:prstGeom>
-        </p:spPr>
-      </p:pic>
+        <p:txBody>
+          <a:bodyPr wrap="square" rtlCol="0">
+            <a:spAutoFit/>
+          </a:bodyPr>
+          <a:lstStyle/>
+          <a:p>
+            <a:r>
+              <a:rPr lang="en-US" altLang="zh-CN" dirty="0"/>
+              <a:t>UI</a:t>
+            </a:r>
+            <a:r>
+              <a:rPr lang="zh-CN" altLang="en-US" dirty="0"/>
+              <a:t>设计示例</a:t>
+            </a:r>
+          </a:p>
+        </p:txBody>
+      </p:sp>
     </p:spTree>
     <p:extLst>
       <p:ext uri="{BB962C8B-B14F-4D97-AF65-F5344CB8AC3E}">
-        <p14:creationId xmlns:p14="http://schemas.microsoft.com/office/powerpoint/2010/main" val="2528132502"/>
+        <p14:creationId xmlns:p14="http://schemas.microsoft.com/office/powerpoint/2010/main" val="2712893599"/>
       </p:ext>
     </p:extLst>
   </p:cSld>
@@ -22428,7 +22501,7 @@
           <p:cNvPr id="3" name="图片 2">
             <a:extLst>
               <a:ext uri="{FF2B5EF4-FFF2-40B4-BE49-F238E27FC236}">
-                <a16:creationId xmlns:a16="http://schemas.microsoft.com/office/drawing/2014/main" id="{95887CFB-C30E-4CB3-9CC9-0F01806D99A8}"/>
+                <a16:creationId xmlns:a16="http://schemas.microsoft.com/office/drawing/2014/main" id="{42EB84FB-D3E2-4C71-ABA4-E82FA88995C9}"/>
               </a:ext>
             </a:extLst>
           </p:cNvPr>
@@ -22439,13 +22512,13 @@
         </p:nvPicPr>
         <p:blipFill rotWithShape="1">
           <a:blip r:embed="rId4"/>
-          <a:srcRect t="66010"/>
+          <a:srcRect t="67113"/>
           <a:stretch/>
         </p:blipFill>
         <p:spPr>
           <a:xfrm>
-            <a:off x="5283115" y="1800970"/>
-            <a:ext cx="3199998" cy="1748293"/>
+            <a:off x="3426997" y="1888664"/>
+            <a:ext cx="1827218" cy="1691559"/>
           </a:xfrm>
           <a:prstGeom prst="rect">
             <a:avLst/>
@@ -22457,7 +22530,7 @@
           <p:cNvPr id="5" name="图片 4">
             <a:extLst>
               <a:ext uri="{FF2B5EF4-FFF2-40B4-BE49-F238E27FC236}">
-                <a16:creationId xmlns:a16="http://schemas.microsoft.com/office/drawing/2014/main" id="{DD918C8C-889E-4A65-A479-D35F79459E3D}"/>
+                <a16:creationId xmlns:a16="http://schemas.microsoft.com/office/drawing/2014/main" id="{33E382B9-8F86-4A00-8D6C-C4ED2751C5A1}"/>
               </a:ext>
             </a:extLst>
           </p:cNvPr>
@@ -22468,13 +22541,42 @@
         </p:nvPicPr>
         <p:blipFill rotWithShape="1">
           <a:blip r:embed="rId4"/>
-          <a:srcRect b="36000"/>
+          <a:srcRect b="58725"/>
           <a:stretch/>
         </p:blipFill>
         <p:spPr>
           <a:xfrm>
-            <a:off x="1930380" y="1185642"/>
-            <a:ext cx="3199998" cy="3291840"/>
+            <a:off x="1599779" y="1457225"/>
+            <a:ext cx="1827218" cy="2122998"/>
+          </a:xfrm>
+          <a:prstGeom prst="rect">
+            <a:avLst/>
+          </a:prstGeom>
+        </p:spPr>
+      </p:pic>
+      <p:pic>
+        <p:nvPicPr>
+          <p:cNvPr id="8" name="图片 7">
+            <a:extLst>
+              <a:ext uri="{FF2B5EF4-FFF2-40B4-BE49-F238E27FC236}">
+                <a16:creationId xmlns:a16="http://schemas.microsoft.com/office/drawing/2014/main" id="{A58C4FDA-EA92-4D47-9483-67D66A47FD19}"/>
+              </a:ext>
+            </a:extLst>
+          </p:cNvPr>
+          <p:cNvPicPr>
+            <a:picLocks noChangeAspect="1"/>
+          </p:cNvPicPr>
+          <p:nvPr/>
+        </p:nvPicPr>
+        <p:blipFill rotWithShape="1">
+          <a:blip r:embed="rId4"/>
+          <a:srcRect t="41121" b="32444"/>
+          <a:stretch/>
+        </p:blipFill>
+        <p:spPr>
+          <a:xfrm>
+            <a:off x="5254215" y="1888664"/>
+            <a:ext cx="2104738" cy="1566183"/>
           </a:xfrm>
           <a:prstGeom prst="rect">
             <a:avLst/>
@@ -22484,7 +22586,7 @@
     </p:spTree>
     <p:extLst>
       <p:ext uri="{BB962C8B-B14F-4D97-AF65-F5344CB8AC3E}">
-        <p14:creationId xmlns:p14="http://schemas.microsoft.com/office/powerpoint/2010/main" val="2087841591"/>
+        <p14:creationId xmlns:p14="http://schemas.microsoft.com/office/powerpoint/2010/main" val="2528132502"/>
       </p:ext>
     </p:extLst>
   </p:cSld>
@@ -23532,6 +23634,464 @@
         <p:spPr bwMode="auto">
           <a:xfrm>
             <a:off x="799560" y="995560"/>
+            <a:ext cx="800219" cy="461665"/>
+          </a:xfrm>
+          <a:prstGeom prst="rect">
+            <a:avLst/>
+          </a:prstGeom>
+          <a:noFill/>
+          <a:ln>
+            <a:noFill/>
+          </a:ln>
+          <a:extLst>
+            <a:ext uri="{909E8E84-426E-40DD-AFC4-6F175D3DCCD1}">
+              <a14:hiddenFill xmlns:a14="http://schemas.microsoft.com/office/drawing/2010/main">
+                <a:solidFill>
+                  <a:srgbClr val="FFFFFF"/>
+                </a:solidFill>
+              </a14:hiddenFill>
+            </a:ext>
+            <a:ext uri="{91240B29-F687-4F45-9708-019B960494DF}">
+              <a14:hiddenLine xmlns:a14="http://schemas.microsoft.com/office/drawing/2010/main" w="9525">
+                <a:solidFill>
+                  <a:srgbClr val="000000"/>
+                </a:solidFill>
+                <a:miter lim="800000"/>
+                <a:headEnd/>
+                <a:tailEnd/>
+              </a14:hiddenLine>
+            </a:ext>
+          </a:extLst>
+        </p:spPr>
+        <p:txBody>
+          <a:bodyPr wrap="none">
+            <a:spAutoFit/>
+          </a:bodyPr>
+          <a:lstStyle>
+            <a:lvl1pPr>
+              <a:defRPr sz="1300">
+                <a:solidFill>
+                  <a:schemeClr val="tx1"/>
+                </a:solidFill>
+                <a:latin typeface="Calibri Light" panose="020F0302020204030204" pitchFamily="34" charset="0"/>
+                <a:ea typeface="方正宋刻本秀楷简体" panose="02000000000000000000" pitchFamily="2" charset="-122"/>
+              </a:defRPr>
+            </a:lvl1pPr>
+            <a:lvl2pPr marL="742950" indent="-285750">
+              <a:defRPr sz="1300">
+                <a:solidFill>
+                  <a:schemeClr val="tx1"/>
+                </a:solidFill>
+                <a:latin typeface="Calibri Light" panose="020F0302020204030204" pitchFamily="34" charset="0"/>
+                <a:ea typeface="方正宋刻本秀楷简体" panose="02000000000000000000" pitchFamily="2" charset="-122"/>
+              </a:defRPr>
+            </a:lvl2pPr>
+            <a:lvl3pPr marL="1143000" indent="-228600">
+              <a:defRPr sz="1300">
+                <a:solidFill>
+                  <a:schemeClr val="tx1"/>
+                </a:solidFill>
+                <a:latin typeface="Calibri Light" panose="020F0302020204030204" pitchFamily="34" charset="0"/>
+                <a:ea typeface="方正宋刻本秀楷简体" panose="02000000000000000000" pitchFamily="2" charset="-122"/>
+              </a:defRPr>
+            </a:lvl3pPr>
+            <a:lvl4pPr marL="1600200" indent="-228600">
+              <a:defRPr sz="1300">
+                <a:solidFill>
+                  <a:schemeClr val="tx1"/>
+                </a:solidFill>
+                <a:latin typeface="Calibri Light" panose="020F0302020204030204" pitchFamily="34" charset="0"/>
+                <a:ea typeface="方正宋刻本秀楷简体" panose="02000000000000000000" pitchFamily="2" charset="-122"/>
+              </a:defRPr>
+            </a:lvl4pPr>
+            <a:lvl5pPr marL="2057400" indent="-228600">
+              <a:defRPr sz="1300">
+                <a:solidFill>
+                  <a:schemeClr val="tx1"/>
+                </a:solidFill>
+                <a:latin typeface="Calibri Light" panose="020F0302020204030204" pitchFamily="34" charset="0"/>
+                <a:ea typeface="方正宋刻本秀楷简体" panose="02000000000000000000" pitchFamily="2" charset="-122"/>
+              </a:defRPr>
+            </a:lvl5pPr>
+            <a:lvl6pPr marL="2514600" indent="-228600" defTabSz="685800" eaLnBrk="0" fontAlgn="base" hangingPunct="0">
+              <a:spcBef>
+                <a:spcPct val="0"/>
+              </a:spcBef>
+              <a:spcAft>
+                <a:spcPct val="0"/>
+              </a:spcAft>
+              <a:defRPr sz="1300">
+                <a:solidFill>
+                  <a:schemeClr val="tx1"/>
+                </a:solidFill>
+                <a:latin typeface="Calibri Light" panose="020F0302020204030204" pitchFamily="34" charset="0"/>
+                <a:ea typeface="方正宋刻本秀楷简体" panose="02000000000000000000" pitchFamily="2" charset="-122"/>
+              </a:defRPr>
+            </a:lvl6pPr>
+            <a:lvl7pPr marL="2971800" indent="-228600" defTabSz="685800" eaLnBrk="0" fontAlgn="base" hangingPunct="0">
+              <a:spcBef>
+                <a:spcPct val="0"/>
+              </a:spcBef>
+              <a:spcAft>
+                <a:spcPct val="0"/>
+              </a:spcAft>
+              <a:defRPr sz="1300">
+                <a:solidFill>
+                  <a:schemeClr val="tx1"/>
+                </a:solidFill>
+                <a:latin typeface="Calibri Light" panose="020F0302020204030204" pitchFamily="34" charset="0"/>
+                <a:ea typeface="方正宋刻本秀楷简体" panose="02000000000000000000" pitchFamily="2" charset="-122"/>
+              </a:defRPr>
+            </a:lvl7pPr>
+            <a:lvl8pPr marL="3429000" indent="-228600" defTabSz="685800" eaLnBrk="0" fontAlgn="base" hangingPunct="0">
+              <a:spcBef>
+                <a:spcPct val="0"/>
+              </a:spcBef>
+              <a:spcAft>
+                <a:spcPct val="0"/>
+              </a:spcAft>
+              <a:defRPr sz="1300">
+                <a:solidFill>
+                  <a:schemeClr val="tx1"/>
+                </a:solidFill>
+                <a:latin typeface="Calibri Light" panose="020F0302020204030204" pitchFamily="34" charset="0"/>
+                <a:ea typeface="方正宋刻本秀楷简体" panose="02000000000000000000" pitchFamily="2" charset="-122"/>
+              </a:defRPr>
+            </a:lvl8pPr>
+            <a:lvl9pPr marL="3886200" indent="-228600" defTabSz="685800" eaLnBrk="0" fontAlgn="base" hangingPunct="0">
+              <a:spcBef>
+                <a:spcPct val="0"/>
+              </a:spcBef>
+              <a:spcAft>
+                <a:spcPct val="0"/>
+              </a:spcAft>
+              <a:defRPr sz="1300">
+                <a:solidFill>
+                  <a:schemeClr val="tx1"/>
+                </a:solidFill>
+                <a:latin typeface="Calibri Light" panose="020F0302020204030204" pitchFamily="34" charset="0"/>
+                <a:ea typeface="方正宋刻本秀楷简体" panose="02000000000000000000" pitchFamily="2" charset="-122"/>
+              </a:defRPr>
+            </a:lvl9pPr>
+          </a:lstStyle>
+          <a:p>
+            <a:r>
+              <a:rPr lang="zh-CN" altLang="en-US" sz="2400" dirty="0">
+                <a:solidFill>
+                  <a:srgbClr val="4F6383"/>
+                </a:solidFill>
+                <a:latin typeface="方正兰亭黑_GBK"/>
+                <a:ea typeface="方正兰亭黑_GBK"/>
+              </a:rPr>
+              <a:t>分工</a:t>
+            </a:r>
+            <a:endParaRPr lang="zh-CN" altLang="zh-CN" sz="2400" dirty="0">
+              <a:solidFill>
+                <a:srgbClr val="4F6383"/>
+              </a:solidFill>
+              <a:latin typeface="方正兰亭黑_GBK"/>
+              <a:ea typeface="方正兰亭黑_GBK"/>
+            </a:endParaRPr>
+          </a:p>
+        </p:txBody>
+      </p:sp>
+      <p:pic>
+        <p:nvPicPr>
+          <p:cNvPr id="3" name="图片 2">
+            <a:extLst>
+              <a:ext uri="{FF2B5EF4-FFF2-40B4-BE49-F238E27FC236}">
+                <a16:creationId xmlns:a16="http://schemas.microsoft.com/office/drawing/2014/main" id="{95887CFB-C30E-4CB3-9CC9-0F01806D99A8}"/>
+              </a:ext>
+            </a:extLst>
+          </p:cNvPr>
+          <p:cNvPicPr>
+            <a:picLocks noChangeAspect="1"/>
+          </p:cNvPicPr>
+          <p:nvPr/>
+        </p:nvPicPr>
+        <p:blipFill rotWithShape="1">
+          <a:blip r:embed="rId4"/>
+          <a:srcRect t="66010"/>
+          <a:stretch/>
+        </p:blipFill>
+        <p:spPr>
+          <a:xfrm>
+            <a:off x="5283115" y="1800970"/>
+            <a:ext cx="3199998" cy="1748293"/>
+          </a:xfrm>
+          <a:prstGeom prst="rect">
+            <a:avLst/>
+          </a:prstGeom>
+        </p:spPr>
+      </p:pic>
+      <p:pic>
+        <p:nvPicPr>
+          <p:cNvPr id="5" name="图片 4">
+            <a:extLst>
+              <a:ext uri="{FF2B5EF4-FFF2-40B4-BE49-F238E27FC236}">
+                <a16:creationId xmlns:a16="http://schemas.microsoft.com/office/drawing/2014/main" id="{DD918C8C-889E-4A65-A479-D35F79459E3D}"/>
+              </a:ext>
+            </a:extLst>
+          </p:cNvPr>
+          <p:cNvPicPr>
+            <a:picLocks noChangeAspect="1"/>
+          </p:cNvPicPr>
+          <p:nvPr/>
+        </p:nvPicPr>
+        <p:blipFill rotWithShape="1">
+          <a:blip r:embed="rId4"/>
+          <a:srcRect b="36000"/>
+          <a:stretch/>
+        </p:blipFill>
+        <p:spPr>
+          <a:xfrm>
+            <a:off x="1930380" y="1185642"/>
+            <a:ext cx="3199998" cy="3291840"/>
+          </a:xfrm>
+          <a:prstGeom prst="rect">
+            <a:avLst/>
+          </a:prstGeom>
+        </p:spPr>
+      </p:pic>
+    </p:spTree>
+    <p:extLst>
+      <p:ext uri="{BB962C8B-B14F-4D97-AF65-F5344CB8AC3E}">
+        <p14:creationId xmlns:p14="http://schemas.microsoft.com/office/powerpoint/2010/main" val="2087841591"/>
+      </p:ext>
+    </p:extLst>
+  </p:cSld>
+  <p:clrMapOvr>
+    <a:masterClrMapping/>
+  </p:clrMapOvr>
+  <mc:AlternateContent xmlns:mc="http://schemas.openxmlformats.org/markup-compatibility/2006" xmlns:p14="http://schemas.microsoft.com/office/powerpoint/2010/main">
+    <mc:Choice Requires="p14">
+      <p:transition spd="slow" p14:dur="1600">
+        <p14:gallery dir="l"/>
+      </p:transition>
+    </mc:Choice>
+    <mc:Fallback xmlns="">
+      <p:transition spd="slow">
+        <p:fade/>
+      </p:transition>
+    </mc:Fallback>
+  </mc:AlternateContent>
+  <p:timing>
+    <p:tnLst>
+      <p:par>
+        <p:cTn id="1" dur="indefinite" restart="never" nodeType="tmRoot">
+          <p:childTnLst>
+            <p:seq concurrent="1" nextAc="seek">
+              <p:cTn id="2" dur="indefinite" nodeType="mainSeq">
+                <p:childTnLst>
+                  <p:par>
+                    <p:cTn id="3" fill="hold">
+                      <p:stCondLst>
+                        <p:cond delay="indefinite"/>
+                        <p:cond evt="onBegin" delay="0">
+                          <p:tn val="2"/>
+                        </p:cond>
+                      </p:stCondLst>
+                      <p:childTnLst>
+                        <p:par>
+                          <p:cTn id="4" fill="hold">
+                            <p:stCondLst>
+                              <p:cond delay="0"/>
+                            </p:stCondLst>
+                            <p:childTnLst>
+                              <p:par>
+                                <p:cTn id="5" presetID="22" presetClass="entr" presetSubtype="4" fill="hold" grpId="0" nodeType="withEffect">
+                                  <p:stCondLst>
+                                    <p:cond delay="0"/>
+                                  </p:stCondLst>
+                                  <p:childTnLst>
+                                    <p:set>
+                                      <p:cBhvr>
+                                        <p:cTn id="6" dur="1" fill="hold">
+                                          <p:stCondLst>
+                                            <p:cond delay="0"/>
+                                          </p:stCondLst>
+                                        </p:cTn>
+                                        <p:tgtEl>
+                                          <p:spTgt spid="15"/>
+                                        </p:tgtEl>
+                                        <p:attrNameLst>
+                                          <p:attrName>style.visibility</p:attrName>
+                                        </p:attrNameLst>
+                                      </p:cBhvr>
+                                      <p:to>
+                                        <p:strVal val="visible"/>
+                                      </p:to>
+                                    </p:set>
+                                    <p:animEffect transition="in" filter="wipe(down)">
+                                      <p:cBhvr>
+                                        <p:cTn id="7" dur="500"/>
+                                        <p:tgtEl>
+                                          <p:spTgt spid="15"/>
+                                        </p:tgtEl>
+                                      </p:cBhvr>
+                                    </p:animEffect>
+                                  </p:childTnLst>
+                                </p:cTn>
+                              </p:par>
+                            </p:childTnLst>
+                          </p:cTn>
+                        </p:par>
+                      </p:childTnLst>
+                    </p:cTn>
+                  </p:par>
+                </p:childTnLst>
+              </p:cTn>
+              <p:prevCondLst>
+                <p:cond evt="onPrev" delay="0">
+                  <p:tgtEl>
+                    <p:sldTgt/>
+                  </p:tgtEl>
+                </p:cond>
+              </p:prevCondLst>
+              <p:nextCondLst>
+                <p:cond evt="onNext" delay="0">
+                  <p:tgtEl>
+                    <p:sldTgt/>
+                  </p:tgtEl>
+                </p:cond>
+              </p:nextCondLst>
+            </p:seq>
+          </p:childTnLst>
+        </p:cTn>
+      </p:par>
+    </p:tnLst>
+    <p:bldLst>
+      <p:bldP spid="15" grpId="0"/>
+    </p:bldLst>
+  </p:timing>
+</p:sld>
+</file>
+
+<file path=ppt/slides/slide31.xml><?xml version="1.0" encoding="utf-8"?>
+<p:sld xmlns:a="http://schemas.openxmlformats.org/drawingml/2006/main" xmlns:r="http://schemas.openxmlformats.org/officeDocument/2006/relationships" xmlns:p="http://schemas.openxmlformats.org/presentationml/2006/main">
+  <p:cSld>
+    <p:spTree>
+      <p:nvGrpSpPr>
+        <p:cNvPr id="1" name=""/>
+        <p:cNvGrpSpPr/>
+        <p:nvPr/>
+      </p:nvGrpSpPr>
+      <p:grpSpPr>
+        <a:xfrm>
+          <a:off x="0" y="0"/>
+          <a:ext cx="0" cy="0"/>
+          <a:chOff x="0" y="0"/>
+          <a:chExt cx="0" cy="0"/>
+        </a:xfrm>
+      </p:grpSpPr>
+      <p:sp>
+        <p:nvSpPr>
+          <p:cNvPr id="20" name="PA_文本框 1"/>
+          <p:cNvSpPr txBox="1"/>
+          <p:nvPr>
+            <p:custDataLst>
+              <p:tags r:id="rId1"/>
+            </p:custDataLst>
+          </p:nvPr>
+        </p:nvSpPr>
+        <p:spPr>
+          <a:xfrm>
+            <a:off x="584117" y="542189"/>
+            <a:ext cx="1231106" cy="392415"/>
+          </a:xfrm>
+          <a:prstGeom prst="rect">
+            <a:avLst/>
+          </a:prstGeom>
+          <a:noFill/>
+        </p:spPr>
+        <p:txBody>
+          <a:bodyPr wrap="none" lIns="0" tIns="0" rIns="0" rtlCol="0">
+            <a:spAutoFit/>
+          </a:bodyPr>
+          <a:lstStyle/>
+          <a:p>
+            <a:pPr>
+              <a:lnSpc>
+                <a:spcPts val="2700"/>
+              </a:lnSpc>
+            </a:pPr>
+            <a:r>
+              <a:rPr lang="zh-CN" altLang="en-US" sz="2400" b="1" dirty="0">
+                <a:solidFill>
+                  <a:srgbClr val="2B3649"/>
+                </a:solidFill>
+                <a:latin typeface="+mj-ea"/>
+                <a:ea typeface="+mj-ea"/>
+                <a:cs typeface="+mn-ea"/>
+              </a:rPr>
+              <a:t>工程控制</a:t>
+            </a:r>
+          </a:p>
+        </p:txBody>
+      </p:sp>
+      <p:sp>
+        <p:nvSpPr>
+          <p:cNvPr id="17" name="TextBox 15"/>
+          <p:cNvSpPr txBox="1"/>
+          <p:nvPr/>
+        </p:nvSpPr>
+        <p:spPr>
+          <a:xfrm>
+            <a:off x="8483113" y="4764911"/>
+            <a:ext cx="671347" cy="307777"/>
+          </a:xfrm>
+          <a:prstGeom prst="rect">
+            <a:avLst/>
+          </a:prstGeom>
+          <a:noFill/>
+        </p:spPr>
+        <p:txBody>
+          <a:bodyPr wrap="square" rtlCol="0">
+            <a:spAutoFit/>
+          </a:bodyPr>
+          <a:lstStyle/>
+          <a:p>
+            <a:pPr algn="ctr"/>
+            <a:r>
+              <a:rPr lang="en-US" altLang="zh-CN" sz="1400" b="0" dirty="0">
+                <a:solidFill>
+                  <a:schemeClr val="bg1"/>
+                </a:solidFill>
+                <a:latin typeface="微软雅黑 Light" panose="020B0502040204020203" pitchFamily="34" charset="-122"/>
+                <a:ea typeface="微软雅黑 Light" panose="020B0502040204020203" pitchFamily="34" charset="-122"/>
+              </a:rPr>
+              <a:t>4</a:t>
+            </a:r>
+            <a:r>
+              <a:rPr lang="zh-CN" altLang="en-US" sz="1400" b="0" dirty="0">
+                <a:solidFill>
+                  <a:schemeClr val="bg1"/>
+                </a:solidFill>
+                <a:latin typeface="微软雅黑 Light" panose="020B0502040204020203" pitchFamily="34" charset="-122"/>
+                <a:ea typeface="微软雅黑 Light" panose="020B0502040204020203" pitchFamily="34" charset="-122"/>
+              </a:rPr>
+              <a:t> </a:t>
+            </a:r>
+          </a:p>
+        </p:txBody>
+      </p:sp>
+      <p:sp>
+        <p:nvSpPr>
+          <p:cNvPr id="15" name="文本框 5">
+            <a:extLst>
+              <a:ext uri="{FF2B5EF4-FFF2-40B4-BE49-F238E27FC236}">
+                <a16:creationId xmlns:a16="http://schemas.microsoft.com/office/drawing/2014/main" id="{D40BCCA4-3C8F-48CD-96C7-2483C873D41C}"/>
+              </a:ext>
+            </a:extLst>
+          </p:cNvPr>
+          <p:cNvSpPr txBox="1">
+            <a:spLocks noChangeArrowheads="1"/>
+          </p:cNvSpPr>
+          <p:nvPr/>
+        </p:nvSpPr>
+        <p:spPr bwMode="auto">
+          <a:xfrm>
+            <a:off x="799560" y="995560"/>
             <a:ext cx="1107996" cy="461665"/>
           </a:xfrm>
           <a:prstGeom prst="rect">
@@ -23843,7 +24403,7 @@
 </p:sld>
 </file>
 
-<file path=ppt/slides/slide31.xml><?xml version="1.0" encoding="utf-8"?>
+<file path=ppt/slides/slide32.xml><?xml version="1.0" encoding="utf-8"?>
 <p:sld xmlns:a="http://schemas.openxmlformats.org/drawingml/2006/main" xmlns:r="http://schemas.openxmlformats.org/officeDocument/2006/relationships" xmlns:p="http://schemas.openxmlformats.org/presentationml/2006/main">
   <p:cSld>
     <p:spTree>
@@ -23862,10 +24422,10 @@
       </p:grpSpPr>
       <p:pic>
         <p:nvPicPr>
-          <p:cNvPr id="6" name="图片 5">
+          <p:cNvPr id="3" name="图片 2" descr="图示&#10;&#10;描述已自动生成">
             <a:extLst>
               <a:ext uri="{FF2B5EF4-FFF2-40B4-BE49-F238E27FC236}">
-                <a16:creationId xmlns:a16="http://schemas.microsoft.com/office/drawing/2014/main" id="{F21A3909-AB28-4759-967E-2986930C6593}"/>
+                <a16:creationId xmlns:a16="http://schemas.microsoft.com/office/drawing/2014/main" id="{4098A538-8751-4180-9868-D114A9C7DF21}"/>
               </a:ext>
             </a:extLst>
           </p:cNvPr>
@@ -23888,8 +24448,8 @@
         </p:blipFill>
         <p:spPr>
           <a:xfrm>
-            <a:off x="1936598" y="705245"/>
-            <a:ext cx="5736412" cy="4059666"/>
+            <a:off x="1661334" y="488674"/>
+            <a:ext cx="6017118" cy="4331893"/>
           </a:xfrm>
           <a:prstGeom prst="rect">
             <a:avLst/>
@@ -24216,480 +24776,6 @@
     <p:extLst>
       <p:ext uri="{BB962C8B-B14F-4D97-AF65-F5344CB8AC3E}">
         <p14:creationId xmlns:p14="http://schemas.microsoft.com/office/powerpoint/2010/main" val="2881342088"/>
-      </p:ext>
-    </p:extLst>
-  </p:cSld>
-  <p:clrMapOvr>
-    <a:masterClrMapping/>
-  </p:clrMapOvr>
-  <mc:AlternateContent xmlns:mc="http://schemas.openxmlformats.org/markup-compatibility/2006" xmlns:p14="http://schemas.microsoft.com/office/powerpoint/2010/main">
-    <mc:Choice Requires="p14">
-      <p:transition spd="slow" p14:dur="1600">
-        <p14:gallery dir="l"/>
-      </p:transition>
-    </mc:Choice>
-    <mc:Fallback xmlns="">
-      <p:transition spd="slow">
-        <p:fade/>
-      </p:transition>
-    </mc:Fallback>
-  </mc:AlternateContent>
-  <p:timing>
-    <p:tnLst>
-      <p:par>
-        <p:cTn id="1" dur="indefinite" restart="never" nodeType="tmRoot">
-          <p:childTnLst>
-            <p:seq concurrent="1" nextAc="seek">
-              <p:cTn id="2" dur="indefinite" nodeType="mainSeq">
-                <p:childTnLst>
-                  <p:par>
-                    <p:cTn id="3" fill="hold">
-                      <p:stCondLst>
-                        <p:cond delay="indefinite"/>
-                        <p:cond evt="onBegin" delay="0">
-                          <p:tn val="2"/>
-                        </p:cond>
-                      </p:stCondLst>
-                      <p:childTnLst>
-                        <p:par>
-                          <p:cTn id="4" fill="hold">
-                            <p:stCondLst>
-                              <p:cond delay="0"/>
-                            </p:stCondLst>
-                            <p:childTnLst>
-                              <p:par>
-                                <p:cTn id="5" presetID="22" presetClass="entr" presetSubtype="4" fill="hold" grpId="0" nodeType="withEffect">
-                                  <p:stCondLst>
-                                    <p:cond delay="0"/>
-                                  </p:stCondLst>
-                                  <p:childTnLst>
-                                    <p:set>
-                                      <p:cBhvr>
-                                        <p:cTn id="6" dur="1" fill="hold">
-                                          <p:stCondLst>
-                                            <p:cond delay="0"/>
-                                          </p:stCondLst>
-                                        </p:cTn>
-                                        <p:tgtEl>
-                                          <p:spTgt spid="15"/>
-                                        </p:tgtEl>
-                                        <p:attrNameLst>
-                                          <p:attrName>style.visibility</p:attrName>
-                                        </p:attrNameLst>
-                                      </p:cBhvr>
-                                      <p:to>
-                                        <p:strVal val="visible"/>
-                                      </p:to>
-                                    </p:set>
-                                    <p:animEffect transition="in" filter="wipe(down)">
-                                      <p:cBhvr>
-                                        <p:cTn id="7" dur="500"/>
-                                        <p:tgtEl>
-                                          <p:spTgt spid="15"/>
-                                        </p:tgtEl>
-                                      </p:cBhvr>
-                                    </p:animEffect>
-                                  </p:childTnLst>
-                                </p:cTn>
-                              </p:par>
-                            </p:childTnLst>
-                          </p:cTn>
-                        </p:par>
-                      </p:childTnLst>
-                    </p:cTn>
-                  </p:par>
-                </p:childTnLst>
-              </p:cTn>
-              <p:prevCondLst>
-                <p:cond evt="onPrev" delay="0">
-                  <p:tgtEl>
-                    <p:sldTgt/>
-                  </p:tgtEl>
-                </p:cond>
-              </p:prevCondLst>
-              <p:nextCondLst>
-                <p:cond evt="onNext" delay="0">
-                  <p:tgtEl>
-                    <p:sldTgt/>
-                  </p:tgtEl>
-                </p:cond>
-              </p:nextCondLst>
-            </p:seq>
-          </p:childTnLst>
-        </p:cTn>
-      </p:par>
-    </p:tnLst>
-    <p:bldLst>
-      <p:bldP spid="15" grpId="0"/>
-    </p:bldLst>
-  </p:timing>
-</p:sld>
-</file>
-
-<file path=ppt/slides/slide32.xml><?xml version="1.0" encoding="utf-8"?>
-<p:sld xmlns:a="http://schemas.openxmlformats.org/drawingml/2006/main" xmlns:r="http://schemas.openxmlformats.org/officeDocument/2006/relationships" xmlns:p="http://schemas.openxmlformats.org/presentationml/2006/main">
-  <p:cSld>
-    <p:spTree>
-      <p:nvGrpSpPr>
-        <p:cNvPr id="1" name=""/>
-        <p:cNvGrpSpPr/>
-        <p:nvPr/>
-      </p:nvGrpSpPr>
-      <p:grpSpPr>
-        <a:xfrm>
-          <a:off x="0" y="0"/>
-          <a:ext cx="0" cy="0"/>
-          <a:chOff x="0" y="0"/>
-          <a:chExt cx="0" cy="0"/>
-        </a:xfrm>
-      </p:grpSpPr>
-      <p:pic>
-        <p:nvPicPr>
-          <p:cNvPr id="3" name="图片 2">
-            <a:extLst>
-              <a:ext uri="{FF2B5EF4-FFF2-40B4-BE49-F238E27FC236}">
-                <a16:creationId xmlns:a16="http://schemas.microsoft.com/office/drawing/2014/main" id="{9B222FA7-E497-46E6-B31F-2028350C43E2}"/>
-              </a:ext>
-            </a:extLst>
-          </p:cNvPr>
-          <p:cNvPicPr>
-            <a:picLocks noChangeAspect="1"/>
-          </p:cNvPicPr>
-          <p:nvPr/>
-        </p:nvPicPr>
-        <p:blipFill rotWithShape="1">
-          <a:blip r:embed="rId4" cstate="print">
-            <a:extLst>
-              <a:ext uri="{28A0092B-C50C-407E-A947-70E740481C1C}">
-                <a14:useLocalDpi xmlns:a14="http://schemas.microsoft.com/office/drawing/2010/main" val="0"/>
-              </a:ext>
-            </a:extLst>
-          </a:blip>
-          <a:srcRect l="3005" t="3091" r="5774" b="4154"/>
-          <a:stretch/>
-        </p:blipFill>
-        <p:spPr>
-          <a:xfrm>
-            <a:off x="1815223" y="662930"/>
-            <a:ext cx="5852159" cy="4101981"/>
-          </a:xfrm>
-          <a:prstGeom prst="rect">
-            <a:avLst/>
-          </a:prstGeom>
-        </p:spPr>
-      </p:pic>
-      <p:sp>
-        <p:nvSpPr>
-          <p:cNvPr id="20" name="PA_文本框 1"/>
-          <p:cNvSpPr txBox="1"/>
-          <p:nvPr>
-            <p:custDataLst>
-              <p:tags r:id="rId1"/>
-            </p:custDataLst>
-          </p:nvPr>
-        </p:nvSpPr>
-        <p:spPr>
-          <a:xfrm>
-            <a:off x="584117" y="542189"/>
-            <a:ext cx="1231106" cy="392415"/>
-          </a:xfrm>
-          <a:prstGeom prst="rect">
-            <a:avLst/>
-          </a:prstGeom>
-          <a:noFill/>
-        </p:spPr>
-        <p:txBody>
-          <a:bodyPr wrap="none" lIns="0" tIns="0" rIns="0" rtlCol="0">
-            <a:spAutoFit/>
-          </a:bodyPr>
-          <a:lstStyle/>
-          <a:p>
-            <a:pPr>
-              <a:lnSpc>
-                <a:spcPts val="2700"/>
-              </a:lnSpc>
-            </a:pPr>
-            <a:r>
-              <a:rPr lang="zh-CN" altLang="en-US" sz="2400" b="1" dirty="0">
-                <a:solidFill>
-                  <a:srgbClr val="2B3649"/>
-                </a:solidFill>
-                <a:latin typeface="+mj-ea"/>
-                <a:ea typeface="+mj-ea"/>
-                <a:cs typeface="+mn-ea"/>
-              </a:rPr>
-              <a:t>工程控制</a:t>
-            </a:r>
-          </a:p>
-        </p:txBody>
-      </p:sp>
-      <p:sp>
-        <p:nvSpPr>
-          <p:cNvPr id="17" name="TextBox 15"/>
-          <p:cNvSpPr txBox="1"/>
-          <p:nvPr/>
-        </p:nvSpPr>
-        <p:spPr>
-          <a:xfrm>
-            <a:off x="8483113" y="4764911"/>
-            <a:ext cx="671347" cy="307777"/>
-          </a:xfrm>
-          <a:prstGeom prst="rect">
-            <a:avLst/>
-          </a:prstGeom>
-          <a:noFill/>
-        </p:spPr>
-        <p:txBody>
-          <a:bodyPr wrap="square" rtlCol="0">
-            <a:spAutoFit/>
-          </a:bodyPr>
-          <a:lstStyle/>
-          <a:p>
-            <a:pPr algn="ctr"/>
-            <a:r>
-              <a:rPr lang="en-US" altLang="zh-CN" sz="1400" b="0" dirty="0">
-                <a:solidFill>
-                  <a:schemeClr val="bg1"/>
-                </a:solidFill>
-                <a:latin typeface="微软雅黑 Light" panose="020B0502040204020203" pitchFamily="34" charset="-122"/>
-                <a:ea typeface="微软雅黑 Light" panose="020B0502040204020203" pitchFamily="34" charset="-122"/>
-              </a:rPr>
-              <a:t>4</a:t>
-            </a:r>
-            <a:r>
-              <a:rPr lang="zh-CN" altLang="en-US" sz="1400" b="0" dirty="0">
-                <a:solidFill>
-                  <a:schemeClr val="bg1"/>
-                </a:solidFill>
-                <a:latin typeface="微软雅黑 Light" panose="020B0502040204020203" pitchFamily="34" charset="-122"/>
-                <a:ea typeface="微软雅黑 Light" panose="020B0502040204020203" pitchFamily="34" charset="-122"/>
-              </a:rPr>
-              <a:t> </a:t>
-            </a:r>
-          </a:p>
-        </p:txBody>
-      </p:sp>
-      <p:sp>
-        <p:nvSpPr>
-          <p:cNvPr id="15" name="文本框 5">
-            <a:extLst>
-              <a:ext uri="{FF2B5EF4-FFF2-40B4-BE49-F238E27FC236}">
-                <a16:creationId xmlns:a16="http://schemas.microsoft.com/office/drawing/2014/main" id="{D40BCCA4-3C8F-48CD-96C7-2483C873D41C}"/>
-              </a:ext>
-            </a:extLst>
-          </p:cNvPr>
-          <p:cNvSpPr txBox="1">
-            <a:spLocks noChangeArrowheads="1"/>
-          </p:cNvSpPr>
-          <p:nvPr/>
-        </p:nvSpPr>
-        <p:spPr bwMode="auto">
-          <a:xfrm>
-            <a:off x="799560" y="995560"/>
-            <a:ext cx="1723549" cy="461665"/>
-          </a:xfrm>
-          <a:prstGeom prst="rect">
-            <a:avLst/>
-          </a:prstGeom>
-          <a:noFill/>
-          <a:ln>
-            <a:noFill/>
-          </a:ln>
-          <a:extLst>
-            <a:ext uri="{909E8E84-426E-40DD-AFC4-6F175D3DCCD1}">
-              <a14:hiddenFill xmlns:a14="http://schemas.microsoft.com/office/drawing/2010/main">
-                <a:solidFill>
-                  <a:srgbClr val="FFFFFF"/>
-                </a:solidFill>
-              </a14:hiddenFill>
-            </a:ext>
-            <a:ext uri="{91240B29-F687-4F45-9708-019B960494DF}">
-              <a14:hiddenLine xmlns:a14="http://schemas.microsoft.com/office/drawing/2010/main" w="9525">
-                <a:solidFill>
-                  <a:srgbClr val="000000"/>
-                </a:solidFill>
-                <a:miter lim="800000"/>
-                <a:headEnd/>
-                <a:tailEnd/>
-              </a14:hiddenLine>
-            </a:ext>
-          </a:extLst>
-        </p:spPr>
-        <p:txBody>
-          <a:bodyPr wrap="none">
-            <a:spAutoFit/>
-          </a:bodyPr>
-          <a:lstStyle>
-            <a:lvl1pPr>
-              <a:defRPr sz="1300">
-                <a:solidFill>
-                  <a:schemeClr val="tx1"/>
-                </a:solidFill>
-                <a:latin typeface="Calibri Light" panose="020F0302020204030204" pitchFamily="34" charset="0"/>
-                <a:ea typeface="方正宋刻本秀楷简体" panose="02000000000000000000" pitchFamily="2" charset="-122"/>
-              </a:defRPr>
-            </a:lvl1pPr>
-            <a:lvl2pPr marL="742950" indent="-285750">
-              <a:defRPr sz="1300">
-                <a:solidFill>
-                  <a:schemeClr val="tx1"/>
-                </a:solidFill>
-                <a:latin typeface="Calibri Light" panose="020F0302020204030204" pitchFamily="34" charset="0"/>
-                <a:ea typeface="方正宋刻本秀楷简体" panose="02000000000000000000" pitchFamily="2" charset="-122"/>
-              </a:defRPr>
-            </a:lvl2pPr>
-            <a:lvl3pPr marL="1143000" indent="-228600">
-              <a:defRPr sz="1300">
-                <a:solidFill>
-                  <a:schemeClr val="tx1"/>
-                </a:solidFill>
-                <a:latin typeface="Calibri Light" panose="020F0302020204030204" pitchFamily="34" charset="0"/>
-                <a:ea typeface="方正宋刻本秀楷简体" panose="02000000000000000000" pitchFamily="2" charset="-122"/>
-              </a:defRPr>
-            </a:lvl3pPr>
-            <a:lvl4pPr marL="1600200" indent="-228600">
-              <a:defRPr sz="1300">
-                <a:solidFill>
-                  <a:schemeClr val="tx1"/>
-                </a:solidFill>
-                <a:latin typeface="Calibri Light" panose="020F0302020204030204" pitchFamily="34" charset="0"/>
-                <a:ea typeface="方正宋刻本秀楷简体" panose="02000000000000000000" pitchFamily="2" charset="-122"/>
-              </a:defRPr>
-            </a:lvl4pPr>
-            <a:lvl5pPr marL="2057400" indent="-228600">
-              <a:defRPr sz="1300">
-                <a:solidFill>
-                  <a:schemeClr val="tx1"/>
-                </a:solidFill>
-                <a:latin typeface="Calibri Light" panose="020F0302020204030204" pitchFamily="34" charset="0"/>
-                <a:ea typeface="方正宋刻本秀楷简体" panose="02000000000000000000" pitchFamily="2" charset="-122"/>
-              </a:defRPr>
-            </a:lvl5pPr>
-            <a:lvl6pPr marL="2514600" indent="-228600" defTabSz="685800" eaLnBrk="0" fontAlgn="base" hangingPunct="0">
-              <a:spcBef>
-                <a:spcPct val="0"/>
-              </a:spcBef>
-              <a:spcAft>
-                <a:spcPct val="0"/>
-              </a:spcAft>
-              <a:defRPr sz="1300">
-                <a:solidFill>
-                  <a:schemeClr val="tx1"/>
-                </a:solidFill>
-                <a:latin typeface="Calibri Light" panose="020F0302020204030204" pitchFamily="34" charset="0"/>
-                <a:ea typeface="方正宋刻本秀楷简体" panose="02000000000000000000" pitchFamily="2" charset="-122"/>
-              </a:defRPr>
-            </a:lvl6pPr>
-            <a:lvl7pPr marL="2971800" indent="-228600" defTabSz="685800" eaLnBrk="0" fontAlgn="base" hangingPunct="0">
-              <a:spcBef>
-                <a:spcPct val="0"/>
-              </a:spcBef>
-              <a:spcAft>
-                <a:spcPct val="0"/>
-              </a:spcAft>
-              <a:defRPr sz="1300">
-                <a:solidFill>
-                  <a:schemeClr val="tx1"/>
-                </a:solidFill>
-                <a:latin typeface="Calibri Light" panose="020F0302020204030204" pitchFamily="34" charset="0"/>
-                <a:ea typeface="方正宋刻本秀楷简体" panose="02000000000000000000" pitchFamily="2" charset="-122"/>
-              </a:defRPr>
-            </a:lvl7pPr>
-            <a:lvl8pPr marL="3429000" indent="-228600" defTabSz="685800" eaLnBrk="0" fontAlgn="base" hangingPunct="0">
-              <a:spcBef>
-                <a:spcPct val="0"/>
-              </a:spcBef>
-              <a:spcAft>
-                <a:spcPct val="0"/>
-              </a:spcAft>
-              <a:defRPr sz="1300">
-                <a:solidFill>
-                  <a:schemeClr val="tx1"/>
-                </a:solidFill>
-                <a:latin typeface="Calibri Light" panose="020F0302020204030204" pitchFamily="34" charset="0"/>
-                <a:ea typeface="方正宋刻本秀楷简体" panose="02000000000000000000" pitchFamily="2" charset="-122"/>
-              </a:defRPr>
-            </a:lvl8pPr>
-            <a:lvl9pPr marL="3886200" indent="-228600" defTabSz="685800" eaLnBrk="0" fontAlgn="base" hangingPunct="0">
-              <a:spcBef>
-                <a:spcPct val="0"/>
-              </a:spcBef>
-              <a:spcAft>
-                <a:spcPct val="0"/>
-              </a:spcAft>
-              <a:defRPr sz="1300">
-                <a:solidFill>
-                  <a:schemeClr val="tx1"/>
-                </a:solidFill>
-                <a:latin typeface="Calibri Light" panose="020F0302020204030204" pitchFamily="34" charset="0"/>
-                <a:ea typeface="方正宋刻本秀楷简体" panose="02000000000000000000" pitchFamily="2" charset="-122"/>
-              </a:defRPr>
-            </a:lvl9pPr>
-          </a:lstStyle>
-          <a:p>
-            <a:r>
-              <a:rPr lang="zh-CN" altLang="en-US" sz="2400" dirty="0">
-                <a:solidFill>
-                  <a:srgbClr val="4F6383"/>
-                </a:solidFill>
-                <a:latin typeface="方正兰亭黑_GBK"/>
-                <a:ea typeface="方正兰亭黑_GBK"/>
-              </a:rPr>
-              <a:t>工程网络图</a:t>
-            </a:r>
-            <a:endParaRPr lang="zh-CN" altLang="zh-CN" sz="2400" dirty="0">
-              <a:solidFill>
-                <a:srgbClr val="4F6383"/>
-              </a:solidFill>
-              <a:latin typeface="方正兰亭黑_GBK"/>
-              <a:ea typeface="方正兰亭黑_GBK"/>
-            </a:endParaRPr>
-          </a:p>
-        </p:txBody>
-      </p:sp>
-      <p:sp>
-        <p:nvSpPr>
-          <p:cNvPr id="7" name="文本框 6">
-            <a:extLst>
-              <a:ext uri="{FF2B5EF4-FFF2-40B4-BE49-F238E27FC236}">
-                <a16:creationId xmlns:a16="http://schemas.microsoft.com/office/drawing/2014/main" id="{6EAAA946-01FE-4B5D-8200-6D36FF3A96D2}"/>
-              </a:ext>
-            </a:extLst>
-          </p:cNvPr>
-          <p:cNvSpPr txBox="1"/>
-          <p:nvPr/>
-        </p:nvSpPr>
-        <p:spPr>
-          <a:xfrm>
-            <a:off x="7394712" y="3689404"/>
-            <a:ext cx="2353586" cy="369332"/>
-          </a:xfrm>
-          <a:prstGeom prst="rect">
-            <a:avLst/>
-          </a:prstGeom>
-          <a:noFill/>
-        </p:spPr>
-        <p:txBody>
-          <a:bodyPr wrap="square" rtlCol="0">
-            <a:spAutoFit/>
-          </a:bodyPr>
-          <a:lstStyle/>
-          <a:p>
-            <a:r>
-              <a:rPr lang="zh-CN" altLang="en-US" sz="1800" b="1" dirty="0">
-                <a:solidFill>
-                  <a:srgbClr val="00B050"/>
-                </a:solidFill>
-              </a:rPr>
-              <a:t>逻辑层</a:t>
-            </a:r>
-          </a:p>
-        </p:txBody>
-      </p:sp>
-    </p:spTree>
-    <p:extLst>
-      <p:ext uri="{BB962C8B-B14F-4D97-AF65-F5344CB8AC3E}">
-        <p14:creationId xmlns:p14="http://schemas.microsoft.com/office/powerpoint/2010/main" val="471377751"/>
       </p:ext>
     </p:extLst>
   </p:cSld>
@@ -24819,6 +24905,480 @@
       </p:grpSpPr>
       <p:pic>
         <p:nvPicPr>
+          <p:cNvPr id="3" name="图片 2">
+            <a:extLst>
+              <a:ext uri="{FF2B5EF4-FFF2-40B4-BE49-F238E27FC236}">
+                <a16:creationId xmlns:a16="http://schemas.microsoft.com/office/drawing/2014/main" id="{9B222FA7-E497-46E6-B31F-2028350C43E2}"/>
+              </a:ext>
+            </a:extLst>
+          </p:cNvPr>
+          <p:cNvPicPr>
+            <a:picLocks noChangeAspect="1"/>
+          </p:cNvPicPr>
+          <p:nvPr/>
+        </p:nvPicPr>
+        <p:blipFill rotWithShape="1">
+          <a:blip r:embed="rId4" cstate="print">
+            <a:extLst>
+              <a:ext uri="{28A0092B-C50C-407E-A947-70E740481C1C}">
+                <a14:useLocalDpi xmlns:a14="http://schemas.microsoft.com/office/drawing/2010/main" val="0"/>
+              </a:ext>
+            </a:extLst>
+          </a:blip>
+          <a:srcRect l="3005" t="3091" r="5774" b="4154"/>
+          <a:stretch/>
+        </p:blipFill>
+        <p:spPr>
+          <a:xfrm>
+            <a:off x="1815223" y="662930"/>
+            <a:ext cx="5852159" cy="4101981"/>
+          </a:xfrm>
+          <a:prstGeom prst="rect">
+            <a:avLst/>
+          </a:prstGeom>
+        </p:spPr>
+      </p:pic>
+      <p:sp>
+        <p:nvSpPr>
+          <p:cNvPr id="20" name="PA_文本框 1"/>
+          <p:cNvSpPr txBox="1"/>
+          <p:nvPr>
+            <p:custDataLst>
+              <p:tags r:id="rId1"/>
+            </p:custDataLst>
+          </p:nvPr>
+        </p:nvSpPr>
+        <p:spPr>
+          <a:xfrm>
+            <a:off x="584117" y="542189"/>
+            <a:ext cx="1231106" cy="392415"/>
+          </a:xfrm>
+          <a:prstGeom prst="rect">
+            <a:avLst/>
+          </a:prstGeom>
+          <a:noFill/>
+        </p:spPr>
+        <p:txBody>
+          <a:bodyPr wrap="none" lIns="0" tIns="0" rIns="0" rtlCol="0">
+            <a:spAutoFit/>
+          </a:bodyPr>
+          <a:lstStyle/>
+          <a:p>
+            <a:pPr>
+              <a:lnSpc>
+                <a:spcPts val="2700"/>
+              </a:lnSpc>
+            </a:pPr>
+            <a:r>
+              <a:rPr lang="zh-CN" altLang="en-US" sz="2400" b="1" dirty="0">
+                <a:solidFill>
+                  <a:srgbClr val="2B3649"/>
+                </a:solidFill>
+                <a:latin typeface="+mj-ea"/>
+                <a:ea typeface="+mj-ea"/>
+                <a:cs typeface="+mn-ea"/>
+              </a:rPr>
+              <a:t>工程控制</a:t>
+            </a:r>
+          </a:p>
+        </p:txBody>
+      </p:sp>
+      <p:sp>
+        <p:nvSpPr>
+          <p:cNvPr id="17" name="TextBox 15"/>
+          <p:cNvSpPr txBox="1"/>
+          <p:nvPr/>
+        </p:nvSpPr>
+        <p:spPr>
+          <a:xfrm>
+            <a:off x="8483113" y="4764911"/>
+            <a:ext cx="671347" cy="307777"/>
+          </a:xfrm>
+          <a:prstGeom prst="rect">
+            <a:avLst/>
+          </a:prstGeom>
+          <a:noFill/>
+        </p:spPr>
+        <p:txBody>
+          <a:bodyPr wrap="square" rtlCol="0">
+            <a:spAutoFit/>
+          </a:bodyPr>
+          <a:lstStyle/>
+          <a:p>
+            <a:pPr algn="ctr"/>
+            <a:r>
+              <a:rPr lang="en-US" altLang="zh-CN" sz="1400" b="0" dirty="0">
+                <a:solidFill>
+                  <a:schemeClr val="bg1"/>
+                </a:solidFill>
+                <a:latin typeface="微软雅黑 Light" panose="020B0502040204020203" pitchFamily="34" charset="-122"/>
+                <a:ea typeface="微软雅黑 Light" panose="020B0502040204020203" pitchFamily="34" charset="-122"/>
+              </a:rPr>
+              <a:t>4</a:t>
+            </a:r>
+            <a:r>
+              <a:rPr lang="zh-CN" altLang="en-US" sz="1400" b="0" dirty="0">
+                <a:solidFill>
+                  <a:schemeClr val="bg1"/>
+                </a:solidFill>
+                <a:latin typeface="微软雅黑 Light" panose="020B0502040204020203" pitchFamily="34" charset="-122"/>
+                <a:ea typeface="微软雅黑 Light" panose="020B0502040204020203" pitchFamily="34" charset="-122"/>
+              </a:rPr>
+              <a:t> </a:t>
+            </a:r>
+          </a:p>
+        </p:txBody>
+      </p:sp>
+      <p:sp>
+        <p:nvSpPr>
+          <p:cNvPr id="15" name="文本框 5">
+            <a:extLst>
+              <a:ext uri="{FF2B5EF4-FFF2-40B4-BE49-F238E27FC236}">
+                <a16:creationId xmlns:a16="http://schemas.microsoft.com/office/drawing/2014/main" id="{D40BCCA4-3C8F-48CD-96C7-2483C873D41C}"/>
+              </a:ext>
+            </a:extLst>
+          </p:cNvPr>
+          <p:cNvSpPr txBox="1">
+            <a:spLocks noChangeArrowheads="1"/>
+          </p:cNvSpPr>
+          <p:nvPr/>
+        </p:nvSpPr>
+        <p:spPr bwMode="auto">
+          <a:xfrm>
+            <a:off x="799560" y="995560"/>
+            <a:ext cx="1723549" cy="461665"/>
+          </a:xfrm>
+          <a:prstGeom prst="rect">
+            <a:avLst/>
+          </a:prstGeom>
+          <a:noFill/>
+          <a:ln>
+            <a:noFill/>
+          </a:ln>
+          <a:extLst>
+            <a:ext uri="{909E8E84-426E-40DD-AFC4-6F175D3DCCD1}">
+              <a14:hiddenFill xmlns:a14="http://schemas.microsoft.com/office/drawing/2010/main">
+                <a:solidFill>
+                  <a:srgbClr val="FFFFFF"/>
+                </a:solidFill>
+              </a14:hiddenFill>
+            </a:ext>
+            <a:ext uri="{91240B29-F687-4F45-9708-019B960494DF}">
+              <a14:hiddenLine xmlns:a14="http://schemas.microsoft.com/office/drawing/2010/main" w="9525">
+                <a:solidFill>
+                  <a:srgbClr val="000000"/>
+                </a:solidFill>
+                <a:miter lim="800000"/>
+                <a:headEnd/>
+                <a:tailEnd/>
+              </a14:hiddenLine>
+            </a:ext>
+          </a:extLst>
+        </p:spPr>
+        <p:txBody>
+          <a:bodyPr wrap="none">
+            <a:spAutoFit/>
+          </a:bodyPr>
+          <a:lstStyle>
+            <a:lvl1pPr>
+              <a:defRPr sz="1300">
+                <a:solidFill>
+                  <a:schemeClr val="tx1"/>
+                </a:solidFill>
+                <a:latin typeface="Calibri Light" panose="020F0302020204030204" pitchFamily="34" charset="0"/>
+                <a:ea typeface="方正宋刻本秀楷简体" panose="02000000000000000000" pitchFamily="2" charset="-122"/>
+              </a:defRPr>
+            </a:lvl1pPr>
+            <a:lvl2pPr marL="742950" indent="-285750">
+              <a:defRPr sz="1300">
+                <a:solidFill>
+                  <a:schemeClr val="tx1"/>
+                </a:solidFill>
+                <a:latin typeface="Calibri Light" panose="020F0302020204030204" pitchFamily="34" charset="0"/>
+                <a:ea typeface="方正宋刻本秀楷简体" panose="02000000000000000000" pitchFamily="2" charset="-122"/>
+              </a:defRPr>
+            </a:lvl2pPr>
+            <a:lvl3pPr marL="1143000" indent="-228600">
+              <a:defRPr sz="1300">
+                <a:solidFill>
+                  <a:schemeClr val="tx1"/>
+                </a:solidFill>
+                <a:latin typeface="Calibri Light" panose="020F0302020204030204" pitchFamily="34" charset="0"/>
+                <a:ea typeface="方正宋刻本秀楷简体" panose="02000000000000000000" pitchFamily="2" charset="-122"/>
+              </a:defRPr>
+            </a:lvl3pPr>
+            <a:lvl4pPr marL="1600200" indent="-228600">
+              <a:defRPr sz="1300">
+                <a:solidFill>
+                  <a:schemeClr val="tx1"/>
+                </a:solidFill>
+                <a:latin typeface="Calibri Light" panose="020F0302020204030204" pitchFamily="34" charset="0"/>
+                <a:ea typeface="方正宋刻本秀楷简体" panose="02000000000000000000" pitchFamily="2" charset="-122"/>
+              </a:defRPr>
+            </a:lvl4pPr>
+            <a:lvl5pPr marL="2057400" indent="-228600">
+              <a:defRPr sz="1300">
+                <a:solidFill>
+                  <a:schemeClr val="tx1"/>
+                </a:solidFill>
+                <a:latin typeface="Calibri Light" panose="020F0302020204030204" pitchFamily="34" charset="0"/>
+                <a:ea typeface="方正宋刻本秀楷简体" panose="02000000000000000000" pitchFamily="2" charset="-122"/>
+              </a:defRPr>
+            </a:lvl5pPr>
+            <a:lvl6pPr marL="2514600" indent="-228600" defTabSz="685800" eaLnBrk="0" fontAlgn="base" hangingPunct="0">
+              <a:spcBef>
+                <a:spcPct val="0"/>
+              </a:spcBef>
+              <a:spcAft>
+                <a:spcPct val="0"/>
+              </a:spcAft>
+              <a:defRPr sz="1300">
+                <a:solidFill>
+                  <a:schemeClr val="tx1"/>
+                </a:solidFill>
+                <a:latin typeface="Calibri Light" panose="020F0302020204030204" pitchFamily="34" charset="0"/>
+                <a:ea typeface="方正宋刻本秀楷简体" panose="02000000000000000000" pitchFamily="2" charset="-122"/>
+              </a:defRPr>
+            </a:lvl6pPr>
+            <a:lvl7pPr marL="2971800" indent="-228600" defTabSz="685800" eaLnBrk="0" fontAlgn="base" hangingPunct="0">
+              <a:spcBef>
+                <a:spcPct val="0"/>
+              </a:spcBef>
+              <a:spcAft>
+                <a:spcPct val="0"/>
+              </a:spcAft>
+              <a:defRPr sz="1300">
+                <a:solidFill>
+                  <a:schemeClr val="tx1"/>
+                </a:solidFill>
+                <a:latin typeface="Calibri Light" panose="020F0302020204030204" pitchFamily="34" charset="0"/>
+                <a:ea typeface="方正宋刻本秀楷简体" panose="02000000000000000000" pitchFamily="2" charset="-122"/>
+              </a:defRPr>
+            </a:lvl7pPr>
+            <a:lvl8pPr marL="3429000" indent="-228600" defTabSz="685800" eaLnBrk="0" fontAlgn="base" hangingPunct="0">
+              <a:spcBef>
+                <a:spcPct val="0"/>
+              </a:spcBef>
+              <a:spcAft>
+                <a:spcPct val="0"/>
+              </a:spcAft>
+              <a:defRPr sz="1300">
+                <a:solidFill>
+                  <a:schemeClr val="tx1"/>
+                </a:solidFill>
+                <a:latin typeface="Calibri Light" panose="020F0302020204030204" pitchFamily="34" charset="0"/>
+                <a:ea typeface="方正宋刻本秀楷简体" panose="02000000000000000000" pitchFamily="2" charset="-122"/>
+              </a:defRPr>
+            </a:lvl8pPr>
+            <a:lvl9pPr marL="3886200" indent="-228600" defTabSz="685800" eaLnBrk="0" fontAlgn="base" hangingPunct="0">
+              <a:spcBef>
+                <a:spcPct val="0"/>
+              </a:spcBef>
+              <a:spcAft>
+                <a:spcPct val="0"/>
+              </a:spcAft>
+              <a:defRPr sz="1300">
+                <a:solidFill>
+                  <a:schemeClr val="tx1"/>
+                </a:solidFill>
+                <a:latin typeface="Calibri Light" panose="020F0302020204030204" pitchFamily="34" charset="0"/>
+                <a:ea typeface="方正宋刻本秀楷简体" panose="02000000000000000000" pitchFamily="2" charset="-122"/>
+              </a:defRPr>
+            </a:lvl9pPr>
+          </a:lstStyle>
+          <a:p>
+            <a:r>
+              <a:rPr lang="zh-CN" altLang="en-US" sz="2400" dirty="0">
+                <a:solidFill>
+                  <a:srgbClr val="4F6383"/>
+                </a:solidFill>
+                <a:latin typeface="方正兰亭黑_GBK"/>
+                <a:ea typeface="方正兰亭黑_GBK"/>
+              </a:rPr>
+              <a:t>工程网络图</a:t>
+            </a:r>
+            <a:endParaRPr lang="zh-CN" altLang="zh-CN" sz="2400" dirty="0">
+              <a:solidFill>
+                <a:srgbClr val="4F6383"/>
+              </a:solidFill>
+              <a:latin typeface="方正兰亭黑_GBK"/>
+              <a:ea typeface="方正兰亭黑_GBK"/>
+            </a:endParaRPr>
+          </a:p>
+        </p:txBody>
+      </p:sp>
+      <p:sp>
+        <p:nvSpPr>
+          <p:cNvPr id="7" name="文本框 6">
+            <a:extLst>
+              <a:ext uri="{FF2B5EF4-FFF2-40B4-BE49-F238E27FC236}">
+                <a16:creationId xmlns:a16="http://schemas.microsoft.com/office/drawing/2014/main" id="{6EAAA946-01FE-4B5D-8200-6D36FF3A96D2}"/>
+              </a:ext>
+            </a:extLst>
+          </p:cNvPr>
+          <p:cNvSpPr txBox="1"/>
+          <p:nvPr/>
+        </p:nvSpPr>
+        <p:spPr>
+          <a:xfrm>
+            <a:off x="7394712" y="3689404"/>
+            <a:ext cx="2353586" cy="369332"/>
+          </a:xfrm>
+          <a:prstGeom prst="rect">
+            <a:avLst/>
+          </a:prstGeom>
+          <a:noFill/>
+        </p:spPr>
+        <p:txBody>
+          <a:bodyPr wrap="square" rtlCol="0">
+            <a:spAutoFit/>
+          </a:bodyPr>
+          <a:lstStyle/>
+          <a:p>
+            <a:r>
+              <a:rPr lang="zh-CN" altLang="en-US" sz="1800" b="1" dirty="0">
+                <a:solidFill>
+                  <a:srgbClr val="00B050"/>
+                </a:solidFill>
+              </a:rPr>
+              <a:t>逻辑层</a:t>
+            </a:r>
+          </a:p>
+        </p:txBody>
+      </p:sp>
+    </p:spTree>
+    <p:extLst>
+      <p:ext uri="{BB962C8B-B14F-4D97-AF65-F5344CB8AC3E}">
+        <p14:creationId xmlns:p14="http://schemas.microsoft.com/office/powerpoint/2010/main" val="471377751"/>
+      </p:ext>
+    </p:extLst>
+  </p:cSld>
+  <p:clrMapOvr>
+    <a:masterClrMapping/>
+  </p:clrMapOvr>
+  <mc:AlternateContent xmlns:mc="http://schemas.openxmlformats.org/markup-compatibility/2006" xmlns:p14="http://schemas.microsoft.com/office/powerpoint/2010/main">
+    <mc:Choice Requires="p14">
+      <p:transition spd="slow" p14:dur="1600">
+        <p14:gallery dir="l"/>
+      </p:transition>
+    </mc:Choice>
+    <mc:Fallback xmlns="">
+      <p:transition spd="slow">
+        <p:fade/>
+      </p:transition>
+    </mc:Fallback>
+  </mc:AlternateContent>
+  <p:timing>
+    <p:tnLst>
+      <p:par>
+        <p:cTn id="1" dur="indefinite" restart="never" nodeType="tmRoot">
+          <p:childTnLst>
+            <p:seq concurrent="1" nextAc="seek">
+              <p:cTn id="2" dur="indefinite" nodeType="mainSeq">
+                <p:childTnLst>
+                  <p:par>
+                    <p:cTn id="3" fill="hold">
+                      <p:stCondLst>
+                        <p:cond delay="indefinite"/>
+                        <p:cond evt="onBegin" delay="0">
+                          <p:tn val="2"/>
+                        </p:cond>
+                      </p:stCondLst>
+                      <p:childTnLst>
+                        <p:par>
+                          <p:cTn id="4" fill="hold">
+                            <p:stCondLst>
+                              <p:cond delay="0"/>
+                            </p:stCondLst>
+                            <p:childTnLst>
+                              <p:par>
+                                <p:cTn id="5" presetID="22" presetClass="entr" presetSubtype="4" fill="hold" grpId="0" nodeType="withEffect">
+                                  <p:stCondLst>
+                                    <p:cond delay="0"/>
+                                  </p:stCondLst>
+                                  <p:childTnLst>
+                                    <p:set>
+                                      <p:cBhvr>
+                                        <p:cTn id="6" dur="1" fill="hold">
+                                          <p:stCondLst>
+                                            <p:cond delay="0"/>
+                                          </p:stCondLst>
+                                        </p:cTn>
+                                        <p:tgtEl>
+                                          <p:spTgt spid="15"/>
+                                        </p:tgtEl>
+                                        <p:attrNameLst>
+                                          <p:attrName>style.visibility</p:attrName>
+                                        </p:attrNameLst>
+                                      </p:cBhvr>
+                                      <p:to>
+                                        <p:strVal val="visible"/>
+                                      </p:to>
+                                    </p:set>
+                                    <p:animEffect transition="in" filter="wipe(down)">
+                                      <p:cBhvr>
+                                        <p:cTn id="7" dur="500"/>
+                                        <p:tgtEl>
+                                          <p:spTgt spid="15"/>
+                                        </p:tgtEl>
+                                      </p:cBhvr>
+                                    </p:animEffect>
+                                  </p:childTnLst>
+                                </p:cTn>
+                              </p:par>
+                            </p:childTnLst>
+                          </p:cTn>
+                        </p:par>
+                      </p:childTnLst>
+                    </p:cTn>
+                  </p:par>
+                </p:childTnLst>
+              </p:cTn>
+              <p:prevCondLst>
+                <p:cond evt="onPrev" delay="0">
+                  <p:tgtEl>
+                    <p:sldTgt/>
+                  </p:tgtEl>
+                </p:cond>
+              </p:prevCondLst>
+              <p:nextCondLst>
+                <p:cond evt="onNext" delay="0">
+                  <p:tgtEl>
+                    <p:sldTgt/>
+                  </p:tgtEl>
+                </p:cond>
+              </p:nextCondLst>
+            </p:seq>
+          </p:childTnLst>
+        </p:cTn>
+      </p:par>
+    </p:tnLst>
+    <p:bldLst>
+      <p:bldP spid="15" grpId="0"/>
+    </p:bldLst>
+  </p:timing>
+</p:sld>
+</file>
+
+<file path=ppt/slides/slide34.xml><?xml version="1.0" encoding="utf-8"?>
+<p:sld xmlns:a="http://schemas.openxmlformats.org/drawingml/2006/main" xmlns:r="http://schemas.openxmlformats.org/officeDocument/2006/relationships" xmlns:p="http://schemas.openxmlformats.org/presentationml/2006/main">
+  <p:cSld>
+    <p:spTree>
+      <p:nvGrpSpPr>
+        <p:cNvPr id="1" name=""/>
+        <p:cNvGrpSpPr/>
+        <p:nvPr/>
+      </p:nvGrpSpPr>
+      <p:grpSpPr>
+        <a:xfrm>
+          <a:off x="0" y="0"/>
+          <a:ext cx="0" cy="0"/>
+          <a:chOff x="0" y="0"/>
+          <a:chExt cx="0" cy="0"/>
+        </a:xfrm>
+      </p:grpSpPr>
+      <p:pic>
+        <p:nvPicPr>
           <p:cNvPr id="3" name="图片 2" descr="图示&#10;&#10;描述已自动生成">
             <a:extLst>
               <a:ext uri="{FF2B5EF4-FFF2-40B4-BE49-F238E27FC236}">
@@ -25274,7 +25834,7 @@
 </p:sld>
 </file>
 
-<file path=ppt/slides/slide34.xml><?xml version="1.0" encoding="utf-8"?>
+<file path=ppt/slides/slide35.xml><?xml version="1.0" encoding="utf-8"?>
 <p:sld xmlns:a="http://schemas.openxmlformats.org/drawingml/2006/main" xmlns:r="http://schemas.openxmlformats.org/officeDocument/2006/relationships" xmlns:p="http://schemas.openxmlformats.org/presentationml/2006/main">
   <p:cSld>
     <p:spTree>
@@ -26136,7 +26696,7 @@
 </p:sld>
 </file>
 
-<file path=ppt/slides/slide35.xml><?xml version="1.0" encoding="utf-8"?>
+<file path=ppt/slides/slide36.xml><?xml version="1.0" encoding="utf-8"?>
 <p:sld xmlns:a="http://schemas.openxmlformats.org/drawingml/2006/main" xmlns:r="http://schemas.openxmlformats.org/officeDocument/2006/relationships" xmlns:p="http://schemas.openxmlformats.org/presentationml/2006/main">
   <p:cSld>
     <p:spTree>
@@ -26991,7 +27551,7 @@
 </p:sld>
 </file>
 
-<file path=ppt/slides/slide36.xml><?xml version="1.0" encoding="utf-8"?>
+<file path=ppt/slides/slide37.xml><?xml version="1.0" encoding="utf-8"?>
 <p:sld xmlns:a="http://schemas.openxmlformats.org/drawingml/2006/main" xmlns:r="http://schemas.openxmlformats.org/officeDocument/2006/relationships" xmlns:p="http://schemas.openxmlformats.org/presentationml/2006/main">
   <p:cSld>
     <p:spTree>
@@ -27606,7 +28166,7 @@
 </p:sld>
 </file>
 
-<file path=ppt/slides/slide37.xml><?xml version="1.0" encoding="utf-8"?>
+<file path=ppt/slides/slide38.xml><?xml version="1.0" encoding="utf-8"?>
 <p:sld xmlns:a="http://schemas.openxmlformats.org/drawingml/2006/main" xmlns:r="http://schemas.openxmlformats.org/officeDocument/2006/relationships" xmlns:p="http://schemas.openxmlformats.org/presentationml/2006/main">
   <p:cSld>
     <p:spTree>
@@ -28222,7 +28782,7 @@
 </p:sld>
 </file>
 
-<file path=ppt/slides/slide38.xml><?xml version="1.0" encoding="utf-8"?>
+<file path=ppt/slides/slide39.xml><?xml version="1.0" encoding="utf-8"?>
 <p:sld xmlns:a="http://schemas.openxmlformats.org/drawingml/2006/main" xmlns:r="http://schemas.openxmlformats.org/officeDocument/2006/relationships" xmlns:p="http://schemas.openxmlformats.org/presentationml/2006/main">
   <p:cSld>
     <p:spTree>
@@ -34922,6 +35482,12 @@
 </file>
 
 <file path=ppt/tags/tag55.xml><?xml version="1.0" encoding="utf-8"?>
+<p:tagLst xmlns:a="http://schemas.openxmlformats.org/drawingml/2006/main" xmlns:r="http://schemas.openxmlformats.org/officeDocument/2006/relationships" xmlns:p="http://schemas.openxmlformats.org/presentationml/2006/main">
+  <p:tag name="PA" val="v3.2.0"/>
+</p:tagLst>
+</file>
+
+<file path=ppt/tags/tag56.xml><?xml version="1.0" encoding="utf-8"?>
 <p:tagLst xmlns:a="http://schemas.openxmlformats.org/drawingml/2006/main" xmlns:r="http://schemas.openxmlformats.org/officeDocument/2006/relationships" xmlns:p="http://schemas.openxmlformats.org/presentationml/2006/main">
   <p:tag name="PA" val="v3.2.0"/>
 </p:tagLst>
